--- a/data/Improve Orphanet disease description knowledge by phenotypic automated recognition using scrapping toolkits/BH_Scrapping_David.pptx
+++ b/data/Improve Orphanet disease description knowledge by phenotypic automated recognition using scrapping toolkits/BH_Scrapping_David.pptx
@@ -205,7 +205,7 @@
           <a:p>
             <a:fld id="{D304DAE6-7A8F-4F48-9AD1-F278C4226D9A}" type="datetimeFigureOut">
               <a:rPr lang="fr-FR" smtClean="0"/>
-              <a:t>31/10/2018</a:t>
+              <a:t>02/11/2018</a:t>
             </a:fld>
             <a:endParaRPr lang="fr-FR"/>
           </a:p>
@@ -1171,7 +1171,7 @@
           <a:p>
             <a:fld id="{4F6F4637-373D-4836-AA95-4B9D85F327C3}" type="datetimeFigureOut">
               <a:rPr lang="fr-FR" smtClean="0"/>
-              <a:t>31/10/2018</a:t>
+              <a:t>02/11/2018</a:t>
             </a:fld>
             <a:endParaRPr lang="fr-FR"/>
           </a:p>
@@ -1341,7 +1341,7 @@
           <a:p>
             <a:fld id="{4F6F4637-373D-4836-AA95-4B9D85F327C3}" type="datetimeFigureOut">
               <a:rPr lang="fr-FR" smtClean="0"/>
-              <a:t>31/10/2018</a:t>
+              <a:t>02/11/2018</a:t>
             </a:fld>
             <a:endParaRPr lang="fr-FR"/>
           </a:p>
@@ -1521,7 +1521,7 @@
           <a:p>
             <a:fld id="{4F6F4637-373D-4836-AA95-4B9D85F327C3}" type="datetimeFigureOut">
               <a:rPr lang="fr-FR" smtClean="0"/>
-              <a:t>31/10/2018</a:t>
+              <a:t>02/11/2018</a:t>
             </a:fld>
             <a:endParaRPr lang="fr-FR"/>
           </a:p>
@@ -2568,7 +2568,7 @@
           <a:p>
             <a:fld id="{4F6F4637-373D-4836-AA95-4B9D85F327C3}" type="datetimeFigureOut">
               <a:rPr lang="fr-FR" smtClean="0"/>
-              <a:t>31/10/2018</a:t>
+              <a:t>02/11/2018</a:t>
             </a:fld>
             <a:endParaRPr lang="fr-FR"/>
           </a:p>
@@ -2814,7 +2814,7 @@
           <a:p>
             <a:fld id="{4F6F4637-373D-4836-AA95-4B9D85F327C3}" type="datetimeFigureOut">
               <a:rPr lang="fr-FR" smtClean="0"/>
-              <a:t>31/10/2018</a:t>
+              <a:t>02/11/2018</a:t>
             </a:fld>
             <a:endParaRPr lang="fr-FR"/>
           </a:p>
@@ -3046,7 +3046,7 @@
           <a:p>
             <a:fld id="{4F6F4637-373D-4836-AA95-4B9D85F327C3}" type="datetimeFigureOut">
               <a:rPr lang="fr-FR" smtClean="0"/>
-              <a:t>31/10/2018</a:t>
+              <a:t>02/11/2018</a:t>
             </a:fld>
             <a:endParaRPr lang="fr-FR"/>
           </a:p>
@@ -3413,7 +3413,7 @@
           <a:p>
             <a:fld id="{4F6F4637-373D-4836-AA95-4B9D85F327C3}" type="datetimeFigureOut">
               <a:rPr lang="fr-FR" smtClean="0"/>
-              <a:t>31/10/2018</a:t>
+              <a:t>02/11/2018</a:t>
             </a:fld>
             <a:endParaRPr lang="fr-FR"/>
           </a:p>
@@ -3531,7 +3531,7 @@
           <a:p>
             <a:fld id="{4F6F4637-373D-4836-AA95-4B9D85F327C3}" type="datetimeFigureOut">
               <a:rPr lang="fr-FR" smtClean="0"/>
-              <a:t>31/10/2018</a:t>
+              <a:t>02/11/2018</a:t>
             </a:fld>
             <a:endParaRPr lang="fr-FR"/>
           </a:p>
@@ -3626,7 +3626,7 @@
           <a:p>
             <a:fld id="{4F6F4637-373D-4836-AA95-4B9D85F327C3}" type="datetimeFigureOut">
               <a:rPr lang="fr-FR" smtClean="0"/>
-              <a:t>31/10/2018</a:t>
+              <a:t>02/11/2018</a:t>
             </a:fld>
             <a:endParaRPr lang="fr-FR"/>
           </a:p>
@@ -3903,7 +3903,7 @@
           <a:p>
             <a:fld id="{4F6F4637-373D-4836-AA95-4B9D85F327C3}" type="datetimeFigureOut">
               <a:rPr lang="fr-FR" smtClean="0"/>
-              <a:t>31/10/2018</a:t>
+              <a:t>02/11/2018</a:t>
             </a:fld>
             <a:endParaRPr lang="fr-FR"/>
           </a:p>
@@ -4156,7 +4156,7 @@
           <a:p>
             <a:fld id="{4F6F4637-373D-4836-AA95-4B9D85F327C3}" type="datetimeFigureOut">
               <a:rPr lang="fr-FR" smtClean="0"/>
-              <a:t>31/10/2018</a:t>
+              <a:t>02/11/2018</a:t>
             </a:fld>
             <a:endParaRPr lang="fr-FR"/>
           </a:p>
@@ -4369,7 +4369,7 @@
           <a:p>
             <a:fld id="{4F6F4637-373D-4836-AA95-4B9D85F327C3}" type="datetimeFigureOut">
               <a:rPr lang="fr-FR" smtClean="0"/>
-              <a:t>31/10/2018</a:t>
+              <a:t>02/11/2018</a:t>
             </a:fld>
             <a:endParaRPr lang="fr-FR"/>
           </a:p>
@@ -4896,7 +4896,7 @@
               </a14:hiddenLine>
             </a:ext>
             <a:ext uri="{FAA26D3D-D897-4be2-8F04-BA451C77F1D7}">
-              <ma14:placeholderFlag xmlns="" xmlns:ma14="http://schemas.microsoft.com/office/mac/drawingml/2011/main" val="1"/>
+              <ma14:placeholderFlag xmlns:ma14="http://schemas.microsoft.com/office/mac/drawingml/2011/main" xmlns="" val="1"/>
             </a:ext>
           </a:extLst>
         </p:spPr>
@@ -5348,6 +5348,245 @@
           </a:prstGeom>
         </p:spPr>
       </p:pic>
+      <p:sp>
+        <p:nvSpPr>
+          <p:cNvPr id="14" name="Google Shape;68;p11"/>
+          <p:cNvSpPr txBox="1">
+            <a:spLocks/>
+          </p:cNvSpPr>
+          <p:nvPr/>
+        </p:nvSpPr>
+        <p:spPr>
+          <a:xfrm>
+            <a:off x="0" y="311205"/>
+            <a:ext cx="4812933" cy="774775"/>
+          </a:xfrm>
+          <a:prstGeom prst="rect">
+            <a:avLst/>
+          </a:prstGeom>
+        </p:spPr>
+        <p:txBody>
+          <a:bodyPr spcFirstLastPara="1" wrap="square" lIns="91425" tIns="91425" rIns="91425" bIns="91425" anchor="ctr" anchorCtr="0">
+            <a:noAutofit/>
+          </a:bodyPr>
+          <a:lstStyle>
+            <a:lvl1pPr marL="228600" indent="-228600" algn="l" defTabSz="914400" rtl="0" eaLnBrk="1" latinLnBrk="0" hangingPunct="1">
+              <a:lnSpc>
+                <a:spcPct val="90000"/>
+              </a:lnSpc>
+              <a:spcBef>
+                <a:spcPts val="1000"/>
+              </a:spcBef>
+              <a:buFont typeface="Arial" panose="020B0604020202020204" pitchFamily="34" charset="0"/>
+              <a:buChar char="•"/>
+              <a:defRPr sz="2800" kern="1200">
+                <a:solidFill>
+                  <a:schemeClr val="tx1"/>
+                </a:solidFill>
+                <a:latin typeface="+mn-lt"/>
+                <a:ea typeface="+mn-ea"/>
+                <a:cs typeface="+mn-cs"/>
+              </a:defRPr>
+            </a:lvl1pPr>
+            <a:lvl2pPr marL="685800" indent="-228600" algn="l" defTabSz="914400" rtl="0" eaLnBrk="1" latinLnBrk="0" hangingPunct="1">
+              <a:lnSpc>
+                <a:spcPct val="90000"/>
+              </a:lnSpc>
+              <a:spcBef>
+                <a:spcPts val="500"/>
+              </a:spcBef>
+              <a:buFont typeface="Arial" panose="020B0604020202020204" pitchFamily="34" charset="0"/>
+              <a:buChar char="•"/>
+              <a:defRPr sz="2400" kern="1200">
+                <a:solidFill>
+                  <a:schemeClr val="tx1"/>
+                </a:solidFill>
+                <a:latin typeface="+mn-lt"/>
+                <a:ea typeface="+mn-ea"/>
+                <a:cs typeface="+mn-cs"/>
+              </a:defRPr>
+            </a:lvl2pPr>
+            <a:lvl3pPr marL="1143000" indent="-228600" algn="l" defTabSz="914400" rtl="0" eaLnBrk="1" latinLnBrk="0" hangingPunct="1">
+              <a:lnSpc>
+                <a:spcPct val="90000"/>
+              </a:lnSpc>
+              <a:spcBef>
+                <a:spcPts val="500"/>
+              </a:spcBef>
+              <a:buFont typeface="Arial" panose="020B0604020202020204" pitchFamily="34" charset="0"/>
+              <a:buChar char="•"/>
+              <a:defRPr sz="2000" kern="1200">
+                <a:solidFill>
+                  <a:schemeClr val="tx1"/>
+                </a:solidFill>
+                <a:latin typeface="+mn-lt"/>
+                <a:ea typeface="+mn-ea"/>
+                <a:cs typeface="+mn-cs"/>
+              </a:defRPr>
+            </a:lvl3pPr>
+            <a:lvl4pPr marL="1600200" indent="-228600" algn="l" defTabSz="914400" rtl="0" eaLnBrk="1" latinLnBrk="0" hangingPunct="1">
+              <a:lnSpc>
+                <a:spcPct val="90000"/>
+              </a:lnSpc>
+              <a:spcBef>
+                <a:spcPts val="500"/>
+              </a:spcBef>
+              <a:buFont typeface="Arial" panose="020B0604020202020204" pitchFamily="34" charset="0"/>
+              <a:buChar char="•"/>
+              <a:defRPr sz="1800" kern="1200">
+                <a:solidFill>
+                  <a:schemeClr val="tx1"/>
+                </a:solidFill>
+                <a:latin typeface="+mn-lt"/>
+                <a:ea typeface="+mn-ea"/>
+                <a:cs typeface="+mn-cs"/>
+              </a:defRPr>
+            </a:lvl4pPr>
+            <a:lvl5pPr marL="2057400" indent="-228600" algn="l" defTabSz="914400" rtl="0" eaLnBrk="1" latinLnBrk="0" hangingPunct="1">
+              <a:lnSpc>
+                <a:spcPct val="90000"/>
+              </a:lnSpc>
+              <a:spcBef>
+                <a:spcPts val="500"/>
+              </a:spcBef>
+              <a:buFont typeface="Arial" panose="020B0604020202020204" pitchFamily="34" charset="0"/>
+              <a:buChar char="•"/>
+              <a:defRPr sz="1800" kern="1200">
+                <a:solidFill>
+                  <a:schemeClr val="tx1"/>
+                </a:solidFill>
+                <a:latin typeface="+mn-lt"/>
+                <a:ea typeface="+mn-ea"/>
+                <a:cs typeface="+mn-cs"/>
+              </a:defRPr>
+            </a:lvl5pPr>
+            <a:lvl6pPr marL="2514600" indent="-228600" algn="l" defTabSz="914400" rtl="0" eaLnBrk="1" latinLnBrk="0" hangingPunct="1">
+              <a:lnSpc>
+                <a:spcPct val="90000"/>
+              </a:lnSpc>
+              <a:spcBef>
+                <a:spcPts val="500"/>
+              </a:spcBef>
+              <a:buFont typeface="Arial" panose="020B0604020202020204" pitchFamily="34" charset="0"/>
+              <a:buChar char="•"/>
+              <a:defRPr sz="1800" kern="1200">
+                <a:solidFill>
+                  <a:schemeClr val="tx1"/>
+                </a:solidFill>
+                <a:latin typeface="+mn-lt"/>
+                <a:ea typeface="+mn-ea"/>
+                <a:cs typeface="+mn-cs"/>
+              </a:defRPr>
+            </a:lvl6pPr>
+            <a:lvl7pPr marL="2971800" indent="-228600" algn="l" defTabSz="914400" rtl="0" eaLnBrk="1" latinLnBrk="0" hangingPunct="1">
+              <a:lnSpc>
+                <a:spcPct val="90000"/>
+              </a:lnSpc>
+              <a:spcBef>
+                <a:spcPts val="500"/>
+              </a:spcBef>
+              <a:buFont typeface="Arial" panose="020B0604020202020204" pitchFamily="34" charset="0"/>
+              <a:buChar char="•"/>
+              <a:defRPr sz="1800" kern="1200">
+                <a:solidFill>
+                  <a:schemeClr val="tx1"/>
+                </a:solidFill>
+                <a:latin typeface="+mn-lt"/>
+                <a:ea typeface="+mn-ea"/>
+                <a:cs typeface="+mn-cs"/>
+              </a:defRPr>
+            </a:lvl7pPr>
+            <a:lvl8pPr marL="3429000" indent="-228600" algn="l" defTabSz="914400" rtl="0" eaLnBrk="1" latinLnBrk="0" hangingPunct="1">
+              <a:lnSpc>
+                <a:spcPct val="90000"/>
+              </a:lnSpc>
+              <a:spcBef>
+                <a:spcPts val="500"/>
+              </a:spcBef>
+              <a:buFont typeface="Arial" panose="020B0604020202020204" pitchFamily="34" charset="0"/>
+              <a:buChar char="•"/>
+              <a:defRPr sz="1800" kern="1200">
+                <a:solidFill>
+                  <a:schemeClr val="tx1"/>
+                </a:solidFill>
+                <a:latin typeface="+mn-lt"/>
+                <a:ea typeface="+mn-ea"/>
+                <a:cs typeface="+mn-cs"/>
+              </a:defRPr>
+            </a:lvl8pPr>
+            <a:lvl9pPr marL="3886200" indent="-228600" algn="l" defTabSz="914400" rtl="0" eaLnBrk="1" latinLnBrk="0" hangingPunct="1">
+              <a:lnSpc>
+                <a:spcPct val="90000"/>
+              </a:lnSpc>
+              <a:spcBef>
+                <a:spcPts val="500"/>
+              </a:spcBef>
+              <a:buFont typeface="Arial" panose="020B0604020202020204" pitchFamily="34" charset="0"/>
+              <a:buChar char="•"/>
+              <a:defRPr sz="1800" kern="1200">
+                <a:solidFill>
+                  <a:schemeClr val="tx1"/>
+                </a:solidFill>
+                <a:latin typeface="+mn-lt"/>
+                <a:ea typeface="+mn-ea"/>
+                <a:cs typeface="+mn-cs"/>
+              </a:defRPr>
+            </a:lvl9pPr>
+          </a:lstStyle>
+          <a:p>
+            <a:pPr marL="0" indent="0" algn="ctr">
+              <a:spcBef>
+                <a:spcPts val="0"/>
+              </a:spcBef>
+              <a:buClr>
+                <a:schemeClr val="dk1"/>
+              </a:buClr>
+              <a:buSzPts val="1100"/>
+              <a:buFont typeface="Arial"/>
+              <a:buNone/>
+            </a:pPr>
+            <a:r>
+              <a:rPr lang="sv-SE" sz="3200" b="1">
+                <a:latin typeface="+mj-lt"/>
+                <a:ea typeface="+mj-ea"/>
+                <a:cs typeface="+mj-cs"/>
+              </a:rPr>
+              <a:t>BioHackathon</a:t>
+            </a:r>
+            <a:r>
+              <a:rPr lang="sv-SE" sz="3200" b="1">
+                <a:latin typeface="+mj-lt"/>
+                <a:ea typeface="+mj-ea"/>
+                <a:cs typeface="+mj-cs"/>
+              </a:rPr>
+              <a:t> 2018 - Paris</a:t>
+            </a:r>
+          </a:p>
+          <a:p>
+            <a:pPr marL="0" indent="0" algn="ctr">
+              <a:spcBef>
+                <a:spcPts val="0"/>
+              </a:spcBef>
+              <a:buFont typeface="Arial" panose="020B0604020202020204" pitchFamily="34" charset="0"/>
+              <a:buNone/>
+            </a:pPr>
+            <a:r>
+              <a:rPr lang="sv-SE" sz="1800" u="sng" smtClean="0">
+                <a:solidFill>
+                  <a:srgbClr val="FF9900"/>
+                </a:solidFill>
+                <a:hlinkClick r:id="rId6"/>
+              </a:rPr>
+              <a:t>http://bh2018paris.info/</a:t>
+            </a:r>
+            <a:endParaRPr lang="sv-SE" sz="3600">
+              <a:solidFill>
+                <a:srgbClr val="FF9900"/>
+              </a:solidFill>
+            </a:endParaRPr>
+          </a:p>
+        </p:txBody>
+      </p:sp>
     </p:spTree>
     <p:extLst>
       <p:ext uri="{BB962C8B-B14F-4D97-AF65-F5344CB8AC3E}">
@@ -6441,7 +6680,7 @@
         </p:nvGrpSpPr>
         <p:grpSpPr>
           <a:xfrm>
-            <a:off x="3125655" y="1670621"/>
+            <a:off x="3290399" y="1634587"/>
             <a:ext cx="3240360" cy="585065"/>
             <a:chOff x="409037" y="1718810"/>
             <a:chExt cx="3240360" cy="585065"/>
@@ -6545,10 +6784,10 @@
         </p:nvGrpSpPr>
         <p:grpSpPr>
           <a:xfrm>
-            <a:off x="8278729" y="1670620"/>
-            <a:ext cx="3240360" cy="585065"/>
-            <a:chOff x="5562111" y="1718809"/>
-            <a:chExt cx="3240360" cy="585065"/>
+            <a:off x="8026605" y="1424141"/>
+            <a:ext cx="3859891" cy="870173"/>
+            <a:chOff x="5309987" y="1472330"/>
+            <a:chExt cx="3859891" cy="870173"/>
           </a:xfrm>
           <a:solidFill>
             <a:srgbClr val="FFC000"/>
@@ -6562,8 +6801,8 @@
           </p:nvSpPr>
           <p:spPr>
             <a:xfrm>
-              <a:off x="5562111" y="1718809"/>
-              <a:ext cx="3240360" cy="585065"/>
+              <a:off x="5532967" y="1472330"/>
+              <a:ext cx="3385337" cy="870173"/>
             </a:xfrm>
             <a:prstGeom prst="roundRect">
               <a:avLst/>
@@ -6610,13 +6849,13 @@
           </p:nvSpPr>
           <p:spPr>
             <a:xfrm>
-              <a:off x="6012162" y="1808820"/>
-              <a:ext cx="2340259" cy="369332"/>
+              <a:off x="5309987" y="1518746"/>
+              <a:ext cx="3859891" cy="646331"/>
             </a:xfrm>
             <a:prstGeom prst="rect">
               <a:avLst/>
             </a:prstGeom>
-            <a:grpFill/>
+            <a:noFill/>
           </p:spPr>
           <p:txBody>
             <a:bodyPr wrap="square" rtlCol="0">
@@ -6626,8 +6865,8 @@
             <a:p>
               <a:pPr algn="ctr"/>
               <a:r>
-                <a:rPr lang="fr-FR" dirty="0"/>
-                <a:t>HPO </a:t>
+                <a:rPr lang="fr-FR" smtClean="0"/>
+                <a:t>Human Phenotype Ontology (HPO) </a:t>
               </a:r>
               <a:r>
                 <a:rPr lang="fr-FR" dirty="0" err="1"/>
@@ -7331,9 +7570,9 @@
           <p:nvPr/>
         </p:nvCxnSpPr>
         <p:spPr>
-          <a:xfrm>
-            <a:off x="6407700" y="1945296"/>
-            <a:ext cx="1800200" cy="0"/>
+          <a:xfrm flipV="1">
+            <a:off x="6407700" y="1945295"/>
+            <a:ext cx="2013093" cy="1"/>
           </a:xfrm>
           <a:prstGeom prst="straightConnector1">
             <a:avLst/>
@@ -7513,7 +7752,7 @@
         </p:nvSpPr>
         <p:spPr>
           <a:xfrm>
-            <a:off x="9133823" y="2120670"/>
+            <a:off x="9099582" y="2135601"/>
             <a:ext cx="1980220" cy="450050"/>
           </a:xfrm>
           <a:prstGeom prst="ellipse">
@@ -7585,7 +7824,7 @@
         </p:blipFill>
         <p:spPr>
           <a:xfrm>
-            <a:off x="11589918" y="1651450"/>
+            <a:off x="11664121" y="1169526"/>
             <a:ext cx="441220" cy="694245"/>
           </a:xfrm>
           <a:prstGeom prst="rect">
@@ -7668,6 +7907,38 @@
           </a:prstGeom>
         </p:spPr>
       </p:pic>
+      <p:sp>
+        <p:nvSpPr>
+          <p:cNvPr id="26" name="ZoneTexte 25"/>
+          <p:cNvSpPr txBox="1"/>
+          <p:nvPr/>
+        </p:nvSpPr>
+        <p:spPr>
+          <a:xfrm>
+            <a:off x="9910858" y="2710177"/>
+            <a:ext cx="2056589" cy="369332"/>
+          </a:xfrm>
+          <a:prstGeom prst="rect">
+            <a:avLst/>
+          </a:prstGeom>
+          <a:noFill/>
+        </p:spPr>
+        <p:txBody>
+          <a:bodyPr wrap="none" rtlCol="0">
+            <a:spAutoFit/>
+          </a:bodyPr>
+          <a:lstStyle/>
+          <a:p>
+            <a:r>
+              <a:rPr lang="fr-FR">
+                <a:hlinkClick r:id="rId8"/>
+              </a:rPr>
+              <a:t>https://hpo.jax.org/</a:t>
+            </a:r>
+            <a:endParaRPr lang="fr-FR"/>
+          </a:p>
+        </p:txBody>
+      </p:sp>
     </p:spTree>
     <p:extLst>
       <p:ext uri="{BB962C8B-B14F-4D97-AF65-F5344CB8AC3E}">
@@ -8363,7 +8634,11 @@
             </a:r>
             <a:r>
               <a:rPr lang="en-US" sz="2400"/>
-              <a:t>the process by </a:t>
+              <a:t>the process </a:t>
+            </a:r>
+            <a:r>
+              <a:rPr lang="en-US" sz="2400" smtClean="0"/>
+              <a:t>of disease-HPO annotation by </a:t>
             </a:r>
             <a:r>
               <a:rPr lang="en-US" sz="2400" smtClean="0"/>
@@ -8392,7 +8667,15 @@
             </a:r>
             <a:r>
               <a:rPr lang="en-US" sz="2400"/>
-              <a:t>the curation process by comparaison between the automated recognition and the annotations already provided by Orphanet</a:t>
+              <a:t>the curation process by </a:t>
+            </a:r>
+            <a:r>
+              <a:rPr lang="en-US" sz="2400" smtClean="0"/>
+              <a:t>comparison </a:t>
+            </a:r>
+            <a:r>
+              <a:rPr lang="en-US" sz="2400"/>
+              <a:t>between the automated recognition and the annotations already provided by Orphanet</a:t>
             </a:r>
             <a:r>
               <a:rPr lang="en-US" sz="2400" smtClean="0"/>
@@ -8405,7 +8688,15 @@
           <a:p>
             <a:r>
               <a:rPr lang="en-US" sz="2400"/>
-              <a:t>To this end, throught a dedicated pipeline we propose to text-mine data from our database and/or from elsewhere (url, text files) in order to scrap HPO terms.</a:t>
+              <a:t>To this end, </a:t>
+            </a:r>
+            <a:r>
+              <a:rPr lang="en-US" sz="2400" smtClean="0"/>
+              <a:t>through </a:t>
+            </a:r>
+            <a:r>
+              <a:rPr lang="en-US" sz="2400"/>
+              <a:t>a dedicated pipeline we propose to text-mine data from our database and/or from elsewhere (url, text files) in order to scrap HPO terms.</a:t>
             </a:r>
             <a:endParaRPr lang="fr-FR" sz="2400"/>
           </a:p>
@@ -8951,7 +9242,11 @@
             </a:r>
             <a:r>
               <a:rPr lang="fr-FR" sz="1500" b="1" smtClean="0"/>
-              <a:t>Improve HPO-ORDO Ontology</a:t>
+              <a:t>Improve HPO-ORDO </a:t>
+            </a:r>
+            <a:r>
+              <a:rPr lang="fr-FR" sz="1500" b="1" smtClean="0"/>
+              <a:t>Ontology (HOOM)</a:t>
             </a:r>
             <a:endParaRPr lang="fr-FR" sz="1500" b="1"/>
           </a:p>
@@ -9324,7 +9619,7 @@
         </p:blipFill>
         <p:spPr>
           <a:xfrm>
-            <a:off x="9921107" y="3937276"/>
+            <a:off x="10054111" y="3937276"/>
             <a:ext cx="2036092" cy="657939"/>
           </a:xfrm>
           <a:prstGeom prst="rect">
@@ -11032,7 +11327,7 @@
         </p:nvSpPr>
         <p:spPr>
           <a:xfrm>
-            <a:off x="1065600" y="1892371"/>
+            <a:off x="1065600" y="1518298"/>
             <a:ext cx="6168044" cy="748145"/>
           </a:xfrm>
           <a:prstGeom prst="roundRect">
@@ -11080,7 +11375,7 @@
         </p:nvSpPr>
         <p:spPr>
           <a:xfrm>
-            <a:off x="1180483" y="2233303"/>
+            <a:off x="1180483" y="1859230"/>
             <a:ext cx="82193" cy="82193"/>
           </a:xfrm>
           <a:prstGeom prst="ellipse">
@@ -11120,7 +11415,7 @@
         </p:nvSpPr>
         <p:spPr>
           <a:xfrm>
-            <a:off x="1340351" y="2023395"/>
+            <a:off x="1340351" y="1649322"/>
             <a:ext cx="4573688" cy="523220"/>
           </a:xfrm>
           <a:prstGeom prst="rect">
@@ -11150,7 +11445,7 @@
         </p:nvSpPr>
         <p:spPr>
           <a:xfrm>
-            <a:off x="1383053" y="2684424"/>
+            <a:off x="1383053" y="2310351"/>
             <a:ext cx="6291719" cy="748145"/>
           </a:xfrm>
           <a:prstGeom prst="roundRect">
@@ -11198,7 +11493,7 @@
         </p:nvSpPr>
         <p:spPr>
           <a:xfrm>
-            <a:off x="1497937" y="3025356"/>
+            <a:off x="1497937" y="2651283"/>
             <a:ext cx="82193" cy="82193"/>
           </a:xfrm>
           <a:prstGeom prst="ellipse">
@@ -11238,7 +11533,7 @@
         </p:nvSpPr>
         <p:spPr>
           <a:xfrm>
-            <a:off x="1657805" y="2815448"/>
+            <a:off x="1657805" y="2441375"/>
             <a:ext cx="6016968" cy="523220"/>
           </a:xfrm>
           <a:prstGeom prst="rect">
@@ -11254,11 +11549,7 @@
           <a:p>
             <a:r>
               <a:rPr lang="en-US" sz="2800" smtClean="0"/>
-              <a:t>Testing\Enhancing of </a:t>
-            </a:r>
-            <a:r>
-              <a:rPr lang="en-US" sz="2800" smtClean="0"/>
-              <a:t>docker </a:t>
+              <a:t>Testing\Enhancing of docker </a:t>
             </a:r>
             <a:r>
               <a:rPr lang="en-US" sz="2800" smtClean="0">
@@ -11298,7 +11589,7 @@
         </p:nvSpPr>
         <p:spPr>
           <a:xfrm>
-            <a:off x="1580130" y="3483158"/>
+            <a:off x="1580130" y="3441590"/>
             <a:ext cx="6442794" cy="1001006"/>
           </a:xfrm>
           <a:prstGeom prst="roundRect">
@@ -11346,7 +11637,7 @@
         </p:nvSpPr>
         <p:spPr>
           <a:xfrm>
-            <a:off x="1695013" y="3824090"/>
+            <a:off x="1695013" y="3782522"/>
             <a:ext cx="82193" cy="82193"/>
           </a:xfrm>
           <a:prstGeom prst="ellipse">
@@ -11386,7 +11677,7 @@
         </p:nvSpPr>
         <p:spPr>
           <a:xfrm>
-            <a:off x="1854881" y="3614182"/>
+            <a:off x="1854881" y="3572614"/>
             <a:ext cx="5278304" cy="954107"/>
           </a:xfrm>
           <a:prstGeom prst="rect">
@@ -11458,7 +11749,7 @@
         </p:nvSpPr>
         <p:spPr>
           <a:xfrm>
-            <a:off x="1777205" y="4540662"/>
+            <a:off x="1777205" y="4839920"/>
             <a:ext cx="7059224" cy="1001006"/>
           </a:xfrm>
           <a:prstGeom prst="roundRect">
@@ -11506,7 +11797,7 @@
         </p:nvSpPr>
         <p:spPr>
           <a:xfrm>
-            <a:off x="1892089" y="4881594"/>
+            <a:off x="1892089" y="5180852"/>
             <a:ext cx="82193" cy="82193"/>
           </a:xfrm>
           <a:prstGeom prst="ellipse">
@@ -11546,7 +11837,7 @@
         </p:nvSpPr>
         <p:spPr>
           <a:xfrm>
-            <a:off x="2051957" y="4671686"/>
+            <a:off x="2051957" y="4970944"/>
             <a:ext cx="6876241" cy="954107"/>
           </a:xfrm>
           <a:prstGeom prst="rect">
@@ -11633,7 +11924,7 @@
         </p:nvSpPr>
         <p:spPr>
           <a:xfrm>
-            <a:off x="6185471" y="5874916"/>
+            <a:off x="6185471" y="5982983"/>
             <a:ext cx="6008531" cy="455218"/>
           </a:xfrm>
         </p:spPr>
@@ -11737,11 +12028,6 @@
               </a:rPr>
               <a:t>Skills:</a:t>
             </a:r>
-            <a:endParaRPr lang="fr-FR" altLang="fr-FR" sz="2800" b="1">
-              <a:latin typeface="+mj-lt"/>
-              <a:ea typeface="+mj-ea"/>
-              <a:cs typeface="+mj-cs"/>
-            </a:endParaRPr>
           </a:p>
           <a:p>
             <a:pPr marL="285750" indent="-285750" eaLnBrk="0" fontAlgn="base" hangingPunct="0">
@@ -11786,15 +12072,7 @@
                 <a:ea typeface="+mj-ea"/>
                 <a:cs typeface="+mj-cs"/>
               </a:rPr>
-              <a:t>React </a:t>
-            </a:r>
-            <a:r>
-              <a:rPr lang="fr-FR" sz="2800" b="1">
-                <a:latin typeface="+mj-lt"/>
-                <a:ea typeface="+mj-ea"/>
-                <a:cs typeface="+mj-cs"/>
-              </a:rPr>
-              <a:t>JS</a:t>
+              <a:t>React JS</a:t>
             </a:r>
           </a:p>
           <a:p>
@@ -11840,23 +12118,7 @@
                 <a:ea typeface="+mj-ea"/>
                 <a:cs typeface="+mj-cs"/>
               </a:rPr>
-              <a:t>XML</a:t>
-            </a:r>
-            <a:r>
-              <a:rPr lang="fr-FR" altLang="fr-FR" sz="2800" b="1">
-                <a:latin typeface="+mj-lt"/>
-                <a:ea typeface="+mj-ea"/>
-                <a:cs typeface="+mj-cs"/>
-              </a:rPr>
-              <a:t>, JSON, </a:t>
-            </a:r>
-            <a:r>
-              <a:rPr lang="fr-FR" altLang="fr-FR" sz="2800" b="1">
-                <a:latin typeface="+mj-lt"/>
-                <a:ea typeface="+mj-ea"/>
-                <a:cs typeface="+mj-cs"/>
-              </a:rPr>
-              <a:t>RDF/owl files</a:t>
+              <a:t>XML, JSON, RDF/owl files</a:t>
             </a:r>
           </a:p>
           <a:p>
@@ -11878,6 +12140,132 @@
                 <a:srgbClr val="24292E"/>
               </a:solidFill>
               <a:latin typeface="-apple-system"/>
+            </a:endParaRPr>
+          </a:p>
+        </p:txBody>
+      </p:sp>
+      <p:sp>
+        <p:nvSpPr>
+          <p:cNvPr id="7" name="ZoneTexte 6"/>
+          <p:cNvSpPr txBox="1"/>
+          <p:nvPr/>
+        </p:nvSpPr>
+        <p:spPr>
+          <a:xfrm>
+            <a:off x="948790" y="1148966"/>
+            <a:ext cx="918841" cy="369332"/>
+          </a:xfrm>
+          <a:prstGeom prst="rect">
+            <a:avLst/>
+          </a:prstGeom>
+          <a:noFill/>
+        </p:spPr>
+        <p:txBody>
+          <a:bodyPr wrap="none" rtlCol="0">
+            <a:spAutoFit/>
+          </a:bodyPr>
+          <a:lstStyle/>
+          <a:p>
+            <a:r>
+              <a:rPr lang="fr-FR" b="1" i="1" smtClean="0">
+                <a:solidFill>
+                  <a:schemeClr val="accent2">
+                    <a:lumMod val="75000"/>
+                  </a:schemeClr>
+                </a:solidFill>
+              </a:rPr>
+              <a:t>Day 1-2</a:t>
+            </a:r>
+            <a:endParaRPr lang="fr-FR" b="1" i="1">
+              <a:solidFill>
+                <a:schemeClr val="accent2">
+                  <a:lumMod val="75000"/>
+                </a:schemeClr>
+              </a:solidFill>
+            </a:endParaRPr>
+          </a:p>
+        </p:txBody>
+      </p:sp>
+      <p:sp>
+        <p:nvSpPr>
+          <p:cNvPr id="25" name="ZoneTexte 24"/>
+          <p:cNvSpPr txBox="1"/>
+          <p:nvPr/>
+        </p:nvSpPr>
+        <p:spPr>
+          <a:xfrm>
+            <a:off x="1411560" y="3097773"/>
+            <a:ext cx="731290" cy="369332"/>
+          </a:xfrm>
+          <a:prstGeom prst="rect">
+            <a:avLst/>
+          </a:prstGeom>
+          <a:noFill/>
+        </p:spPr>
+        <p:txBody>
+          <a:bodyPr wrap="none" rtlCol="0">
+            <a:spAutoFit/>
+          </a:bodyPr>
+          <a:lstStyle/>
+          <a:p>
+            <a:r>
+              <a:rPr lang="fr-FR" b="1" i="1" smtClean="0">
+                <a:solidFill>
+                  <a:schemeClr val="accent2">
+                    <a:lumMod val="75000"/>
+                  </a:schemeClr>
+                </a:solidFill>
+              </a:rPr>
+              <a:t>Day 3</a:t>
+            </a:r>
+            <a:endParaRPr lang="fr-FR" b="1" i="1">
+              <a:solidFill>
+                <a:schemeClr val="accent2">
+                  <a:lumMod val="75000"/>
+                </a:schemeClr>
+              </a:solidFill>
+            </a:endParaRPr>
+          </a:p>
+        </p:txBody>
+      </p:sp>
+      <p:sp>
+        <p:nvSpPr>
+          <p:cNvPr id="26" name="ZoneTexte 25"/>
+          <p:cNvSpPr txBox="1"/>
+          <p:nvPr/>
+        </p:nvSpPr>
+        <p:spPr>
+          <a:xfrm>
+            <a:off x="1783799" y="4439653"/>
+            <a:ext cx="731290" cy="369332"/>
+          </a:xfrm>
+          <a:prstGeom prst="rect">
+            <a:avLst/>
+          </a:prstGeom>
+          <a:noFill/>
+        </p:spPr>
+        <p:txBody>
+          <a:bodyPr wrap="none" rtlCol="0">
+            <a:spAutoFit/>
+          </a:bodyPr>
+          <a:lstStyle/>
+          <a:p>
+            <a:r>
+              <a:rPr lang="fr-FR" b="1" i="1" smtClean="0">
+                <a:solidFill>
+                  <a:schemeClr val="accent2">
+                    <a:lumMod val="75000"/>
+                  </a:schemeClr>
+                </a:solidFill>
+              </a:rPr>
+              <a:t>Day 4</a:t>
+            </a:r>
+            <a:endParaRPr lang="fr-FR" b="1" i="1">
+              <a:solidFill>
+                <a:schemeClr val="accent2">
+                  <a:lumMod val="75000"/>
+                </a:schemeClr>
+              </a:solidFill>
             </a:endParaRPr>
           </a:p>
         </p:txBody>
@@ -12115,6 +12503,216 @@
               <a:t>github.com/lasigeBioTM/MER</a:t>
             </a:r>
             <a:endParaRPr lang="fr-FR" sz="2000"/>
+          </a:p>
+        </p:txBody>
+      </p:sp>
+      <p:sp>
+        <p:nvSpPr>
+          <p:cNvPr id="4" name="Rectangle 3"/>
+          <p:cNvSpPr/>
+          <p:nvPr/>
+        </p:nvSpPr>
+        <p:spPr>
+          <a:xfrm>
+            <a:off x="7730838" y="616988"/>
+            <a:ext cx="4342630" cy="461665"/>
+          </a:xfrm>
+          <a:prstGeom prst="rect">
+            <a:avLst/>
+          </a:prstGeom>
+        </p:spPr>
+        <p:txBody>
+          <a:bodyPr wrap="square">
+            <a:spAutoFit/>
+          </a:bodyPr>
+          <a:lstStyle/>
+          <a:p>
+            <a:r>
+              <a:rPr lang="fr-FR" sz="2400" kern="0">
+                <a:solidFill>
+                  <a:schemeClr val="accent5">
+                    <a:lumMod val="75000"/>
+                  </a:schemeClr>
+                </a:solidFill>
+              </a:rPr>
+              <a:t>David </a:t>
+            </a:r>
+            <a:r>
+              <a:rPr lang="fr-FR" sz="2400" kern="0" smtClean="0">
+                <a:solidFill>
+                  <a:schemeClr val="accent5">
+                    <a:lumMod val="75000"/>
+                  </a:schemeClr>
+                </a:solidFill>
+              </a:rPr>
+              <a:t>Lagorce </a:t>
+            </a:r>
+            <a:r>
+              <a:rPr lang="fr-FR" i="1" kern="0" smtClean="0">
+                <a:solidFill>
+                  <a:schemeClr val="accent5">
+                    <a:lumMod val="75000"/>
+                  </a:schemeClr>
+                </a:solidFill>
+              </a:rPr>
+              <a:t>david.lagorce@inserm.fr</a:t>
+            </a:r>
+            <a:r>
+              <a:rPr lang="fr-FR" kern="0" smtClean="0">
+                <a:solidFill>
+                  <a:schemeClr val="accent5">
+                    <a:lumMod val="75000"/>
+                  </a:schemeClr>
+                </a:solidFill>
+              </a:rPr>
+              <a:t> </a:t>
+            </a:r>
+            <a:endParaRPr lang="fr-FR" kern="0" dirty="0">
+              <a:solidFill>
+                <a:schemeClr val="accent5">
+                  <a:lumMod val="75000"/>
+                </a:schemeClr>
+              </a:solidFill>
+            </a:endParaRPr>
+          </a:p>
+        </p:txBody>
+      </p:sp>
+      <p:grpSp>
+        <p:nvGrpSpPr>
+          <p:cNvPr id="7" name="Groupe 6"/>
+          <p:cNvGrpSpPr/>
+          <p:nvPr/>
+        </p:nvGrpSpPr>
+        <p:grpSpPr>
+          <a:xfrm>
+            <a:off x="8949267" y="4795335"/>
+            <a:ext cx="2102536" cy="369332"/>
+            <a:chOff x="7730838" y="4025592"/>
+            <a:chExt cx="2102536" cy="369332"/>
+          </a:xfrm>
+        </p:grpSpPr>
+        <p:sp>
+          <p:nvSpPr>
+            <p:cNvPr id="5" name="ZoneTexte 4"/>
+            <p:cNvSpPr txBox="1"/>
+            <p:nvPr/>
+          </p:nvSpPr>
+          <p:spPr>
+            <a:xfrm>
+              <a:off x="9184350" y="4025592"/>
+              <a:ext cx="649024" cy="369332"/>
+            </a:xfrm>
+            <a:prstGeom prst="rect">
+              <a:avLst/>
+            </a:prstGeom>
+            <a:noFill/>
+          </p:spPr>
+          <p:txBody>
+            <a:bodyPr wrap="none" rtlCol="0">
+              <a:spAutoFit/>
+            </a:bodyPr>
+            <a:lstStyle/>
+            <a:p>
+              <a:r>
+                <a:rPr lang="fr-FR" smtClean="0"/>
+                <a:t>Links</a:t>
+              </a:r>
+            </a:p>
+          </p:txBody>
+        </p:sp>
+        <p:pic>
+          <p:nvPicPr>
+            <p:cNvPr id="6" name="Image 5"/>
+            <p:cNvPicPr>
+              <a:picLocks noChangeAspect="1"/>
+            </p:cNvPicPr>
+            <p:nvPr/>
+          </p:nvPicPr>
+          <p:blipFill>
+            <a:blip r:embed="rId2">
+              <a:extLst>
+                <a:ext uri="{28A0092B-C50C-407E-A947-70E740481C1C}">
+                  <a14:useLocalDpi xmlns:a14="http://schemas.microsoft.com/office/drawing/2010/main" val="0"/>
+                </a:ext>
+              </a:extLst>
+            </a:blip>
+            <a:stretch>
+              <a:fillRect/>
+            </a:stretch>
+          </p:blipFill>
+          <p:spPr>
+            <a:xfrm>
+              <a:off x="7730838" y="4074602"/>
+              <a:ext cx="1439335" cy="271313"/>
+            </a:xfrm>
+            <a:prstGeom prst="rect">
+              <a:avLst/>
+            </a:prstGeom>
+          </p:spPr>
+        </p:pic>
+      </p:grpSp>
+      <p:sp>
+        <p:nvSpPr>
+          <p:cNvPr id="8" name="ZoneTexte 7"/>
+          <p:cNvSpPr txBox="1"/>
+          <p:nvPr/>
+        </p:nvSpPr>
+        <p:spPr>
+          <a:xfrm>
+            <a:off x="8949267" y="5164667"/>
+            <a:ext cx="2957028" cy="1200329"/>
+          </a:xfrm>
+          <a:prstGeom prst="rect">
+            <a:avLst/>
+          </a:prstGeom>
+          <a:noFill/>
+        </p:spPr>
+        <p:txBody>
+          <a:bodyPr wrap="none" rtlCol="0">
+            <a:spAutoFit/>
+          </a:bodyPr>
+          <a:lstStyle/>
+          <a:p>
+            <a:r>
+              <a:rPr lang="fr-FR" smtClean="0">
+                <a:hlinkClick r:id="rId3"/>
+              </a:rPr>
+              <a:t>www.orpha.net</a:t>
+            </a:r>
+            <a:endParaRPr lang="fr-FR" smtClean="0"/>
+          </a:p>
+          <a:p>
+            <a:r>
+              <a:rPr lang="fr-FR" smtClean="0">
+                <a:hlinkClick r:id="rId4"/>
+              </a:rPr>
+              <a:t>www.orphadata.org</a:t>
+            </a:r>
+            <a:endParaRPr lang="fr-FR" smtClean="0"/>
+          </a:p>
+          <a:p>
+            <a:r>
+              <a:rPr lang="fr-FR">
+                <a:hlinkClick r:id="rId5"/>
+              </a:rPr>
+              <a:t>https</a:t>
+            </a:r>
+            <a:r>
+              <a:rPr lang="fr-FR">
+                <a:hlinkClick r:id="rId5"/>
+              </a:rPr>
+              <a:t>://</a:t>
+            </a:r>
+            <a:r>
+              <a:rPr lang="fr-FR" smtClean="0">
+                <a:hlinkClick r:id="rId5"/>
+              </a:rPr>
+              <a:t>github.com/Orphanet</a:t>
+            </a:r>
+            <a:endParaRPr lang="fr-FR" smtClean="0"/>
+          </a:p>
+          <a:p>
+            <a:endParaRPr lang="fr-FR" smtClean="0"/>
           </a:p>
         </p:txBody>
       </p:sp>

--- a/data/Improve Orphanet disease description knowledge by phenotypic automated recognition using scrapping toolkits/BH_Scrapping_David.pptx
+++ b/data/Improve Orphanet disease description knowledge by phenotypic automated recognition using scrapping toolkits/BH_Scrapping_David.pptx
@@ -1,6 +1,6 @@
 
 <file path=ppt/presentation.xml><?xml version="1.0" encoding="utf-8"?>
-<p:presentation xmlns:a="http://schemas.openxmlformats.org/drawingml/2006/main" xmlns:r="http://schemas.openxmlformats.org/officeDocument/2006/relationships" xmlns:p="http://schemas.openxmlformats.org/presentationml/2006/main" saveSubsetFonts="1">
+<p:presentation xmlns:a="http://schemas.openxmlformats.org/drawingml/2006/main" xmlns:r="http://schemas.openxmlformats.org/officeDocument/2006/relationships" xmlns:mc="http://schemas.openxmlformats.org/markup-compatibility/2006" xmlns:mv="urn:schemas-microsoft-com:mac:vml" xmlns:p="http://schemas.openxmlformats.org/presentationml/2006/main" mc:Ignorable="mv" mc:PreserveAttributes="mv:*" saveSubsetFonts="1">
   <p:sldMasterIdLst>
     <p:sldMasterId id="2147483648" r:id="rId1"/>
   </p:sldMasterIdLst>
@@ -15,8 +15,8 @@
     <p:sldId id="270" r:id="rId6"/>
     <p:sldId id="278" r:id="rId7"/>
     <p:sldId id="277" r:id="rId8"/>
-    <p:sldId id="276" r:id="rId9"/>
-    <p:sldId id="275" r:id="rId10"/>
+    <p:sldId id="283" r:id="rId9"/>
+    <p:sldId id="284" r:id="rId10"/>
   </p:sldIdLst>
   <p:sldSz cx="12192000" cy="6858000"/>
   <p:notesSz cx="6858000" cy="9144000"/>
@@ -117,14 +117,14 @@
   </p:defaultTextStyle>
   <p:extLst>
     <p:ext uri="{EFAFB233-063F-42B5-8137-9DF3F51BA10A}">
-      <p15:sldGuideLst xmlns:p15="http://schemas.microsoft.com/office/powerpoint/2012/main"/>
+      <p15:sldGuideLst xmlns="" xmlns:a="http://schemas.openxmlformats.org/drawingml/2006/main" xmlns:r="http://schemas.openxmlformats.org/officeDocument/2006/relationships" xmlns:p="http://schemas.openxmlformats.org/presentationml/2006/main" xmlns:p15="http://schemas.microsoft.com/office/powerpoint/2012/main" xmlns:mv="urn:schemas-microsoft-com:mac:vml" xmlns:mc="http://schemas.openxmlformats.org/markup-compatibility/2006"/>
     </p:ext>
   </p:extLst>
 </p:presentation>
 </file>
 
 <file path=ppt/notesMasters/notesMaster1.xml><?xml version="1.0" encoding="utf-8"?>
-<p:notesMaster xmlns:a="http://schemas.openxmlformats.org/drawingml/2006/main" xmlns:r="http://schemas.openxmlformats.org/officeDocument/2006/relationships" xmlns:p="http://schemas.openxmlformats.org/presentationml/2006/main">
+<p:notesMaster xmlns:a="http://schemas.openxmlformats.org/drawingml/2006/main" xmlns:r="http://schemas.openxmlformats.org/officeDocument/2006/relationships" xmlns:mc="http://schemas.openxmlformats.org/markup-compatibility/2006" xmlns:mv="urn:schemas-microsoft-com:mac:vml" xmlns:p="http://schemas.openxmlformats.org/presentationml/2006/main" mc:Ignorable="mv" mc:PreserveAttributes="mv:*">
   <p:cSld>
     <p:bg>
       <p:bgRef idx="1001">
@@ -205,7 +205,8 @@
           <a:p>
             <a:fld id="{D304DAE6-7A8F-4F48-9AD1-F278C4226D9A}" type="datetimeFigureOut">
               <a:rPr lang="fr-FR" smtClean="0"/>
-              <a:t>02/11/2018</a:t>
+              <a:pPr/>
+              <a:t>12/11/18</a:t>
             </a:fld>
             <a:endParaRPr lang="fr-FR"/>
           </a:p>
@@ -364,7 +365,8 @@
           <a:p>
             <a:fld id="{5C696B22-15B8-46B7-9224-EF7C48CA481A}" type="slidenum">
               <a:rPr lang="fr-FR" smtClean="0"/>
-              <a:t>‹N°›</a:t>
+              <a:pPr/>
+              <a:t>‹#›</a:t>
             </a:fld>
             <a:endParaRPr lang="fr-FR"/>
           </a:p>
@@ -373,7 +375,7 @@
     </p:spTree>
     <p:extLst>
       <p:ext uri="{BB962C8B-B14F-4D97-AF65-F5344CB8AC3E}">
-        <p14:creationId xmlns:p14="http://schemas.microsoft.com/office/powerpoint/2010/main" val="2441384585"/>
+        <p14:creationId xmlns="" xmlns:a="http://schemas.openxmlformats.org/drawingml/2006/main" xmlns:r="http://schemas.openxmlformats.org/officeDocument/2006/relationships" xmlns:p="http://schemas.openxmlformats.org/presentationml/2006/main" xmlns:p14="http://schemas.microsoft.com/office/powerpoint/2010/main" xmlns:mv="urn:schemas-microsoft-com:mac:vml" xmlns:mc="http://schemas.openxmlformats.org/markup-compatibility/2006" val="2441384585"/>
       </p:ext>
     </p:extLst>
   </p:cSld>
@@ -474,7 +476,7 @@
 </file>
 
 <file path=ppt/notesSlides/notesSlide1.xml><?xml version="1.0" encoding="utf-8"?>
-<p:notes xmlns:a="http://schemas.openxmlformats.org/drawingml/2006/main" xmlns:r="http://schemas.openxmlformats.org/officeDocument/2006/relationships" xmlns:p="http://schemas.openxmlformats.org/presentationml/2006/main">
+<p:notes xmlns:a="http://schemas.openxmlformats.org/drawingml/2006/main" xmlns:r="http://schemas.openxmlformats.org/officeDocument/2006/relationships" xmlns:mc="http://schemas.openxmlformats.org/markup-compatibility/2006" xmlns:mv="urn:schemas-microsoft-com:mac:vml" xmlns:p="http://schemas.openxmlformats.org/presentationml/2006/main" mc:Ignorable="mv" mc:PreserveAttributes="mv:*">
   <p:cSld>
     <p:spTree>
       <p:nvGrpSpPr>
@@ -538,6 +540,7 @@
           <a:p>
             <a:fld id="{E0A4DADA-A641-F04B-8DE3-7D893515C21F}" type="slidenum">
               <a:rPr lang="en-GB" smtClean="0"/>
+              <a:pPr/>
               <a:t>1</a:t>
             </a:fld>
             <a:endParaRPr lang="en-GB"/>
@@ -547,7 +550,7 @@
     </p:spTree>
     <p:extLst>
       <p:ext uri="{BB962C8B-B14F-4D97-AF65-F5344CB8AC3E}">
-        <p14:creationId xmlns:p14="http://schemas.microsoft.com/office/powerpoint/2010/main" val="1888604925"/>
+        <p14:creationId xmlns="" xmlns:a="http://schemas.openxmlformats.org/drawingml/2006/main" xmlns:r="http://schemas.openxmlformats.org/officeDocument/2006/relationships" xmlns:p="http://schemas.openxmlformats.org/presentationml/2006/main" xmlns:p14="http://schemas.microsoft.com/office/powerpoint/2010/main" xmlns:mv="urn:schemas-microsoft-com:mac:vml" xmlns:mc="http://schemas.openxmlformats.org/markup-compatibility/2006" val="1888604925"/>
       </p:ext>
     </p:extLst>
   </p:cSld>
@@ -558,7 +561,7 @@
 </file>
 
 <file path=ppt/notesSlides/notesSlide2.xml><?xml version="1.0" encoding="utf-8"?>
-<p:notes xmlns:a="http://schemas.openxmlformats.org/drawingml/2006/main" xmlns:r="http://schemas.openxmlformats.org/officeDocument/2006/relationships" xmlns:p="http://schemas.openxmlformats.org/presentationml/2006/main">
+<p:notes xmlns:a="http://schemas.openxmlformats.org/drawingml/2006/main" xmlns:r="http://schemas.openxmlformats.org/officeDocument/2006/relationships" xmlns:mc="http://schemas.openxmlformats.org/markup-compatibility/2006" xmlns:mv="urn:schemas-microsoft-com:mac:vml" xmlns:p="http://schemas.openxmlformats.org/presentationml/2006/main" mc:Ignorable="mv" mc:PreserveAttributes="mv:*">
   <p:cSld>
     <p:spTree>
       <p:nvGrpSpPr>
@@ -616,7 +619,7 @@
     </p:spTree>
     <p:extLst>
       <p:ext uri="{BB962C8B-B14F-4D97-AF65-F5344CB8AC3E}">
-        <p14:creationId xmlns:p14="http://schemas.microsoft.com/office/powerpoint/2010/main" val="3924172086"/>
+        <p14:creationId xmlns="" xmlns:a="http://schemas.openxmlformats.org/drawingml/2006/main" xmlns:r="http://schemas.openxmlformats.org/officeDocument/2006/relationships" xmlns:p="http://schemas.openxmlformats.org/presentationml/2006/main" xmlns:p14="http://schemas.microsoft.com/office/powerpoint/2010/main" xmlns:mv="urn:schemas-microsoft-com:mac:vml" xmlns:mc="http://schemas.openxmlformats.org/markup-compatibility/2006" val="3924172086"/>
       </p:ext>
     </p:extLst>
   </p:cSld>
@@ -627,7 +630,7 @@
 </file>
 
 <file path=ppt/notesSlides/notesSlide3.xml><?xml version="1.0" encoding="utf-8"?>
-<p:notes xmlns:a="http://schemas.openxmlformats.org/drawingml/2006/main" xmlns:r="http://schemas.openxmlformats.org/officeDocument/2006/relationships" xmlns:p="http://schemas.openxmlformats.org/presentationml/2006/main">
+<p:notes xmlns:a="http://schemas.openxmlformats.org/drawingml/2006/main" xmlns:r="http://schemas.openxmlformats.org/officeDocument/2006/relationships" xmlns:mc="http://schemas.openxmlformats.org/markup-compatibility/2006" xmlns:mv="urn:schemas-microsoft-com:mac:vml" xmlns:p="http://schemas.openxmlformats.org/presentationml/2006/main" mc:Ignorable="mv" mc:PreserveAttributes="mv:*">
   <p:cSld>
     <p:spTree>
       <p:nvGrpSpPr>
@@ -685,7 +688,7 @@
     </p:spTree>
     <p:extLst>
       <p:ext uri="{BB962C8B-B14F-4D97-AF65-F5344CB8AC3E}">
-        <p14:creationId xmlns:p14="http://schemas.microsoft.com/office/powerpoint/2010/main" val="3742407843"/>
+        <p14:creationId xmlns="" xmlns:a="http://schemas.openxmlformats.org/drawingml/2006/main" xmlns:r="http://schemas.openxmlformats.org/officeDocument/2006/relationships" xmlns:p="http://schemas.openxmlformats.org/presentationml/2006/main" xmlns:p14="http://schemas.microsoft.com/office/powerpoint/2010/main" xmlns:mv="urn:schemas-microsoft-com:mac:vml" xmlns:mc="http://schemas.openxmlformats.org/markup-compatibility/2006" val="3742407843"/>
       </p:ext>
     </p:extLst>
   </p:cSld>
@@ -696,7 +699,7 @@
 </file>
 
 <file path=ppt/notesSlides/notesSlide4.xml><?xml version="1.0" encoding="utf-8"?>
-<p:notes xmlns:a="http://schemas.openxmlformats.org/drawingml/2006/main" xmlns:r="http://schemas.openxmlformats.org/officeDocument/2006/relationships" xmlns:p="http://schemas.openxmlformats.org/presentationml/2006/main">
+<p:notes xmlns:a="http://schemas.openxmlformats.org/drawingml/2006/main" xmlns:r="http://schemas.openxmlformats.org/officeDocument/2006/relationships" xmlns:mc="http://schemas.openxmlformats.org/markup-compatibility/2006" xmlns:mv="urn:schemas-microsoft-com:mac:vml" xmlns:p="http://schemas.openxmlformats.org/presentationml/2006/main" mc:Ignorable="mv" mc:PreserveAttributes="mv:*">
   <p:cSld>
     <p:spTree>
       <p:nvGrpSpPr>
@@ -754,7 +757,7 @@
     </p:spTree>
     <p:extLst>
       <p:ext uri="{BB962C8B-B14F-4D97-AF65-F5344CB8AC3E}">
-        <p14:creationId xmlns:p14="http://schemas.microsoft.com/office/powerpoint/2010/main" val="681378337"/>
+        <p14:creationId xmlns="" xmlns:a="http://schemas.openxmlformats.org/drawingml/2006/main" xmlns:r="http://schemas.openxmlformats.org/officeDocument/2006/relationships" xmlns:p="http://schemas.openxmlformats.org/presentationml/2006/main" xmlns:p14="http://schemas.microsoft.com/office/powerpoint/2010/main" xmlns:mv="urn:schemas-microsoft-com:mac:vml" xmlns:mc="http://schemas.openxmlformats.org/markup-compatibility/2006" val="681378337"/>
       </p:ext>
     </p:extLst>
   </p:cSld>
@@ -765,7 +768,7 @@
 </file>
 
 <file path=ppt/notesSlides/notesSlide5.xml><?xml version="1.0" encoding="utf-8"?>
-<p:notes xmlns:a="http://schemas.openxmlformats.org/drawingml/2006/main" xmlns:r="http://schemas.openxmlformats.org/officeDocument/2006/relationships" xmlns:p="http://schemas.openxmlformats.org/presentationml/2006/main">
+<p:notes xmlns:a="http://schemas.openxmlformats.org/drawingml/2006/main" xmlns:r="http://schemas.openxmlformats.org/officeDocument/2006/relationships" xmlns:mc="http://schemas.openxmlformats.org/markup-compatibility/2006" xmlns:mv="urn:schemas-microsoft-com:mac:vml" xmlns:p="http://schemas.openxmlformats.org/presentationml/2006/main" mc:Ignorable="mv" mc:PreserveAttributes="mv:*">
   <p:cSld>
     <p:spTree>
       <p:nvGrpSpPr>
@@ -823,7 +826,7 @@
     </p:spTree>
     <p:extLst>
       <p:ext uri="{BB962C8B-B14F-4D97-AF65-F5344CB8AC3E}">
-        <p14:creationId xmlns:p14="http://schemas.microsoft.com/office/powerpoint/2010/main" val="3380541025"/>
+        <p14:creationId xmlns="" xmlns:a="http://schemas.openxmlformats.org/drawingml/2006/main" xmlns:r="http://schemas.openxmlformats.org/officeDocument/2006/relationships" xmlns:p="http://schemas.openxmlformats.org/presentationml/2006/main" xmlns:p14="http://schemas.microsoft.com/office/powerpoint/2010/main" xmlns:mv="urn:schemas-microsoft-com:mac:vml" xmlns:mc="http://schemas.openxmlformats.org/markup-compatibility/2006" val="3380541025"/>
       </p:ext>
     </p:extLst>
   </p:cSld>
@@ -834,7 +837,7 @@
 </file>
 
 <file path=ppt/notesSlides/notesSlide6.xml><?xml version="1.0" encoding="utf-8"?>
-<p:notes xmlns:a="http://schemas.openxmlformats.org/drawingml/2006/main" xmlns:r="http://schemas.openxmlformats.org/officeDocument/2006/relationships" xmlns:p="http://schemas.openxmlformats.org/presentationml/2006/main">
+<p:notes xmlns:a="http://schemas.openxmlformats.org/drawingml/2006/main" xmlns:r="http://schemas.openxmlformats.org/officeDocument/2006/relationships" xmlns:mc="http://schemas.openxmlformats.org/markup-compatibility/2006" xmlns:mv="urn:schemas-microsoft-com:mac:vml" xmlns:p="http://schemas.openxmlformats.org/presentationml/2006/main" mc:Ignorable="mv" mc:PreserveAttributes="mv:*">
   <p:cSld>
     <p:spTree>
       <p:nvGrpSpPr>
@@ -892,7 +895,7 @@
     </p:spTree>
     <p:extLst>
       <p:ext uri="{BB962C8B-B14F-4D97-AF65-F5344CB8AC3E}">
-        <p14:creationId xmlns:p14="http://schemas.microsoft.com/office/powerpoint/2010/main" val="1556126809"/>
+        <p14:creationId xmlns="" xmlns:a="http://schemas.openxmlformats.org/drawingml/2006/main" xmlns:r="http://schemas.openxmlformats.org/officeDocument/2006/relationships" xmlns:p="http://schemas.openxmlformats.org/presentationml/2006/main" xmlns:p14="http://schemas.microsoft.com/office/powerpoint/2010/main" xmlns:mv="urn:schemas-microsoft-com:mac:vml" xmlns:mc="http://schemas.openxmlformats.org/markup-compatibility/2006" val="1556126809"/>
       </p:ext>
     </p:extLst>
   </p:cSld>
@@ -903,7 +906,7 @@
 </file>
 
 <file path=ppt/notesSlides/notesSlide7.xml><?xml version="1.0" encoding="utf-8"?>
-<p:notes xmlns:a="http://schemas.openxmlformats.org/drawingml/2006/main" xmlns:r="http://schemas.openxmlformats.org/officeDocument/2006/relationships" xmlns:p="http://schemas.openxmlformats.org/presentationml/2006/main">
+<p:notes xmlns:a="http://schemas.openxmlformats.org/drawingml/2006/main" xmlns:r="http://schemas.openxmlformats.org/officeDocument/2006/relationships" xmlns:mc="http://schemas.openxmlformats.org/markup-compatibility/2006" xmlns:mv="urn:schemas-microsoft-com:mac:vml" xmlns:p="http://schemas.openxmlformats.org/presentationml/2006/main" mc:Ignorable="mv" mc:PreserveAttributes="mv:*">
   <p:cSld>
     <p:spTree>
       <p:nvGrpSpPr>
@@ -961,7 +964,7 @@
     </p:spTree>
     <p:extLst>
       <p:ext uri="{BB962C8B-B14F-4D97-AF65-F5344CB8AC3E}">
-        <p14:creationId xmlns:p14="http://schemas.microsoft.com/office/powerpoint/2010/main" val="2770736354"/>
+        <p14:creationId xmlns="" xmlns:a="http://schemas.openxmlformats.org/drawingml/2006/main" xmlns:r="http://schemas.openxmlformats.org/officeDocument/2006/relationships" xmlns:p="http://schemas.openxmlformats.org/presentationml/2006/main" xmlns:p14="http://schemas.microsoft.com/office/powerpoint/2010/main" xmlns:mv="urn:schemas-microsoft-com:mac:vml" xmlns:mc="http://schemas.openxmlformats.org/markup-compatibility/2006" val="2770736354"/>
       </p:ext>
     </p:extLst>
   </p:cSld>
@@ -972,7 +975,7 @@
 </file>
 
 <file path=ppt/notesSlides/notesSlide8.xml><?xml version="1.0" encoding="utf-8"?>
-<p:notes xmlns:a="http://schemas.openxmlformats.org/drawingml/2006/main" xmlns:r="http://schemas.openxmlformats.org/officeDocument/2006/relationships" xmlns:p="http://schemas.openxmlformats.org/presentationml/2006/main">
+<p:notes xmlns:a="http://schemas.openxmlformats.org/drawingml/2006/main" xmlns:r="http://schemas.openxmlformats.org/officeDocument/2006/relationships" xmlns:mc="http://schemas.openxmlformats.org/markup-compatibility/2006" xmlns:mv="urn:schemas-microsoft-com:mac:vml" xmlns:p="http://schemas.openxmlformats.org/presentationml/2006/main" mc:Ignorable="mv" mc:PreserveAttributes="mv:*">
   <p:cSld>
     <p:spTree>
       <p:nvGrpSpPr>
@@ -1030,7 +1033,7 @@
     </p:spTree>
     <p:extLst>
       <p:ext uri="{BB962C8B-B14F-4D97-AF65-F5344CB8AC3E}">
-        <p14:creationId xmlns:p14="http://schemas.microsoft.com/office/powerpoint/2010/main" val="831881578"/>
+        <p14:creationId xmlns="" xmlns:a="http://schemas.openxmlformats.org/drawingml/2006/main" xmlns:r="http://schemas.openxmlformats.org/officeDocument/2006/relationships" xmlns:p="http://schemas.openxmlformats.org/presentationml/2006/main" xmlns:p14="http://schemas.microsoft.com/office/powerpoint/2010/main" xmlns:mv="urn:schemas-microsoft-com:mac:vml" xmlns:mc="http://schemas.openxmlformats.org/markup-compatibility/2006" val="831881578"/>
       </p:ext>
     </p:extLst>
   </p:cSld>
@@ -1041,7 +1044,7 @@
 </file>
 
 <file path=ppt/slideLayouts/slideLayout1.xml><?xml version="1.0" encoding="utf-8"?>
-<p:sldLayout xmlns:a="http://schemas.openxmlformats.org/drawingml/2006/main" xmlns:r="http://schemas.openxmlformats.org/officeDocument/2006/relationships" xmlns:p="http://schemas.openxmlformats.org/presentationml/2006/main" type="title" preserve="1">
+<p:sldLayout xmlns:a="http://schemas.openxmlformats.org/drawingml/2006/main" xmlns:r="http://schemas.openxmlformats.org/officeDocument/2006/relationships" xmlns:mc="http://schemas.openxmlformats.org/markup-compatibility/2006" xmlns:mv="urn:schemas-microsoft-com:mac:vml" xmlns:p="http://schemas.openxmlformats.org/presentationml/2006/main" mc:Ignorable="mv" mc:PreserveAttributes="mv:*" type="title" preserve="1">
   <p:cSld name="Diapositive de titre">
     <p:spTree>
       <p:nvGrpSpPr>
@@ -1171,7 +1174,8 @@
           <a:p>
             <a:fld id="{4F6F4637-373D-4836-AA95-4B9D85F327C3}" type="datetimeFigureOut">
               <a:rPr lang="fr-FR" smtClean="0"/>
-              <a:t>02/11/2018</a:t>
+              <a:pPr/>
+              <a:t>12/11/18</a:t>
             </a:fld>
             <a:endParaRPr lang="fr-FR"/>
           </a:p>
@@ -1213,7 +1217,8 @@
           <a:p>
             <a:fld id="{04B481F4-5C01-451E-A229-08297E6A28CD}" type="slidenum">
               <a:rPr lang="fr-FR" smtClean="0"/>
-              <a:t>‹N°›</a:t>
+              <a:pPr/>
+              <a:t>‹#›</a:t>
             </a:fld>
             <a:endParaRPr lang="fr-FR"/>
           </a:p>
@@ -1222,7 +1227,7 @@
     </p:spTree>
     <p:extLst>
       <p:ext uri="{BB962C8B-B14F-4D97-AF65-F5344CB8AC3E}">
-        <p14:creationId xmlns:p14="http://schemas.microsoft.com/office/powerpoint/2010/main" val="3554642531"/>
+        <p14:creationId xmlns="" xmlns:a="http://schemas.openxmlformats.org/drawingml/2006/main" xmlns:r="http://schemas.openxmlformats.org/officeDocument/2006/relationships" xmlns:p="http://schemas.openxmlformats.org/presentationml/2006/main" xmlns:p14="http://schemas.microsoft.com/office/powerpoint/2010/main" xmlns:mv="urn:schemas-microsoft-com:mac:vml" xmlns:mc="http://schemas.openxmlformats.org/markup-compatibility/2006" val="3554642531"/>
       </p:ext>
     </p:extLst>
   </p:cSld>
@@ -1233,7 +1238,7 @@
 </file>
 
 <file path=ppt/slideLayouts/slideLayout10.xml><?xml version="1.0" encoding="utf-8"?>
-<p:sldLayout xmlns:a="http://schemas.openxmlformats.org/drawingml/2006/main" xmlns:r="http://schemas.openxmlformats.org/officeDocument/2006/relationships" xmlns:p="http://schemas.openxmlformats.org/presentationml/2006/main" type="vertTx" preserve="1">
+<p:sldLayout xmlns:a="http://schemas.openxmlformats.org/drawingml/2006/main" xmlns:r="http://schemas.openxmlformats.org/officeDocument/2006/relationships" xmlns:mc="http://schemas.openxmlformats.org/markup-compatibility/2006" xmlns:mv="urn:schemas-microsoft-com:mac:vml" xmlns:p="http://schemas.openxmlformats.org/presentationml/2006/main" mc:Ignorable="mv" mc:PreserveAttributes="mv:*" type="vertTx" preserve="1">
   <p:cSld name="Titre et texte vertical">
     <p:spTree>
       <p:nvGrpSpPr>
@@ -1341,7 +1346,8 @@
           <a:p>
             <a:fld id="{4F6F4637-373D-4836-AA95-4B9D85F327C3}" type="datetimeFigureOut">
               <a:rPr lang="fr-FR" smtClean="0"/>
-              <a:t>02/11/2018</a:t>
+              <a:pPr/>
+              <a:t>12/11/18</a:t>
             </a:fld>
             <a:endParaRPr lang="fr-FR"/>
           </a:p>
@@ -1383,7 +1389,8 @@
           <a:p>
             <a:fld id="{04B481F4-5C01-451E-A229-08297E6A28CD}" type="slidenum">
               <a:rPr lang="fr-FR" smtClean="0"/>
-              <a:t>‹N°›</a:t>
+              <a:pPr/>
+              <a:t>‹#›</a:t>
             </a:fld>
             <a:endParaRPr lang="fr-FR"/>
           </a:p>
@@ -1392,7 +1399,7 @@
     </p:spTree>
     <p:extLst>
       <p:ext uri="{BB962C8B-B14F-4D97-AF65-F5344CB8AC3E}">
-        <p14:creationId xmlns:p14="http://schemas.microsoft.com/office/powerpoint/2010/main" val="1443936786"/>
+        <p14:creationId xmlns="" xmlns:a="http://schemas.openxmlformats.org/drawingml/2006/main" xmlns:r="http://schemas.openxmlformats.org/officeDocument/2006/relationships" xmlns:p="http://schemas.openxmlformats.org/presentationml/2006/main" xmlns:p14="http://schemas.microsoft.com/office/powerpoint/2010/main" xmlns:mv="urn:schemas-microsoft-com:mac:vml" xmlns:mc="http://schemas.openxmlformats.org/markup-compatibility/2006" val="1443936786"/>
       </p:ext>
     </p:extLst>
   </p:cSld>
@@ -1403,7 +1410,7 @@
 </file>
 
 <file path=ppt/slideLayouts/slideLayout11.xml><?xml version="1.0" encoding="utf-8"?>
-<p:sldLayout xmlns:a="http://schemas.openxmlformats.org/drawingml/2006/main" xmlns:r="http://schemas.openxmlformats.org/officeDocument/2006/relationships" xmlns:p="http://schemas.openxmlformats.org/presentationml/2006/main" type="vertTitleAndTx" preserve="1">
+<p:sldLayout xmlns:a="http://schemas.openxmlformats.org/drawingml/2006/main" xmlns:r="http://schemas.openxmlformats.org/officeDocument/2006/relationships" xmlns:mc="http://schemas.openxmlformats.org/markup-compatibility/2006" xmlns:mv="urn:schemas-microsoft-com:mac:vml" xmlns:p="http://schemas.openxmlformats.org/presentationml/2006/main" mc:Ignorable="mv" mc:PreserveAttributes="mv:*" type="vertTitleAndTx" preserve="1">
   <p:cSld name="Titre vertical et texte">
     <p:spTree>
       <p:nvGrpSpPr>
@@ -1521,7 +1528,8 @@
           <a:p>
             <a:fld id="{4F6F4637-373D-4836-AA95-4B9D85F327C3}" type="datetimeFigureOut">
               <a:rPr lang="fr-FR" smtClean="0"/>
-              <a:t>02/11/2018</a:t>
+              <a:pPr/>
+              <a:t>12/11/18</a:t>
             </a:fld>
             <a:endParaRPr lang="fr-FR"/>
           </a:p>
@@ -1563,7 +1571,8 @@
           <a:p>
             <a:fld id="{04B481F4-5C01-451E-A229-08297E6A28CD}" type="slidenum">
               <a:rPr lang="fr-FR" smtClean="0"/>
-              <a:t>‹N°›</a:t>
+              <a:pPr/>
+              <a:t>‹#›</a:t>
             </a:fld>
             <a:endParaRPr lang="fr-FR"/>
           </a:p>
@@ -1572,7 +1581,7 @@
     </p:spTree>
     <p:extLst>
       <p:ext uri="{BB962C8B-B14F-4D97-AF65-F5344CB8AC3E}">
-        <p14:creationId xmlns:p14="http://schemas.microsoft.com/office/powerpoint/2010/main" val="4184331324"/>
+        <p14:creationId xmlns="" xmlns:a="http://schemas.openxmlformats.org/drawingml/2006/main" xmlns:r="http://schemas.openxmlformats.org/officeDocument/2006/relationships" xmlns:p="http://schemas.openxmlformats.org/presentationml/2006/main" xmlns:p14="http://schemas.microsoft.com/office/powerpoint/2010/main" xmlns:mv="urn:schemas-microsoft-com:mac:vml" xmlns:mc="http://schemas.openxmlformats.org/markup-compatibility/2006" val="4184331324"/>
       </p:ext>
     </p:extLst>
   </p:cSld>
@@ -1583,7 +1592,7 @@
 </file>
 
 <file path=ppt/slideLayouts/slideLayout12.xml><?xml version="1.0" encoding="utf-8"?>
-<p:sldLayout xmlns:a="http://schemas.openxmlformats.org/drawingml/2006/main" xmlns:r="http://schemas.openxmlformats.org/officeDocument/2006/relationships" xmlns:p="http://schemas.openxmlformats.org/presentationml/2006/main" userDrawn="1">
+<p:sldLayout xmlns:a="http://schemas.openxmlformats.org/drawingml/2006/main" xmlns:r="http://schemas.openxmlformats.org/officeDocument/2006/relationships" xmlns:mc="http://schemas.openxmlformats.org/markup-compatibility/2006" xmlns:mv="urn:schemas-microsoft-com:mac:vml" xmlns:p="http://schemas.openxmlformats.org/presentationml/2006/main" mc:Ignorable="mv" mc:PreserveAttributes="mv:*" userDrawn="1">
   <p:cSld name="9_Disposition personnalisée">
     <p:spTree>
       <p:nvGrpSpPr>
@@ -1675,7 +1684,7 @@
             <a:fld id="{90F7D937-8C47-D949-9B66-03B4793ACCA3}" type="slidenum">
               <a:rPr lang="fr-FR" smtClean="0"/>
               <a:pPr/>
-              <a:t>‹N°›</a:t>
+              <a:t>‹#›</a:t>
             </a:fld>
             <a:endParaRPr lang="fr-FR" dirty="0"/>
           </a:p>
@@ -1847,7 +1856,7 @@
           <a:blip r:embed="rId2">
             <a:extLst>
               <a:ext uri="{28A0092B-C50C-407E-A947-70E740481C1C}">
-                <a14:useLocalDpi xmlns:a14="http://schemas.microsoft.com/office/drawing/2010/main" val="0"/>
+                <a14:useLocalDpi xmlns="" xmlns:a="http://schemas.openxmlformats.org/drawingml/2006/main" xmlns:r="http://schemas.openxmlformats.org/officeDocument/2006/relationships" xmlns:p="http://schemas.openxmlformats.org/presentationml/2006/main" xmlns:a14="http://schemas.microsoft.com/office/drawing/2010/main" xmlns:mv="urn:schemas-microsoft-com:mac:vml" xmlns:mc="http://schemas.openxmlformats.org/markup-compatibility/2006" val="0"/>
               </a:ext>
             </a:extLst>
           </a:blip>
@@ -1930,7 +1939,7 @@
     </p:spTree>
     <p:extLst>
       <p:ext uri="{BB962C8B-B14F-4D97-AF65-F5344CB8AC3E}">
-        <p14:creationId xmlns:p14="http://schemas.microsoft.com/office/powerpoint/2010/main" val="1943404345"/>
+        <p14:creationId xmlns="" xmlns:a="http://schemas.openxmlformats.org/drawingml/2006/main" xmlns:r="http://schemas.openxmlformats.org/officeDocument/2006/relationships" xmlns:p="http://schemas.openxmlformats.org/presentationml/2006/main" xmlns:p14="http://schemas.microsoft.com/office/powerpoint/2010/main" xmlns:mv="urn:schemas-microsoft-com:mac:vml" xmlns:mc="http://schemas.openxmlformats.org/markup-compatibility/2006" val="1943404345"/>
       </p:ext>
     </p:extLst>
   </p:cSld>
@@ -1946,14 +1955,14 @@
   </p:timing>
   <p:extLst mod="1">
     <p:ext uri="{DCECCB84-F9BA-43D5-87BE-67443E8EF086}">
-      <p15:sldGuideLst xmlns:p15="http://schemas.microsoft.com/office/powerpoint/2012/main"/>
+      <p15:sldGuideLst xmlns="" xmlns:a="http://schemas.openxmlformats.org/drawingml/2006/main" xmlns:r="http://schemas.openxmlformats.org/officeDocument/2006/relationships" xmlns:p="http://schemas.openxmlformats.org/presentationml/2006/main" xmlns:p15="http://schemas.microsoft.com/office/powerpoint/2012/main" xmlns:mv="urn:schemas-microsoft-com:mac:vml" xmlns:mc="http://schemas.openxmlformats.org/markup-compatibility/2006"/>
     </p:ext>
   </p:extLst>
 </p:sldLayout>
 </file>
 
 <file path=ppt/slideLayouts/slideLayout13.xml><?xml version="1.0" encoding="utf-8"?>
-<p:sldLayout xmlns:a="http://schemas.openxmlformats.org/drawingml/2006/main" xmlns:r="http://schemas.openxmlformats.org/officeDocument/2006/relationships" xmlns:p="http://schemas.openxmlformats.org/presentationml/2006/main" userDrawn="1">
+<p:sldLayout xmlns:a="http://schemas.openxmlformats.org/drawingml/2006/main" xmlns:r="http://schemas.openxmlformats.org/officeDocument/2006/relationships" xmlns:mc="http://schemas.openxmlformats.org/markup-compatibility/2006" xmlns:mv="urn:schemas-microsoft-com:mac:vml" xmlns:p="http://schemas.openxmlformats.org/presentationml/2006/main" mc:Ignorable="mv" mc:PreserveAttributes="mv:*" userDrawn="1">
   <p:cSld name="Title slide ELIXIR">
     <p:spTree>
       <p:nvGrpSpPr>
@@ -1981,7 +1990,7 @@
           <a:blip r:embed="rId2">
             <a:extLst>
               <a:ext uri="{28A0092B-C50C-407E-A947-70E740481C1C}">
-                <a14:useLocalDpi xmlns:a14="http://schemas.microsoft.com/office/drawing/2010/main" val="0"/>
+                <a14:useLocalDpi xmlns="" xmlns:a="http://schemas.openxmlformats.org/drawingml/2006/main" xmlns:r="http://schemas.openxmlformats.org/officeDocument/2006/relationships" xmlns:p="http://schemas.openxmlformats.org/presentationml/2006/main" xmlns:a14="http://schemas.microsoft.com/office/drawing/2010/main" xmlns:mv="urn:schemas-microsoft-com:mac:vml" xmlns:mc="http://schemas.openxmlformats.org/markup-compatibility/2006" val="0"/>
               </a:ext>
             </a:extLst>
           </a:blip>
@@ -2004,14 +2013,14 @@
           </a:ln>
           <a:extLst>
             <a:ext uri="{909E8E84-426E-40DD-AFC4-6F175D3DCCD1}">
-              <a14:hiddenFill xmlns:a14="http://schemas.microsoft.com/office/drawing/2010/main">
+              <a14:hiddenFill xmlns="" xmlns:a="http://schemas.openxmlformats.org/drawingml/2006/main" xmlns:r="http://schemas.openxmlformats.org/officeDocument/2006/relationships" xmlns:p="http://schemas.openxmlformats.org/presentationml/2006/main" xmlns:a14="http://schemas.microsoft.com/office/drawing/2010/main" xmlns:mv="urn:schemas-microsoft-com:mac:vml" xmlns:mc="http://schemas.openxmlformats.org/markup-compatibility/2006">
                 <a:solidFill>
                   <a:srgbClr val="FFFFFF"/>
                 </a:solidFill>
               </a14:hiddenFill>
             </a:ext>
             <a:ext uri="{91240B29-F687-4F45-9708-019B960494DF}">
-              <a14:hiddenLine xmlns:a14="http://schemas.microsoft.com/office/drawing/2010/main" w="9525">
+              <a14:hiddenLine xmlns="" xmlns:a="http://schemas.openxmlformats.org/drawingml/2006/main" xmlns:r="http://schemas.openxmlformats.org/officeDocument/2006/relationships" xmlns:p="http://schemas.openxmlformats.org/presentationml/2006/main" xmlns:a14="http://schemas.microsoft.com/office/drawing/2010/main" xmlns:mv="urn:schemas-microsoft-com:mac:vml" xmlns:mc="http://schemas.openxmlformats.org/markup-compatibility/2006" w="9525">
                 <a:solidFill>
                   <a:srgbClr val="000000"/>
                 </a:solidFill>
@@ -2035,7 +2044,7 @@
           <a:blip r:embed="rId3">
             <a:extLst>
               <a:ext uri="{28A0092B-C50C-407E-A947-70E740481C1C}">
-                <a14:useLocalDpi xmlns:a14="http://schemas.microsoft.com/office/drawing/2010/main" val="0"/>
+                <a14:useLocalDpi xmlns="" xmlns:a="http://schemas.openxmlformats.org/drawingml/2006/main" xmlns:r="http://schemas.openxmlformats.org/officeDocument/2006/relationships" xmlns:p="http://schemas.openxmlformats.org/presentationml/2006/main" xmlns:a14="http://schemas.microsoft.com/office/drawing/2010/main" xmlns:mv="urn:schemas-microsoft-com:mac:vml" xmlns:mc="http://schemas.openxmlformats.org/markup-compatibility/2006" val="0"/>
               </a:ext>
             </a:extLst>
           </a:blip>
@@ -2058,14 +2067,14 @@
           </a:ln>
           <a:extLst>
             <a:ext uri="{909E8E84-426E-40DD-AFC4-6F175D3DCCD1}">
-              <a14:hiddenFill xmlns:a14="http://schemas.microsoft.com/office/drawing/2010/main">
+              <a14:hiddenFill xmlns="" xmlns:a="http://schemas.openxmlformats.org/drawingml/2006/main" xmlns:r="http://schemas.openxmlformats.org/officeDocument/2006/relationships" xmlns:p="http://schemas.openxmlformats.org/presentationml/2006/main" xmlns:a14="http://schemas.microsoft.com/office/drawing/2010/main" xmlns:mv="urn:schemas-microsoft-com:mac:vml" xmlns:mc="http://schemas.openxmlformats.org/markup-compatibility/2006">
                 <a:solidFill>
                   <a:srgbClr val="FFFFFF"/>
                 </a:solidFill>
               </a14:hiddenFill>
             </a:ext>
             <a:ext uri="{91240B29-F687-4F45-9708-019B960494DF}">
-              <a14:hiddenLine xmlns:a14="http://schemas.microsoft.com/office/drawing/2010/main" w="9525">
+              <a14:hiddenLine xmlns="" xmlns:a="http://schemas.openxmlformats.org/drawingml/2006/main" xmlns:r="http://schemas.openxmlformats.org/officeDocument/2006/relationships" xmlns:p="http://schemas.openxmlformats.org/presentationml/2006/main" xmlns:a14="http://schemas.microsoft.com/office/drawing/2010/main" xmlns:mv="urn:schemas-microsoft-com:mac:vml" xmlns:mc="http://schemas.openxmlformats.org/markup-compatibility/2006" w="9525">
                 <a:solidFill>
                   <a:srgbClr val="000000"/>
                 </a:solidFill>
@@ -2099,14 +2108,14 @@
           </a:ln>
           <a:extLst>
             <a:ext uri="{909E8E84-426E-40DD-AFC4-6F175D3DCCD1}">
-              <a14:hiddenFill xmlns:a14="http://schemas.microsoft.com/office/drawing/2010/main">
+              <a14:hiddenFill xmlns="" xmlns:a="http://schemas.openxmlformats.org/drawingml/2006/main" xmlns:r="http://schemas.openxmlformats.org/officeDocument/2006/relationships" xmlns:p="http://schemas.openxmlformats.org/presentationml/2006/main" xmlns:a14="http://schemas.microsoft.com/office/drawing/2010/main" xmlns:mv="urn:schemas-microsoft-com:mac:vml" xmlns:mc="http://schemas.openxmlformats.org/markup-compatibility/2006">
                 <a:solidFill>
                   <a:srgbClr val="FFFFFF"/>
                 </a:solidFill>
               </a14:hiddenFill>
             </a:ext>
             <a:ext uri="{91240B29-F687-4F45-9708-019B960494DF}">
-              <a14:hiddenLine xmlns:a14="http://schemas.microsoft.com/office/drawing/2010/main" w="9525">
+              <a14:hiddenLine xmlns="" xmlns:a="http://schemas.openxmlformats.org/drawingml/2006/main" xmlns:r="http://schemas.openxmlformats.org/officeDocument/2006/relationships" xmlns:p="http://schemas.openxmlformats.org/presentationml/2006/main" xmlns:a14="http://schemas.microsoft.com/office/drawing/2010/main" xmlns:mv="urn:schemas-microsoft-com:mac:vml" xmlns:mc="http://schemas.openxmlformats.org/markup-compatibility/2006" w="9525">
                 <a:solidFill>
                   <a:srgbClr val="000000"/>
                 </a:solidFill>
@@ -2449,7 +2458,7 @@
     </p:spTree>
     <p:extLst>
       <p:ext uri="{BB962C8B-B14F-4D97-AF65-F5344CB8AC3E}">
-        <p14:creationId xmlns:p14="http://schemas.microsoft.com/office/powerpoint/2010/main" val="2856032225"/>
+        <p14:creationId xmlns="" xmlns:a="http://schemas.openxmlformats.org/drawingml/2006/main" xmlns:r="http://schemas.openxmlformats.org/officeDocument/2006/relationships" xmlns:p="http://schemas.openxmlformats.org/presentationml/2006/main" xmlns:p14="http://schemas.microsoft.com/office/powerpoint/2010/main" xmlns:mv="urn:schemas-microsoft-com:mac:vml" xmlns:mc="http://schemas.openxmlformats.org/markup-compatibility/2006" val="2856032225"/>
       </p:ext>
     </p:extLst>
   </p:cSld>
@@ -2460,7 +2469,7 @@
 </file>
 
 <file path=ppt/slideLayouts/slideLayout2.xml><?xml version="1.0" encoding="utf-8"?>
-<p:sldLayout xmlns:a="http://schemas.openxmlformats.org/drawingml/2006/main" xmlns:r="http://schemas.openxmlformats.org/officeDocument/2006/relationships" xmlns:p="http://schemas.openxmlformats.org/presentationml/2006/main" type="obj" preserve="1">
+<p:sldLayout xmlns:a="http://schemas.openxmlformats.org/drawingml/2006/main" xmlns:r="http://schemas.openxmlformats.org/officeDocument/2006/relationships" xmlns:mc="http://schemas.openxmlformats.org/markup-compatibility/2006" xmlns:mv="urn:schemas-microsoft-com:mac:vml" xmlns:p="http://schemas.openxmlformats.org/presentationml/2006/main" mc:Ignorable="mv" mc:PreserveAttributes="mv:*" type="obj" preserve="1">
   <p:cSld name="Titre et contenu">
     <p:spTree>
       <p:nvGrpSpPr>
@@ -2568,7 +2577,8 @@
           <a:p>
             <a:fld id="{4F6F4637-373D-4836-AA95-4B9D85F327C3}" type="datetimeFigureOut">
               <a:rPr lang="fr-FR" smtClean="0"/>
-              <a:t>02/11/2018</a:t>
+              <a:pPr/>
+              <a:t>12/11/18</a:t>
             </a:fld>
             <a:endParaRPr lang="fr-FR"/>
           </a:p>
@@ -2610,7 +2620,8 @@
           <a:p>
             <a:fld id="{04B481F4-5C01-451E-A229-08297E6A28CD}" type="slidenum">
               <a:rPr lang="fr-FR" smtClean="0"/>
-              <a:t>‹N°›</a:t>
+              <a:pPr/>
+              <a:t>‹#›</a:t>
             </a:fld>
             <a:endParaRPr lang="fr-FR"/>
           </a:p>
@@ -2619,7 +2630,7 @@
     </p:spTree>
     <p:extLst>
       <p:ext uri="{BB962C8B-B14F-4D97-AF65-F5344CB8AC3E}">
-        <p14:creationId xmlns:p14="http://schemas.microsoft.com/office/powerpoint/2010/main" val="3804720700"/>
+        <p14:creationId xmlns="" xmlns:a="http://schemas.openxmlformats.org/drawingml/2006/main" xmlns:r="http://schemas.openxmlformats.org/officeDocument/2006/relationships" xmlns:p="http://schemas.openxmlformats.org/presentationml/2006/main" xmlns:p14="http://schemas.microsoft.com/office/powerpoint/2010/main" xmlns:mv="urn:schemas-microsoft-com:mac:vml" xmlns:mc="http://schemas.openxmlformats.org/markup-compatibility/2006" val="3804720700"/>
       </p:ext>
     </p:extLst>
   </p:cSld>
@@ -2630,7 +2641,7 @@
 </file>
 
 <file path=ppt/slideLayouts/slideLayout3.xml><?xml version="1.0" encoding="utf-8"?>
-<p:sldLayout xmlns:a="http://schemas.openxmlformats.org/drawingml/2006/main" xmlns:r="http://schemas.openxmlformats.org/officeDocument/2006/relationships" xmlns:p="http://schemas.openxmlformats.org/presentationml/2006/main" type="secHead" preserve="1">
+<p:sldLayout xmlns:a="http://schemas.openxmlformats.org/drawingml/2006/main" xmlns:r="http://schemas.openxmlformats.org/officeDocument/2006/relationships" xmlns:mc="http://schemas.openxmlformats.org/markup-compatibility/2006" xmlns:mv="urn:schemas-microsoft-com:mac:vml" xmlns:p="http://schemas.openxmlformats.org/presentationml/2006/main" mc:Ignorable="mv" mc:PreserveAttributes="mv:*" type="secHead" preserve="1">
   <p:cSld name="Titre de section">
     <p:spTree>
       <p:nvGrpSpPr>
@@ -2814,7 +2825,8 @@
           <a:p>
             <a:fld id="{4F6F4637-373D-4836-AA95-4B9D85F327C3}" type="datetimeFigureOut">
               <a:rPr lang="fr-FR" smtClean="0"/>
-              <a:t>02/11/2018</a:t>
+              <a:pPr/>
+              <a:t>12/11/18</a:t>
             </a:fld>
             <a:endParaRPr lang="fr-FR"/>
           </a:p>
@@ -2856,7 +2868,8 @@
           <a:p>
             <a:fld id="{04B481F4-5C01-451E-A229-08297E6A28CD}" type="slidenum">
               <a:rPr lang="fr-FR" smtClean="0"/>
-              <a:t>‹N°›</a:t>
+              <a:pPr/>
+              <a:t>‹#›</a:t>
             </a:fld>
             <a:endParaRPr lang="fr-FR"/>
           </a:p>
@@ -2865,7 +2878,7 @@
     </p:spTree>
     <p:extLst>
       <p:ext uri="{BB962C8B-B14F-4D97-AF65-F5344CB8AC3E}">
-        <p14:creationId xmlns:p14="http://schemas.microsoft.com/office/powerpoint/2010/main" val="942734227"/>
+        <p14:creationId xmlns="" xmlns:a="http://schemas.openxmlformats.org/drawingml/2006/main" xmlns:r="http://schemas.openxmlformats.org/officeDocument/2006/relationships" xmlns:p="http://schemas.openxmlformats.org/presentationml/2006/main" xmlns:p14="http://schemas.microsoft.com/office/powerpoint/2010/main" xmlns:mv="urn:schemas-microsoft-com:mac:vml" xmlns:mc="http://schemas.openxmlformats.org/markup-compatibility/2006" val="942734227"/>
       </p:ext>
     </p:extLst>
   </p:cSld>
@@ -2876,7 +2889,7 @@
 </file>
 
 <file path=ppt/slideLayouts/slideLayout4.xml><?xml version="1.0" encoding="utf-8"?>
-<p:sldLayout xmlns:a="http://schemas.openxmlformats.org/drawingml/2006/main" xmlns:r="http://schemas.openxmlformats.org/officeDocument/2006/relationships" xmlns:p="http://schemas.openxmlformats.org/presentationml/2006/main" type="twoObj" preserve="1">
+<p:sldLayout xmlns:a="http://schemas.openxmlformats.org/drawingml/2006/main" xmlns:r="http://schemas.openxmlformats.org/officeDocument/2006/relationships" xmlns:mc="http://schemas.openxmlformats.org/markup-compatibility/2006" xmlns:mv="urn:schemas-microsoft-com:mac:vml" xmlns:p="http://schemas.openxmlformats.org/presentationml/2006/main" mc:Ignorable="mv" mc:PreserveAttributes="mv:*" type="twoObj" preserve="1">
   <p:cSld name="Deux contenus">
     <p:spTree>
       <p:nvGrpSpPr>
@@ -3046,7 +3059,8 @@
           <a:p>
             <a:fld id="{4F6F4637-373D-4836-AA95-4B9D85F327C3}" type="datetimeFigureOut">
               <a:rPr lang="fr-FR" smtClean="0"/>
-              <a:t>02/11/2018</a:t>
+              <a:pPr/>
+              <a:t>12/11/18</a:t>
             </a:fld>
             <a:endParaRPr lang="fr-FR"/>
           </a:p>
@@ -3088,7 +3102,8 @@
           <a:p>
             <a:fld id="{04B481F4-5C01-451E-A229-08297E6A28CD}" type="slidenum">
               <a:rPr lang="fr-FR" smtClean="0"/>
-              <a:t>‹N°›</a:t>
+              <a:pPr/>
+              <a:t>‹#›</a:t>
             </a:fld>
             <a:endParaRPr lang="fr-FR"/>
           </a:p>
@@ -3097,7 +3112,7 @@
     </p:spTree>
     <p:extLst>
       <p:ext uri="{BB962C8B-B14F-4D97-AF65-F5344CB8AC3E}">
-        <p14:creationId xmlns:p14="http://schemas.microsoft.com/office/powerpoint/2010/main" val="1713802672"/>
+        <p14:creationId xmlns="" xmlns:a="http://schemas.openxmlformats.org/drawingml/2006/main" xmlns:r="http://schemas.openxmlformats.org/officeDocument/2006/relationships" xmlns:p="http://schemas.openxmlformats.org/presentationml/2006/main" xmlns:p14="http://schemas.microsoft.com/office/powerpoint/2010/main" xmlns:mv="urn:schemas-microsoft-com:mac:vml" xmlns:mc="http://schemas.openxmlformats.org/markup-compatibility/2006" val="1713802672"/>
       </p:ext>
     </p:extLst>
   </p:cSld>
@@ -3108,7 +3123,7 @@
 </file>
 
 <file path=ppt/slideLayouts/slideLayout5.xml><?xml version="1.0" encoding="utf-8"?>
-<p:sldLayout xmlns:a="http://schemas.openxmlformats.org/drawingml/2006/main" xmlns:r="http://schemas.openxmlformats.org/officeDocument/2006/relationships" xmlns:p="http://schemas.openxmlformats.org/presentationml/2006/main" type="twoTxTwoObj" preserve="1">
+<p:sldLayout xmlns:a="http://schemas.openxmlformats.org/drawingml/2006/main" xmlns:r="http://schemas.openxmlformats.org/officeDocument/2006/relationships" xmlns:mc="http://schemas.openxmlformats.org/markup-compatibility/2006" xmlns:mv="urn:schemas-microsoft-com:mac:vml" xmlns:p="http://schemas.openxmlformats.org/presentationml/2006/main" mc:Ignorable="mv" mc:PreserveAttributes="mv:*" type="twoTxTwoObj" preserve="1">
   <p:cSld name="Comparaison">
     <p:spTree>
       <p:nvGrpSpPr>
@@ -3413,7 +3428,8 @@
           <a:p>
             <a:fld id="{4F6F4637-373D-4836-AA95-4B9D85F327C3}" type="datetimeFigureOut">
               <a:rPr lang="fr-FR" smtClean="0"/>
-              <a:t>02/11/2018</a:t>
+              <a:pPr/>
+              <a:t>12/11/18</a:t>
             </a:fld>
             <a:endParaRPr lang="fr-FR"/>
           </a:p>
@@ -3455,7 +3471,8 @@
           <a:p>
             <a:fld id="{04B481F4-5C01-451E-A229-08297E6A28CD}" type="slidenum">
               <a:rPr lang="fr-FR" smtClean="0"/>
-              <a:t>‹N°›</a:t>
+              <a:pPr/>
+              <a:t>‹#›</a:t>
             </a:fld>
             <a:endParaRPr lang="fr-FR"/>
           </a:p>
@@ -3464,7 +3481,7 @@
     </p:spTree>
     <p:extLst>
       <p:ext uri="{BB962C8B-B14F-4D97-AF65-F5344CB8AC3E}">
-        <p14:creationId xmlns:p14="http://schemas.microsoft.com/office/powerpoint/2010/main" val="1743579307"/>
+        <p14:creationId xmlns="" xmlns:a="http://schemas.openxmlformats.org/drawingml/2006/main" xmlns:r="http://schemas.openxmlformats.org/officeDocument/2006/relationships" xmlns:p="http://schemas.openxmlformats.org/presentationml/2006/main" xmlns:p14="http://schemas.microsoft.com/office/powerpoint/2010/main" xmlns:mv="urn:schemas-microsoft-com:mac:vml" xmlns:mc="http://schemas.openxmlformats.org/markup-compatibility/2006" val="1743579307"/>
       </p:ext>
     </p:extLst>
   </p:cSld>
@@ -3475,7 +3492,7 @@
 </file>
 
 <file path=ppt/slideLayouts/slideLayout6.xml><?xml version="1.0" encoding="utf-8"?>
-<p:sldLayout xmlns:a="http://schemas.openxmlformats.org/drawingml/2006/main" xmlns:r="http://schemas.openxmlformats.org/officeDocument/2006/relationships" xmlns:p="http://schemas.openxmlformats.org/presentationml/2006/main" type="titleOnly" preserve="1">
+<p:sldLayout xmlns:a="http://schemas.openxmlformats.org/drawingml/2006/main" xmlns:r="http://schemas.openxmlformats.org/officeDocument/2006/relationships" xmlns:mc="http://schemas.openxmlformats.org/markup-compatibility/2006" xmlns:mv="urn:schemas-microsoft-com:mac:vml" xmlns:p="http://schemas.openxmlformats.org/presentationml/2006/main" mc:Ignorable="mv" mc:PreserveAttributes="mv:*" type="titleOnly" preserve="1">
   <p:cSld name="Titre seul">
     <p:spTree>
       <p:nvGrpSpPr>
@@ -3531,7 +3548,8 @@
           <a:p>
             <a:fld id="{4F6F4637-373D-4836-AA95-4B9D85F327C3}" type="datetimeFigureOut">
               <a:rPr lang="fr-FR" smtClean="0"/>
-              <a:t>02/11/2018</a:t>
+              <a:pPr/>
+              <a:t>12/11/18</a:t>
             </a:fld>
             <a:endParaRPr lang="fr-FR"/>
           </a:p>
@@ -3573,7 +3591,8 @@
           <a:p>
             <a:fld id="{04B481F4-5C01-451E-A229-08297E6A28CD}" type="slidenum">
               <a:rPr lang="fr-FR" smtClean="0"/>
-              <a:t>‹N°›</a:t>
+              <a:pPr/>
+              <a:t>‹#›</a:t>
             </a:fld>
             <a:endParaRPr lang="fr-FR"/>
           </a:p>
@@ -3582,7 +3601,7 @@
     </p:spTree>
     <p:extLst>
       <p:ext uri="{BB962C8B-B14F-4D97-AF65-F5344CB8AC3E}">
-        <p14:creationId xmlns:p14="http://schemas.microsoft.com/office/powerpoint/2010/main" val="3241979226"/>
+        <p14:creationId xmlns="" xmlns:a="http://schemas.openxmlformats.org/drawingml/2006/main" xmlns:r="http://schemas.openxmlformats.org/officeDocument/2006/relationships" xmlns:p="http://schemas.openxmlformats.org/presentationml/2006/main" xmlns:p14="http://schemas.microsoft.com/office/powerpoint/2010/main" xmlns:mv="urn:schemas-microsoft-com:mac:vml" xmlns:mc="http://schemas.openxmlformats.org/markup-compatibility/2006" val="3241979226"/>
       </p:ext>
     </p:extLst>
   </p:cSld>
@@ -3593,7 +3612,7 @@
 </file>
 
 <file path=ppt/slideLayouts/slideLayout7.xml><?xml version="1.0" encoding="utf-8"?>
-<p:sldLayout xmlns:a="http://schemas.openxmlformats.org/drawingml/2006/main" xmlns:r="http://schemas.openxmlformats.org/officeDocument/2006/relationships" xmlns:p="http://schemas.openxmlformats.org/presentationml/2006/main" type="blank" preserve="1">
+<p:sldLayout xmlns:a="http://schemas.openxmlformats.org/drawingml/2006/main" xmlns:r="http://schemas.openxmlformats.org/officeDocument/2006/relationships" xmlns:mc="http://schemas.openxmlformats.org/markup-compatibility/2006" xmlns:mv="urn:schemas-microsoft-com:mac:vml" xmlns:p="http://schemas.openxmlformats.org/presentationml/2006/main" mc:Ignorable="mv" mc:PreserveAttributes="mv:*" type="blank" preserve="1">
   <p:cSld name="Vide">
     <p:spTree>
       <p:nvGrpSpPr>
@@ -3626,7 +3645,8 @@
           <a:p>
             <a:fld id="{4F6F4637-373D-4836-AA95-4B9D85F327C3}" type="datetimeFigureOut">
               <a:rPr lang="fr-FR" smtClean="0"/>
-              <a:t>02/11/2018</a:t>
+              <a:pPr/>
+              <a:t>12/11/18</a:t>
             </a:fld>
             <a:endParaRPr lang="fr-FR"/>
           </a:p>
@@ -3668,7 +3688,8 @@
           <a:p>
             <a:fld id="{04B481F4-5C01-451E-A229-08297E6A28CD}" type="slidenum">
               <a:rPr lang="fr-FR" smtClean="0"/>
-              <a:t>‹N°›</a:t>
+              <a:pPr/>
+              <a:t>‹#›</a:t>
             </a:fld>
             <a:endParaRPr lang="fr-FR"/>
           </a:p>
@@ -3677,7 +3698,7 @@
     </p:spTree>
     <p:extLst>
       <p:ext uri="{BB962C8B-B14F-4D97-AF65-F5344CB8AC3E}">
-        <p14:creationId xmlns:p14="http://schemas.microsoft.com/office/powerpoint/2010/main" val="1040195438"/>
+        <p14:creationId xmlns="" xmlns:a="http://schemas.openxmlformats.org/drawingml/2006/main" xmlns:r="http://schemas.openxmlformats.org/officeDocument/2006/relationships" xmlns:p="http://schemas.openxmlformats.org/presentationml/2006/main" xmlns:p14="http://schemas.microsoft.com/office/powerpoint/2010/main" xmlns:mv="urn:schemas-microsoft-com:mac:vml" xmlns:mc="http://schemas.openxmlformats.org/markup-compatibility/2006" val="1040195438"/>
       </p:ext>
     </p:extLst>
   </p:cSld>
@@ -3688,7 +3709,7 @@
 </file>
 
 <file path=ppt/slideLayouts/slideLayout8.xml><?xml version="1.0" encoding="utf-8"?>
-<p:sldLayout xmlns:a="http://schemas.openxmlformats.org/drawingml/2006/main" xmlns:r="http://schemas.openxmlformats.org/officeDocument/2006/relationships" xmlns:p="http://schemas.openxmlformats.org/presentationml/2006/main" type="objTx" preserve="1">
+<p:sldLayout xmlns:a="http://schemas.openxmlformats.org/drawingml/2006/main" xmlns:r="http://schemas.openxmlformats.org/officeDocument/2006/relationships" xmlns:mc="http://schemas.openxmlformats.org/markup-compatibility/2006" xmlns:mv="urn:schemas-microsoft-com:mac:vml" xmlns:p="http://schemas.openxmlformats.org/presentationml/2006/main" mc:Ignorable="mv" mc:PreserveAttributes="mv:*" type="objTx" preserve="1">
   <p:cSld name="Contenu avec légende">
     <p:spTree>
       <p:nvGrpSpPr>
@@ -3903,7 +3924,8 @@
           <a:p>
             <a:fld id="{4F6F4637-373D-4836-AA95-4B9D85F327C3}" type="datetimeFigureOut">
               <a:rPr lang="fr-FR" smtClean="0"/>
-              <a:t>02/11/2018</a:t>
+              <a:pPr/>
+              <a:t>12/11/18</a:t>
             </a:fld>
             <a:endParaRPr lang="fr-FR"/>
           </a:p>
@@ -3945,7 +3967,8 @@
           <a:p>
             <a:fld id="{04B481F4-5C01-451E-A229-08297E6A28CD}" type="slidenum">
               <a:rPr lang="fr-FR" smtClean="0"/>
-              <a:t>‹N°›</a:t>
+              <a:pPr/>
+              <a:t>‹#›</a:t>
             </a:fld>
             <a:endParaRPr lang="fr-FR"/>
           </a:p>
@@ -3954,7 +3977,7 @@
     </p:spTree>
     <p:extLst>
       <p:ext uri="{BB962C8B-B14F-4D97-AF65-F5344CB8AC3E}">
-        <p14:creationId xmlns:p14="http://schemas.microsoft.com/office/powerpoint/2010/main" val="1625882156"/>
+        <p14:creationId xmlns="" xmlns:a="http://schemas.openxmlformats.org/drawingml/2006/main" xmlns:r="http://schemas.openxmlformats.org/officeDocument/2006/relationships" xmlns:p="http://schemas.openxmlformats.org/presentationml/2006/main" xmlns:p14="http://schemas.microsoft.com/office/powerpoint/2010/main" xmlns:mv="urn:schemas-microsoft-com:mac:vml" xmlns:mc="http://schemas.openxmlformats.org/markup-compatibility/2006" val="1625882156"/>
       </p:ext>
     </p:extLst>
   </p:cSld>
@@ -3965,7 +3988,7 @@
 </file>
 
 <file path=ppt/slideLayouts/slideLayout9.xml><?xml version="1.0" encoding="utf-8"?>
-<p:sldLayout xmlns:a="http://schemas.openxmlformats.org/drawingml/2006/main" xmlns:r="http://schemas.openxmlformats.org/officeDocument/2006/relationships" xmlns:p="http://schemas.openxmlformats.org/presentationml/2006/main" type="picTx" preserve="1">
+<p:sldLayout xmlns:a="http://schemas.openxmlformats.org/drawingml/2006/main" xmlns:r="http://schemas.openxmlformats.org/officeDocument/2006/relationships" xmlns:mc="http://schemas.openxmlformats.org/markup-compatibility/2006" xmlns:mv="urn:schemas-microsoft-com:mac:vml" xmlns:p="http://schemas.openxmlformats.org/presentationml/2006/main" mc:Ignorable="mv" mc:PreserveAttributes="mv:*" type="picTx" preserve="1">
   <p:cSld name="Image avec légende">
     <p:spTree>
       <p:nvGrpSpPr>
@@ -4156,7 +4179,8 @@
           <a:p>
             <a:fld id="{4F6F4637-373D-4836-AA95-4B9D85F327C3}" type="datetimeFigureOut">
               <a:rPr lang="fr-FR" smtClean="0"/>
-              <a:t>02/11/2018</a:t>
+              <a:pPr/>
+              <a:t>12/11/18</a:t>
             </a:fld>
             <a:endParaRPr lang="fr-FR"/>
           </a:p>
@@ -4198,7 +4222,8 @@
           <a:p>
             <a:fld id="{04B481F4-5C01-451E-A229-08297E6A28CD}" type="slidenum">
               <a:rPr lang="fr-FR" smtClean="0"/>
-              <a:t>‹N°›</a:t>
+              <a:pPr/>
+              <a:t>‹#›</a:t>
             </a:fld>
             <a:endParaRPr lang="fr-FR"/>
           </a:p>
@@ -4207,7 +4232,7 @@
     </p:spTree>
     <p:extLst>
       <p:ext uri="{BB962C8B-B14F-4D97-AF65-F5344CB8AC3E}">
-        <p14:creationId xmlns:p14="http://schemas.microsoft.com/office/powerpoint/2010/main" val="3535583832"/>
+        <p14:creationId xmlns="" xmlns:a="http://schemas.openxmlformats.org/drawingml/2006/main" xmlns:r="http://schemas.openxmlformats.org/officeDocument/2006/relationships" xmlns:p="http://schemas.openxmlformats.org/presentationml/2006/main" xmlns:p14="http://schemas.microsoft.com/office/powerpoint/2010/main" xmlns:mv="urn:schemas-microsoft-com:mac:vml" xmlns:mc="http://schemas.openxmlformats.org/markup-compatibility/2006" val="3535583832"/>
       </p:ext>
     </p:extLst>
   </p:cSld>
@@ -4218,7 +4243,7 @@
 </file>
 
 <file path=ppt/slideMasters/slideMaster1.xml><?xml version="1.0" encoding="utf-8"?>
-<p:sldMaster xmlns:a="http://schemas.openxmlformats.org/drawingml/2006/main" xmlns:r="http://schemas.openxmlformats.org/officeDocument/2006/relationships" xmlns:p="http://schemas.openxmlformats.org/presentationml/2006/main">
+<p:sldMaster xmlns:a="http://schemas.openxmlformats.org/drawingml/2006/main" xmlns:r="http://schemas.openxmlformats.org/officeDocument/2006/relationships" xmlns:mc="http://schemas.openxmlformats.org/markup-compatibility/2006" xmlns:mv="urn:schemas-microsoft-com:mac:vml" xmlns:p="http://schemas.openxmlformats.org/presentationml/2006/main" mc:Ignorable="mv" mc:PreserveAttributes="mv:*">
   <p:cSld>
     <p:bg>
       <p:bgRef idx="1001">
@@ -4369,7 +4394,8 @@
           <a:p>
             <a:fld id="{4F6F4637-373D-4836-AA95-4B9D85F327C3}" type="datetimeFigureOut">
               <a:rPr lang="fr-FR" smtClean="0"/>
-              <a:t>02/11/2018</a:t>
+              <a:pPr/>
+              <a:t>12/11/18</a:t>
             </a:fld>
             <a:endParaRPr lang="fr-FR"/>
           </a:p>
@@ -4447,7 +4473,8 @@
           <a:p>
             <a:fld id="{04B481F4-5C01-451E-A229-08297E6A28CD}" type="slidenum">
               <a:rPr lang="fr-FR" smtClean="0"/>
-              <a:t>‹N°›</a:t>
+              <a:pPr/>
+              <a:t>‹#›</a:t>
             </a:fld>
             <a:endParaRPr lang="fr-FR"/>
           </a:p>
@@ -4456,7 +4483,7 @@
     </p:spTree>
     <p:extLst>
       <p:ext uri="{BB962C8B-B14F-4D97-AF65-F5344CB8AC3E}">
-        <p14:creationId xmlns:p14="http://schemas.microsoft.com/office/powerpoint/2010/main" val="1432180896"/>
+        <p14:creationId xmlns="" xmlns:a="http://schemas.openxmlformats.org/drawingml/2006/main" xmlns:r="http://schemas.openxmlformats.org/officeDocument/2006/relationships" xmlns:p="http://schemas.openxmlformats.org/presentationml/2006/main" xmlns:p14="http://schemas.microsoft.com/office/powerpoint/2010/main" xmlns:mv="urn:schemas-microsoft-com:mac:vml" xmlns:mc="http://schemas.openxmlformats.org/markup-compatibility/2006" val="1432180896"/>
       </p:ext>
     </p:extLst>
   </p:cSld>
@@ -4760,7 +4787,7 @@
 </file>
 
 <file path=ppt/slides/slide1.xml><?xml version="1.0" encoding="utf-8"?>
-<p:sld xmlns:a="http://schemas.openxmlformats.org/drawingml/2006/main" xmlns:r="http://schemas.openxmlformats.org/officeDocument/2006/relationships" xmlns:p="http://schemas.openxmlformats.org/presentationml/2006/main">
+<p:sld xmlns:a="http://schemas.openxmlformats.org/drawingml/2006/main" xmlns:r="http://schemas.openxmlformats.org/officeDocument/2006/relationships" xmlns:mc="http://schemas.openxmlformats.org/markup-compatibility/2006" xmlns:mv="urn:schemas-microsoft-com:mac:vml" xmlns:p="http://schemas.openxmlformats.org/presentationml/2006/main" mc:Ignorable="mv" mc:PreserveAttributes="mv:*">
   <p:cSld>
     <p:spTree>
       <p:nvGrpSpPr>
@@ -4788,7 +4815,7 @@
         </p:nvSpPr>
         <p:spPr>
           <a:xfrm>
-            <a:off x="-630622" y="1917310"/>
+            <a:off x="-117029" y="1889294"/>
             <a:ext cx="11971284" cy="2493078"/>
           </a:xfrm>
         </p:spPr>
@@ -4799,21 +4826,29 @@
           <a:lstStyle/>
           <a:p>
             <a:r>
-              <a:rPr lang="en-US" sz="4000" smtClean="0"/>
-              <a:t>Improve Orphanet disease description knowledge</a:t>
+              <a:rPr lang="en-US" sz="4000" dirty="0" smtClean="0"/>
+              <a:t>Improve </a:t>
+            </a:r>
+            <a:r>
+              <a:rPr lang="en-US" sz="4000" dirty="0" err="1" smtClean="0"/>
+              <a:t>Orphanet</a:t>
+            </a:r>
+            <a:r>
+              <a:rPr lang="en-US" sz="4000" dirty="0" smtClean="0"/>
+              <a:t> disease description knowledge</a:t>
             </a:r>
             <a:br>
-              <a:rPr lang="en-US" sz="4000" smtClean="0"/>
+              <a:rPr lang="en-US" sz="4000" dirty="0" smtClean="0"/>
             </a:br>
             <a:r>
-              <a:rPr lang="en-US" sz="4000" smtClean="0"/>
+              <a:rPr lang="en-US" sz="4000" dirty="0" smtClean="0"/>
               <a:t>by phenotypic automated recognition</a:t>
             </a:r>
             <a:br>
-              <a:rPr lang="en-US" sz="4000" smtClean="0"/>
+              <a:rPr lang="en-US" sz="4000" dirty="0" smtClean="0"/>
             </a:br>
             <a:r>
-              <a:rPr lang="en-US" sz="4000" smtClean="0"/>
+              <a:rPr lang="en-US" sz="4000" dirty="0" smtClean="0"/>
               <a:t>by using scrapping toolkits </a:t>
             </a:r>
             <a:endParaRPr lang="en-US" sz="4000" dirty="0"/>
@@ -4879,14 +4914,14 @@
           </a:ln>
           <a:extLst>
             <a:ext uri="{909E8E84-426E-40DD-AFC4-6F175D3DCCD1}">
-              <a14:hiddenFill xmlns:a14="http://schemas.microsoft.com/office/drawing/2010/main">
+              <a14:hiddenFill xmlns="" xmlns:a="http://schemas.openxmlformats.org/drawingml/2006/main" xmlns:r="http://schemas.openxmlformats.org/officeDocument/2006/relationships" xmlns:p="http://schemas.openxmlformats.org/presentationml/2006/main" xmlns:a14="http://schemas.microsoft.com/office/drawing/2010/main" xmlns:mv="urn:schemas-microsoft-com:mac:vml" xmlns:mc="http://schemas.openxmlformats.org/markup-compatibility/2006">
                 <a:solidFill>
                   <a:srgbClr val="FFFFFF"/>
                 </a:solidFill>
               </a14:hiddenFill>
             </a:ext>
             <a:ext uri="{91240B29-F687-4F45-9708-019B960494DF}">
-              <a14:hiddenLine xmlns:a14="http://schemas.microsoft.com/office/drawing/2010/main" w="9525">
+              <a14:hiddenLine xmlns="" xmlns:a="http://schemas.openxmlformats.org/drawingml/2006/main" xmlns:r="http://schemas.openxmlformats.org/officeDocument/2006/relationships" xmlns:p="http://schemas.openxmlformats.org/presentationml/2006/main" xmlns:a14="http://schemas.microsoft.com/office/drawing/2010/main" xmlns:mv="urn:schemas-microsoft-com:mac:vml" xmlns:mc="http://schemas.openxmlformats.org/markup-compatibility/2006" w="9525">
                 <a:solidFill>
                   <a:srgbClr val="000000"/>
                 </a:solidFill>
@@ -4896,7 +4931,7 @@
               </a14:hiddenLine>
             </a:ext>
             <a:ext uri="{FAA26D3D-D897-4be2-8F04-BA451C77F1D7}">
-              <ma14:placeholderFlag xmlns:ma14="http://schemas.microsoft.com/office/mac/drawingml/2011/main" xmlns="" val="1"/>
+              <ma14:placeholderFlag xmlns:a="http://schemas.openxmlformats.org/drawingml/2006/main" xmlns:r="http://schemas.openxmlformats.org/officeDocument/2006/relationships" xmlns:p="http://schemas.openxmlformats.org/presentationml/2006/main" xmlns="" xmlns:ma14="http://schemas.microsoft.com/office/mac/drawingml/2011/main" xmlns:mv="urn:schemas-microsoft-com:mac:vml" xmlns:mc="http://schemas.openxmlformats.org/markup-compatibility/2006" val="1"/>
             </a:ext>
           </a:extLst>
         </p:spPr>
@@ -5197,30 +5232,6 @@
           </a:p>
         </p:txBody>
       </p:sp>
-      <p:pic>
-        <p:nvPicPr>
-          <p:cNvPr id="10" name="Image 9"/>
-          <p:cNvPicPr>
-            <a:picLocks noChangeAspect="1"/>
-          </p:cNvPicPr>
-          <p:nvPr/>
-        </p:nvPicPr>
-        <p:blipFill>
-          <a:blip r:embed="rId3"/>
-          <a:stretch>
-            <a:fillRect/>
-          </a:stretch>
-        </p:blipFill>
-        <p:spPr>
-          <a:xfrm>
-            <a:off x="1401488" y="6248400"/>
-            <a:ext cx="2914650" cy="609600"/>
-          </a:xfrm>
-          <a:prstGeom prst="rect">
-            <a:avLst/>
-          </a:prstGeom>
-        </p:spPr>
-      </p:pic>
       <p:sp>
         <p:nvSpPr>
           <p:cNvPr id="11" name="Rectangle 10"/>
@@ -5297,10 +5308,10 @@
           <p:nvPr/>
         </p:nvPicPr>
         <p:blipFill>
-          <a:blip r:embed="rId4" cstate="print">
+          <a:blip r:embed="rId3" cstate="print">
             <a:extLst>
               <a:ext uri="{28A0092B-C50C-407E-A947-70E740481C1C}">
-                <a14:useLocalDpi xmlns:a14="http://schemas.microsoft.com/office/drawing/2010/main" val="0"/>
+                <a14:useLocalDpi xmlns="" xmlns:a="http://schemas.openxmlformats.org/drawingml/2006/main" xmlns:r="http://schemas.openxmlformats.org/officeDocument/2006/relationships" xmlns:p="http://schemas.openxmlformats.org/presentationml/2006/main" xmlns:a14="http://schemas.microsoft.com/office/drawing/2010/main" xmlns:mv="urn:schemas-microsoft-com:mac:vml" xmlns:mc="http://schemas.openxmlformats.org/markup-compatibility/2006" val="0"/>
               </a:ext>
             </a:extLst>
           </a:blip>
@@ -5310,8 +5321,8 @@
         </p:blipFill>
         <p:spPr>
           <a:xfrm>
-            <a:off x="8979761" y="5828592"/>
-            <a:ext cx="1899773" cy="788203"/>
+            <a:off x="9654316" y="5716530"/>
+            <a:ext cx="2177700" cy="903513"/>
           </a:xfrm>
           <a:prstGeom prst="rect">
             <a:avLst/>
@@ -5327,10 +5338,10 @@
           <p:nvPr/>
         </p:nvPicPr>
         <p:blipFill>
-          <a:blip r:embed="rId5">
+          <a:blip r:embed="rId4">
             <a:extLst>
               <a:ext uri="{28A0092B-C50C-407E-A947-70E740481C1C}">
-                <a14:useLocalDpi xmlns:a14="http://schemas.microsoft.com/office/drawing/2010/main" val="0"/>
+                <a14:useLocalDpi xmlns="" xmlns:a="http://schemas.openxmlformats.org/drawingml/2006/main" xmlns:r="http://schemas.openxmlformats.org/officeDocument/2006/relationships" xmlns:p="http://schemas.openxmlformats.org/presentationml/2006/main" xmlns:a14="http://schemas.microsoft.com/office/drawing/2010/main" xmlns:mv="urn:schemas-microsoft-com:mac:vml" xmlns:mc="http://schemas.openxmlformats.org/markup-compatibility/2006" val="0"/>
               </a:ext>
             </a:extLst>
           </a:blip>
@@ -5340,8 +5351,8 @@
         </p:blipFill>
         <p:spPr>
           <a:xfrm>
-            <a:off x="5494867" y="5741971"/>
-            <a:ext cx="3031068" cy="571352"/>
+            <a:off x="5966566" y="5956758"/>
+            <a:ext cx="3474498" cy="654938"/>
           </a:xfrm>
           <a:prstGeom prst="rect">
             <a:avLst/>
@@ -5350,247 +5361,100 @@
       </p:pic>
       <p:sp>
         <p:nvSpPr>
-          <p:cNvPr id="14" name="Google Shape;68;p11"/>
-          <p:cNvSpPr txBox="1">
-            <a:spLocks/>
-          </p:cNvSpPr>
-          <p:nvPr/>
-        </p:nvSpPr>
-        <p:spPr>
-          <a:xfrm>
-            <a:off x="0" y="311205"/>
-            <a:ext cx="4812933" cy="774775"/>
+          <p:cNvPr id="13" name="Rectangle 12"/>
+          <p:cNvSpPr/>
+          <p:nvPr/>
+        </p:nvSpPr>
+        <p:spPr>
+          <a:xfrm>
+            <a:off x="158747" y="4790678"/>
+            <a:ext cx="2885459" cy="1923742"/>
           </a:xfrm>
           <a:prstGeom prst="rect">
             <a:avLst/>
           </a:prstGeom>
-        </p:spPr>
-        <p:txBody>
-          <a:bodyPr spcFirstLastPara="1" wrap="square" lIns="91425" tIns="91425" rIns="91425" bIns="91425" anchor="ctr" anchorCtr="0">
-            <a:noAutofit/>
-          </a:bodyPr>
-          <a:lstStyle>
-            <a:lvl1pPr marL="228600" indent="-228600" algn="l" defTabSz="914400" rtl="0" eaLnBrk="1" latinLnBrk="0" hangingPunct="1">
-              <a:lnSpc>
-                <a:spcPct val="90000"/>
-              </a:lnSpc>
-              <a:spcBef>
-                <a:spcPts val="1000"/>
-              </a:spcBef>
-              <a:buFont typeface="Arial" panose="020B0604020202020204" pitchFamily="34" charset="0"/>
-              <a:buChar char="•"/>
-              <a:defRPr sz="2800" kern="1200">
-                <a:solidFill>
-                  <a:schemeClr val="tx1"/>
-                </a:solidFill>
-                <a:latin typeface="+mn-lt"/>
-                <a:ea typeface="+mn-ea"/>
-                <a:cs typeface="+mn-cs"/>
-              </a:defRPr>
-            </a:lvl1pPr>
-            <a:lvl2pPr marL="685800" indent="-228600" algn="l" defTabSz="914400" rtl="0" eaLnBrk="1" latinLnBrk="0" hangingPunct="1">
-              <a:lnSpc>
-                <a:spcPct val="90000"/>
-              </a:lnSpc>
-              <a:spcBef>
-                <a:spcPts val="500"/>
-              </a:spcBef>
-              <a:buFont typeface="Arial" panose="020B0604020202020204" pitchFamily="34" charset="0"/>
-              <a:buChar char="•"/>
-              <a:defRPr sz="2400" kern="1200">
-                <a:solidFill>
-                  <a:schemeClr val="tx1"/>
-                </a:solidFill>
-                <a:latin typeface="+mn-lt"/>
-                <a:ea typeface="+mn-ea"/>
-                <a:cs typeface="+mn-cs"/>
-              </a:defRPr>
-            </a:lvl2pPr>
-            <a:lvl3pPr marL="1143000" indent="-228600" algn="l" defTabSz="914400" rtl="0" eaLnBrk="1" latinLnBrk="0" hangingPunct="1">
-              <a:lnSpc>
-                <a:spcPct val="90000"/>
-              </a:lnSpc>
-              <a:spcBef>
-                <a:spcPts val="500"/>
-              </a:spcBef>
-              <a:buFont typeface="Arial" panose="020B0604020202020204" pitchFamily="34" charset="0"/>
-              <a:buChar char="•"/>
-              <a:defRPr sz="2000" kern="1200">
-                <a:solidFill>
-                  <a:schemeClr val="tx1"/>
-                </a:solidFill>
-                <a:latin typeface="+mn-lt"/>
-                <a:ea typeface="+mn-ea"/>
-                <a:cs typeface="+mn-cs"/>
-              </a:defRPr>
-            </a:lvl3pPr>
-            <a:lvl4pPr marL="1600200" indent="-228600" algn="l" defTabSz="914400" rtl="0" eaLnBrk="1" latinLnBrk="0" hangingPunct="1">
-              <a:lnSpc>
-                <a:spcPct val="90000"/>
-              </a:lnSpc>
-              <a:spcBef>
-                <a:spcPts val="500"/>
-              </a:spcBef>
-              <a:buFont typeface="Arial" panose="020B0604020202020204" pitchFamily="34" charset="0"/>
-              <a:buChar char="•"/>
-              <a:defRPr sz="1800" kern="1200">
-                <a:solidFill>
-                  <a:schemeClr val="tx1"/>
-                </a:solidFill>
-                <a:latin typeface="+mn-lt"/>
-                <a:ea typeface="+mn-ea"/>
-                <a:cs typeface="+mn-cs"/>
-              </a:defRPr>
-            </a:lvl4pPr>
-            <a:lvl5pPr marL="2057400" indent="-228600" algn="l" defTabSz="914400" rtl="0" eaLnBrk="1" latinLnBrk="0" hangingPunct="1">
-              <a:lnSpc>
-                <a:spcPct val="90000"/>
-              </a:lnSpc>
-              <a:spcBef>
-                <a:spcPts val="500"/>
-              </a:spcBef>
-              <a:buFont typeface="Arial" panose="020B0604020202020204" pitchFamily="34" charset="0"/>
-              <a:buChar char="•"/>
-              <a:defRPr sz="1800" kern="1200">
-                <a:solidFill>
-                  <a:schemeClr val="tx1"/>
-                </a:solidFill>
-                <a:latin typeface="+mn-lt"/>
-                <a:ea typeface="+mn-ea"/>
-                <a:cs typeface="+mn-cs"/>
-              </a:defRPr>
-            </a:lvl5pPr>
-            <a:lvl6pPr marL="2514600" indent="-228600" algn="l" defTabSz="914400" rtl="0" eaLnBrk="1" latinLnBrk="0" hangingPunct="1">
-              <a:lnSpc>
-                <a:spcPct val="90000"/>
-              </a:lnSpc>
-              <a:spcBef>
-                <a:spcPts val="500"/>
-              </a:spcBef>
-              <a:buFont typeface="Arial" panose="020B0604020202020204" pitchFamily="34" charset="0"/>
-              <a:buChar char="•"/>
-              <a:defRPr sz="1800" kern="1200">
-                <a:solidFill>
-                  <a:schemeClr val="tx1"/>
-                </a:solidFill>
-                <a:latin typeface="+mn-lt"/>
-                <a:ea typeface="+mn-ea"/>
-                <a:cs typeface="+mn-cs"/>
-              </a:defRPr>
-            </a:lvl6pPr>
-            <a:lvl7pPr marL="2971800" indent="-228600" algn="l" defTabSz="914400" rtl="0" eaLnBrk="1" latinLnBrk="0" hangingPunct="1">
-              <a:lnSpc>
-                <a:spcPct val="90000"/>
-              </a:lnSpc>
-              <a:spcBef>
-                <a:spcPts val="500"/>
-              </a:spcBef>
-              <a:buFont typeface="Arial" panose="020B0604020202020204" pitchFamily="34" charset="0"/>
-              <a:buChar char="•"/>
-              <a:defRPr sz="1800" kern="1200">
-                <a:solidFill>
-                  <a:schemeClr val="tx1"/>
-                </a:solidFill>
-                <a:latin typeface="+mn-lt"/>
-                <a:ea typeface="+mn-ea"/>
-                <a:cs typeface="+mn-cs"/>
-              </a:defRPr>
-            </a:lvl7pPr>
-            <a:lvl8pPr marL="3429000" indent="-228600" algn="l" defTabSz="914400" rtl="0" eaLnBrk="1" latinLnBrk="0" hangingPunct="1">
-              <a:lnSpc>
-                <a:spcPct val="90000"/>
-              </a:lnSpc>
-              <a:spcBef>
-                <a:spcPts val="500"/>
-              </a:spcBef>
-              <a:buFont typeface="Arial" panose="020B0604020202020204" pitchFamily="34" charset="0"/>
-              <a:buChar char="•"/>
-              <a:defRPr sz="1800" kern="1200">
-                <a:solidFill>
-                  <a:schemeClr val="tx1"/>
-                </a:solidFill>
-                <a:latin typeface="+mn-lt"/>
-                <a:ea typeface="+mn-ea"/>
-                <a:cs typeface="+mn-cs"/>
-              </a:defRPr>
-            </a:lvl8pPr>
-            <a:lvl9pPr marL="3886200" indent="-228600" algn="l" defTabSz="914400" rtl="0" eaLnBrk="1" latinLnBrk="0" hangingPunct="1">
-              <a:lnSpc>
-                <a:spcPct val="90000"/>
-              </a:lnSpc>
-              <a:spcBef>
-                <a:spcPts val="500"/>
-              </a:spcBef>
-              <a:buFont typeface="Arial" panose="020B0604020202020204" pitchFamily="34" charset="0"/>
-              <a:buChar char="•"/>
-              <a:defRPr sz="1800" kern="1200">
-                <a:solidFill>
-                  <a:schemeClr val="tx1"/>
-                </a:solidFill>
-                <a:latin typeface="+mn-lt"/>
-                <a:ea typeface="+mn-ea"/>
-                <a:cs typeface="+mn-cs"/>
-              </a:defRPr>
-            </a:lvl9pPr>
-          </a:lstStyle>
-          <a:p>
-            <a:pPr marL="0" indent="0" algn="ctr">
-              <a:spcBef>
-                <a:spcPts val="0"/>
-              </a:spcBef>
-              <a:buClr>
-                <a:schemeClr val="dk1"/>
-              </a:buClr>
-              <a:buSzPts val="1100"/>
-              <a:buFont typeface="Arial"/>
-              <a:buNone/>
-            </a:pPr>
-            <a:r>
-              <a:rPr lang="sv-SE" sz="3200" b="1">
-                <a:latin typeface="+mj-lt"/>
-                <a:ea typeface="+mj-ea"/>
-                <a:cs typeface="+mj-cs"/>
-              </a:rPr>
-              <a:t>BioHackathon</a:t>
-            </a:r>
-            <a:r>
-              <a:rPr lang="sv-SE" sz="3200" b="1">
-                <a:latin typeface="+mj-lt"/>
-                <a:ea typeface="+mj-ea"/>
-                <a:cs typeface="+mj-cs"/>
-              </a:rPr>
-              <a:t> 2018 - Paris</a:t>
-            </a:r>
-          </a:p>
-          <a:p>
-            <a:pPr marL="0" indent="0" algn="ctr">
-              <a:spcBef>
-                <a:spcPts val="0"/>
-              </a:spcBef>
-              <a:buFont typeface="Arial" panose="020B0604020202020204" pitchFamily="34" charset="0"/>
-              <a:buNone/>
-            </a:pPr>
-            <a:r>
-              <a:rPr lang="sv-SE" sz="1800" u="sng" smtClean="0">
-                <a:solidFill>
-                  <a:srgbClr val="FF9900"/>
-                </a:solidFill>
-                <a:hlinkClick r:id="rId6"/>
-              </a:rPr>
-              <a:t>http://bh2018paris.info/</a:t>
-            </a:r>
-            <a:endParaRPr lang="sv-SE" sz="3600">
-              <a:solidFill>
-                <a:srgbClr val="FF9900"/>
-              </a:solidFill>
-            </a:endParaRPr>
-          </a:p>
-        </p:txBody>
-      </p:sp>
+          <a:solidFill>
+            <a:schemeClr val="bg1"/>
+          </a:solidFill>
+          <a:ln>
+            <a:noFill/>
+          </a:ln>
+        </p:spPr>
+        <p:style>
+          <a:lnRef idx="1">
+            <a:schemeClr val="accent1"/>
+          </a:lnRef>
+          <a:fillRef idx="3">
+            <a:schemeClr val="accent1"/>
+          </a:fillRef>
+          <a:effectRef idx="2">
+            <a:schemeClr val="accent1"/>
+          </a:effectRef>
+          <a:fontRef idx="minor">
+            <a:schemeClr val="lt1"/>
+          </a:fontRef>
+        </p:style>
+        <p:txBody>
+          <a:bodyPr rtlCol="0" anchor="ctr"/>
+          <a:lstStyle/>
+          <a:p>
+            <a:pPr algn="ctr"/>
+            <a:endParaRPr lang="fr-FR"/>
+          </a:p>
+        </p:txBody>
+      </p:sp>
+      <p:pic>
+        <p:nvPicPr>
+          <p:cNvPr id="14" name="Image 13"/>
+          <p:cNvPicPr>
+            <a:picLocks noChangeAspect="1"/>
+          </p:cNvPicPr>
+          <p:nvPr/>
+        </p:nvPicPr>
+        <p:blipFill>
+          <a:blip r:embed="rId5"/>
+          <a:stretch>
+            <a:fillRect/>
+          </a:stretch>
+        </p:blipFill>
+        <p:spPr>
+          <a:xfrm>
+            <a:off x="476240" y="4725301"/>
+            <a:ext cx="2022824" cy="1527232"/>
+          </a:xfrm>
+          <a:prstGeom prst="rect">
+            <a:avLst/>
+          </a:prstGeom>
+        </p:spPr>
+      </p:pic>
+      <p:pic>
+        <p:nvPicPr>
+          <p:cNvPr id="16" name="Image 15"/>
+          <p:cNvPicPr>
+            <a:picLocks noChangeAspect="1"/>
+          </p:cNvPicPr>
+          <p:nvPr/>
+        </p:nvPicPr>
+        <p:blipFill>
+          <a:blip r:embed="rId6"/>
+          <a:stretch>
+            <a:fillRect/>
+          </a:stretch>
+        </p:blipFill>
+        <p:spPr>
+          <a:xfrm>
+            <a:off x="0" y="6248400"/>
+            <a:ext cx="2914650" cy="609600"/>
+          </a:xfrm>
+          <a:prstGeom prst="rect">
+            <a:avLst/>
+          </a:prstGeom>
+        </p:spPr>
+      </p:pic>
     </p:spTree>
     <p:extLst>
       <p:ext uri="{BB962C8B-B14F-4D97-AF65-F5344CB8AC3E}">
-        <p14:creationId xmlns:p14="http://schemas.microsoft.com/office/powerpoint/2010/main" val="3158801808"/>
+        <p14:creationId xmlns="" xmlns:a="http://schemas.openxmlformats.org/drawingml/2006/main" xmlns:r="http://schemas.openxmlformats.org/officeDocument/2006/relationships" xmlns:p="http://schemas.openxmlformats.org/presentationml/2006/main" xmlns:p14="http://schemas.microsoft.com/office/powerpoint/2010/main" xmlns:mv="urn:schemas-microsoft-com:mac:vml" xmlns:mc="http://schemas.openxmlformats.org/markup-compatibility/2006" val="3158801808"/>
       </p:ext>
     </p:extLst>
   </p:cSld>
@@ -5608,7 +5472,7 @@
 </file>
 
 <file path=ppt/slides/slide2.xml><?xml version="1.0" encoding="utf-8"?>
-<p:sld xmlns:a="http://schemas.openxmlformats.org/drawingml/2006/main" xmlns:r="http://schemas.openxmlformats.org/officeDocument/2006/relationships" xmlns:p="http://schemas.openxmlformats.org/presentationml/2006/main">
+<p:sld xmlns:a="http://schemas.openxmlformats.org/drawingml/2006/main" xmlns:r="http://schemas.openxmlformats.org/officeDocument/2006/relationships" xmlns:mc="http://schemas.openxmlformats.org/markup-compatibility/2006" xmlns:mv="urn:schemas-microsoft-com:mac:vml" xmlns:p="http://schemas.openxmlformats.org/presentationml/2006/main" mc:Ignorable="mv" mc:PreserveAttributes="mv:*">
   <p:cSld>
     <p:spTree>
       <p:nvGrpSpPr>
@@ -5676,7 +5540,7 @@
         </p:spPr>
         <p:txBody>
           <a:bodyPr vert="horz" lIns="91440" tIns="45720" rIns="91440" bIns="45720" rtlCol="0" anchor="ctr">
-            <a:normAutofit fontScale="70000" lnSpcReduction="20000"/>
+            <a:normAutofit fontScale="55000" lnSpcReduction="20000"/>
           </a:bodyPr>
           <a:lstStyle>
             <a:lvl1pPr algn="l" defTabSz="914400" rtl="0" eaLnBrk="1" latinLnBrk="0" hangingPunct="1">
@@ -5736,7 +5600,7 @@
             </a:clrChange>
             <a:extLst>
               <a:ext uri="{28A0092B-C50C-407E-A947-70E740481C1C}">
-                <a14:useLocalDpi xmlns:a14="http://schemas.microsoft.com/office/drawing/2010/main" val="0"/>
+                <a14:useLocalDpi xmlns="" xmlns:a="http://schemas.openxmlformats.org/drawingml/2006/main" xmlns:r="http://schemas.openxmlformats.org/officeDocument/2006/relationships" xmlns:p="http://schemas.openxmlformats.org/presentationml/2006/main" xmlns:a14="http://schemas.microsoft.com/office/drawing/2010/main" xmlns:mv="urn:schemas-microsoft-com:mac:vml" xmlns:mc="http://schemas.openxmlformats.org/markup-compatibility/2006" val="0"/>
               </a:ext>
             </a:extLst>
           </a:blip>
@@ -5776,7 +5640,7 @@
             </a:clrChange>
             <a:extLst>
               <a:ext uri="{28A0092B-C50C-407E-A947-70E740481C1C}">
-                <a14:useLocalDpi xmlns:a14="http://schemas.microsoft.com/office/drawing/2010/main" val="0"/>
+                <a14:useLocalDpi xmlns="" xmlns:a="http://schemas.openxmlformats.org/drawingml/2006/main" xmlns:r="http://schemas.openxmlformats.org/officeDocument/2006/relationships" xmlns:p="http://schemas.openxmlformats.org/presentationml/2006/main" xmlns:a14="http://schemas.microsoft.com/office/drawing/2010/main" xmlns:mv="urn:schemas-microsoft-com:mac:vml" xmlns:mc="http://schemas.openxmlformats.org/markup-compatibility/2006" val="0"/>
               </a:ext>
             </a:extLst>
           </a:blip>
@@ -5798,7 +5662,7 @@
           <p:cNvPr id="7" name="Espace réservé du contenu 2">
             <a:extLst>
               <a:ext uri="{FF2B5EF4-FFF2-40B4-BE49-F238E27FC236}">
-                <a16:creationId xmlns:a16="http://schemas.microsoft.com/office/drawing/2014/main" id="{7F094E4E-CA87-4811-9A91-EAD22BD8190F}"/>
+                <a16:creationId xmlns="" xmlns:a="http://schemas.openxmlformats.org/drawingml/2006/main" xmlns:r="http://schemas.openxmlformats.org/officeDocument/2006/relationships" xmlns:p="http://schemas.openxmlformats.org/presentationml/2006/main" xmlns:a16="http://schemas.microsoft.com/office/drawing/2014/main" xmlns:mv="urn:schemas-microsoft-com:mac:vml" xmlns:mc="http://schemas.openxmlformats.org/markup-compatibility/2006" id="{7F094E4E-CA87-4811-9A91-EAD22BD8190F}"/>
               </a:ext>
             </a:extLst>
           </p:cNvPr>
@@ -5809,7 +5673,7 @@
         </p:nvSpPr>
         <p:spPr>
           <a:xfrm>
-            <a:off x="1801180" y="4229853"/>
+            <a:off x="467782" y="4547379"/>
             <a:ext cx="8685965" cy="2089928"/>
           </a:xfrm>
           <a:prstGeom prst="rect">
@@ -6044,7 +5908,7 @@
           <p:cNvPr id="8" name="ZoneTexte 7">
             <a:extLst>
               <a:ext uri="{FF2B5EF4-FFF2-40B4-BE49-F238E27FC236}">
-                <a16:creationId xmlns:a16="http://schemas.microsoft.com/office/drawing/2014/main" id="{E75AF8E5-97E6-4BD8-8364-BD38B1ACB8C1}"/>
+                <a16:creationId xmlns="" xmlns:a="http://schemas.openxmlformats.org/drawingml/2006/main" xmlns:r="http://schemas.openxmlformats.org/officeDocument/2006/relationships" xmlns:p="http://schemas.openxmlformats.org/presentationml/2006/main" xmlns:a16="http://schemas.microsoft.com/office/drawing/2014/main" xmlns:mv="urn:schemas-microsoft-com:mac:vml" xmlns:mc="http://schemas.openxmlformats.org/markup-compatibility/2006" id="{E75AF8E5-97E6-4BD8-8364-BD38B1ACB8C1}"/>
               </a:ext>
             </a:extLst>
           </p:cNvPr>
@@ -6053,7 +5917,7 @@
         </p:nvSpPr>
         <p:spPr>
           <a:xfrm>
-            <a:off x="4501480" y="4588708"/>
+            <a:off x="3168082" y="4747471"/>
             <a:ext cx="5535615" cy="1323439"/>
           </a:xfrm>
           <a:prstGeom prst="rect">
@@ -6166,7 +6030,7 @@
           <p:cNvPr id="19" name="Rectangle avec flèche vers la gauche 2">
             <a:extLst>
               <a:ext uri="{FF2B5EF4-FFF2-40B4-BE49-F238E27FC236}">
-                <a16:creationId xmlns:a16="http://schemas.microsoft.com/office/drawing/2014/main" id="{48BE999B-603B-447C-B28B-12ADE5AD8BF3}"/>
+                <a16:creationId xmlns="" xmlns:a="http://schemas.openxmlformats.org/drawingml/2006/main" xmlns:r="http://schemas.openxmlformats.org/officeDocument/2006/relationships" xmlns:p="http://schemas.openxmlformats.org/presentationml/2006/main" xmlns:a16="http://schemas.microsoft.com/office/drawing/2014/main" xmlns:mv="urn:schemas-microsoft-com:mac:vml" xmlns:mc="http://schemas.openxmlformats.org/markup-compatibility/2006" id="{48BE999B-603B-447C-B28B-12ADE5AD8BF3}"/>
               </a:ext>
             </a:extLst>
           </p:cNvPr>
@@ -6175,8 +6039,8 @@
         </p:nvSpPr>
         <p:spPr>
           <a:xfrm>
-            <a:off x="4096435" y="4279020"/>
-            <a:ext cx="5445606" cy="1933914"/>
+            <a:off x="2643643" y="4568529"/>
+            <a:ext cx="5445606" cy="1641623"/>
           </a:xfrm>
           <a:prstGeom prst="leftArrowCallout">
             <a:avLst>
@@ -6229,123 +6093,6 @@
           </a:p>
         </p:txBody>
       </p:sp>
-      <p:pic>
-        <p:nvPicPr>
-          <p:cNvPr id="3" name="Image 2"/>
-          <p:cNvPicPr>
-            <a:picLocks noChangeAspect="1"/>
-          </p:cNvPicPr>
-          <p:nvPr/>
-        </p:nvPicPr>
-        <p:blipFill>
-          <a:blip r:embed="rId5">
-            <a:extLst>
-              <a:ext uri="{28A0092B-C50C-407E-A947-70E740481C1C}">
-                <a14:useLocalDpi xmlns:a14="http://schemas.microsoft.com/office/drawing/2010/main" val="0"/>
-              </a:ext>
-            </a:extLst>
-          </a:blip>
-          <a:stretch>
-            <a:fillRect/>
-          </a:stretch>
-        </p:blipFill>
-        <p:spPr>
-          <a:xfrm>
-            <a:off x="0" y="1120818"/>
-            <a:ext cx="7965164" cy="2969634"/>
-          </a:xfrm>
-          <a:prstGeom prst="rect">
-            <a:avLst/>
-          </a:prstGeom>
-        </p:spPr>
-      </p:pic>
-      <p:pic>
-        <p:nvPicPr>
-          <p:cNvPr id="4" name="Image 3"/>
-          <p:cNvPicPr>
-            <a:picLocks noChangeAspect="1"/>
-          </p:cNvPicPr>
-          <p:nvPr/>
-        </p:nvPicPr>
-        <p:blipFill rotWithShape="1">
-          <a:blip r:embed="rId6">
-            <a:extLst>
-              <a:ext uri="{28A0092B-C50C-407E-A947-70E740481C1C}">
-                <a14:useLocalDpi xmlns:a14="http://schemas.microsoft.com/office/drawing/2010/main" val="0"/>
-              </a:ext>
-            </a:extLst>
-          </a:blip>
-          <a:srcRect r="78128"/>
-          <a:stretch/>
-        </p:blipFill>
-        <p:spPr>
-          <a:xfrm>
-            <a:off x="6757678" y="1745323"/>
-            <a:ext cx="1207486" cy="1083472"/>
-          </a:xfrm>
-          <a:prstGeom prst="rect">
-            <a:avLst/>
-          </a:prstGeom>
-        </p:spPr>
-      </p:pic>
-      <p:pic>
-        <p:nvPicPr>
-          <p:cNvPr id="5" name="Image 4"/>
-          <p:cNvPicPr>
-            <a:picLocks noChangeAspect="1"/>
-          </p:cNvPicPr>
-          <p:nvPr/>
-        </p:nvPicPr>
-        <p:blipFill rotWithShape="1">
-          <a:blip r:embed="rId6">
-            <a:extLst>
-              <a:ext uri="{28A0092B-C50C-407E-A947-70E740481C1C}">
-                <a14:useLocalDpi xmlns:a14="http://schemas.microsoft.com/office/drawing/2010/main" val="0"/>
-              </a:ext>
-            </a:extLst>
-          </a:blip>
-          <a:srcRect l="30797" r="34557"/>
-          <a:stretch/>
-        </p:blipFill>
-        <p:spPr>
-          <a:xfrm>
-            <a:off x="7965164" y="1745323"/>
-            <a:ext cx="1923159" cy="1089348"/>
-          </a:xfrm>
-          <a:prstGeom prst="rect">
-            <a:avLst/>
-          </a:prstGeom>
-        </p:spPr>
-      </p:pic>
-      <p:pic>
-        <p:nvPicPr>
-          <p:cNvPr id="6" name="Image 5"/>
-          <p:cNvPicPr>
-            <a:picLocks noChangeAspect="1"/>
-          </p:cNvPicPr>
-          <p:nvPr/>
-        </p:nvPicPr>
-        <p:blipFill rotWithShape="1">
-          <a:blip r:embed="rId6">
-            <a:extLst>
-              <a:ext uri="{28A0092B-C50C-407E-A947-70E740481C1C}">
-                <a14:useLocalDpi xmlns:a14="http://schemas.microsoft.com/office/drawing/2010/main" val="0"/>
-              </a:ext>
-            </a:extLst>
-          </a:blip>
-          <a:srcRect l="72091" r="1319"/>
-          <a:stretch/>
-        </p:blipFill>
-        <p:spPr>
-          <a:xfrm>
-            <a:off x="9888323" y="1742720"/>
-            <a:ext cx="1471480" cy="1086075"/>
-          </a:xfrm>
-          <a:prstGeom prst="rect">
-            <a:avLst/>
-          </a:prstGeom>
-        </p:spPr>
-      </p:pic>
       <p:sp>
         <p:nvSpPr>
           <p:cNvPr id="20" name="Rectangle 19"/>
@@ -6354,8 +6101,8 @@
         </p:nvSpPr>
         <p:spPr>
           <a:xfrm>
-            <a:off x="8131740" y="3594264"/>
-            <a:ext cx="3228063" cy="461665"/>
+            <a:off x="8860421" y="5514976"/>
+            <a:ext cx="2745463" cy="830997"/>
           </a:xfrm>
           <a:prstGeom prst="rect">
             <a:avLst/>
@@ -6368,14 +6115,6 @@
           <a:lstStyle/>
           <a:p>
             <a:r>
-              <a:rPr lang="fr-FR" sz="2400" dirty="0">
-                <a:solidFill>
-                  <a:schemeClr val="accent2"/>
-                </a:solidFill>
-              </a:rPr>
-              <a:t>2410 </a:t>
-            </a:r>
-            <a:r>
               <a:rPr lang="fr-FR" sz="2400" dirty="0" err="1" smtClean="0">
                 <a:solidFill>
                   <a:schemeClr val="accent2"/>
@@ -6389,7 +6128,25 @@
                   <a:schemeClr val="accent2"/>
                 </a:solidFill>
               </a:rPr>
-              <a:t> description</a:t>
+              <a:t> descriptions</a:t>
+            </a:r>
+          </a:p>
+          <a:p>
+            <a:r>
+              <a:rPr lang="fr-FR" sz="2400" dirty="0" err="1" smtClean="0">
+                <a:solidFill>
+                  <a:schemeClr val="accent2"/>
+                </a:solidFill>
+              </a:rPr>
+              <a:t>Textual</a:t>
+            </a:r>
+            <a:r>
+              <a:rPr lang="fr-FR" sz="2400" dirty="0" smtClean="0">
+                <a:solidFill>
+                  <a:schemeClr val="accent2"/>
+                </a:solidFill>
+              </a:rPr>
+              <a:t> Informations</a:t>
             </a:r>
             <a:endParaRPr lang="fr-FR" sz="2400" dirty="0">
               <a:solidFill>
@@ -6407,8 +6164,8 @@
         </p:nvSpPr>
         <p:spPr>
           <a:xfrm>
-            <a:off x="8131740" y="3126723"/>
-            <a:ext cx="3107454" cy="461665"/>
+            <a:off x="8183066" y="5090866"/>
+            <a:ext cx="3229370" cy="461665"/>
           </a:xfrm>
           <a:prstGeom prst="rect">
             <a:avLst/>
@@ -6421,7 +6178,7 @@
           <a:lstStyle/>
           <a:p>
             <a:r>
-              <a:rPr lang="fr-FR" sz="2400" dirty="0" smtClean="0">
+              <a:rPr lang="fr-FR" sz="2400" b="1" dirty="0" smtClean="0">
                 <a:solidFill>
                   <a:schemeClr val="accent2"/>
                 </a:solidFill>
@@ -6458,7 +6215,7 @@
                   <a:schemeClr val="accent2"/>
                 </a:solidFill>
               </a:rPr>
-              <a:t>definition</a:t>
+              <a:t>definitions</a:t>
             </a:r>
             <a:endParaRPr lang="fr-FR" sz="2400" dirty="0">
               <a:solidFill>
@@ -6468,10 +6225,313 @@
           </a:p>
         </p:txBody>
       </p:sp>
+      <p:pic>
+        <p:nvPicPr>
+          <p:cNvPr id="16" name="Image 15" descr="Orphanet.png"/>
+          <p:cNvPicPr>
+            <a:picLocks noChangeAspect="1"/>
+          </p:cNvPicPr>
+          <p:nvPr/>
+        </p:nvPicPr>
+        <p:blipFill>
+          <a:blip r:embed="rId5"/>
+          <a:stretch>
+            <a:fillRect/>
+          </a:stretch>
+        </p:blipFill>
+        <p:spPr>
+          <a:xfrm>
+            <a:off x="1254218" y="1193196"/>
+            <a:ext cx="4881419" cy="3261294"/>
+          </a:xfrm>
+          <a:prstGeom prst="rect">
+            <a:avLst/>
+          </a:prstGeom>
+          <a:ln w="28575">
+            <a:solidFill>
+              <a:schemeClr val="tx1"/>
+            </a:solidFill>
+          </a:ln>
+          <a:effectLst>
+            <a:outerShdw blurRad="50800" dist="38100" dir="2700000" algn="tl" rotWithShape="0">
+              <a:srgbClr val="000000">
+                <a:alpha val="43000"/>
+              </a:srgbClr>
+            </a:outerShdw>
+          </a:effectLst>
+        </p:spPr>
+      </p:pic>
+      <p:sp>
+        <p:nvSpPr>
+          <p:cNvPr id="18" name="Rectangle 17"/>
+          <p:cNvSpPr/>
+          <p:nvPr/>
+        </p:nvSpPr>
+        <p:spPr>
+          <a:xfrm>
+            <a:off x="8183066" y="5697705"/>
+            <a:ext cx="878215" cy="461665"/>
+          </a:xfrm>
+          <a:prstGeom prst="rect">
+            <a:avLst/>
+          </a:prstGeom>
+        </p:spPr>
+        <p:txBody>
+          <a:bodyPr wrap="none">
+            <a:spAutoFit/>
+          </a:bodyPr>
+          <a:lstStyle/>
+          <a:p>
+            <a:r>
+              <a:rPr lang="fr-FR" sz="2400" b="1" dirty="0" smtClean="0">
+                <a:solidFill>
+                  <a:schemeClr val="accent2"/>
+                </a:solidFill>
+              </a:rPr>
+              <a:t>2410</a:t>
+            </a:r>
+            <a:r>
+              <a:rPr lang="fr-FR" sz="2400" dirty="0" smtClean="0">
+                <a:solidFill>
+                  <a:schemeClr val="accent2"/>
+                </a:solidFill>
+              </a:rPr>
+              <a:t> </a:t>
+            </a:r>
+          </a:p>
+        </p:txBody>
+      </p:sp>
+      <p:pic>
+        <p:nvPicPr>
+          <p:cNvPr id="24" name="Image 23" descr="Capture d’écran 2018-11-11 à 12.26.15.png"/>
+          <p:cNvPicPr>
+            <a:picLocks noChangeAspect="1"/>
+          </p:cNvPicPr>
+          <p:nvPr/>
+        </p:nvPicPr>
+        <p:blipFill>
+          <a:blip r:embed="rId6"/>
+          <a:stretch>
+            <a:fillRect/>
+          </a:stretch>
+        </p:blipFill>
+        <p:spPr>
+          <a:xfrm>
+            <a:off x="6284591" y="1193359"/>
+            <a:ext cx="4873544" cy="3253000"/>
+          </a:xfrm>
+          <a:prstGeom prst="rect">
+            <a:avLst/>
+          </a:prstGeom>
+          <a:ln w="28575">
+            <a:solidFill>
+              <a:schemeClr val="tx1"/>
+            </a:solidFill>
+          </a:ln>
+          <a:effectLst>
+            <a:outerShdw blurRad="50800" dist="38100" dir="2700000" algn="tl" rotWithShape="0">
+              <a:srgbClr val="000000">
+                <a:alpha val="43000"/>
+              </a:srgbClr>
+            </a:outerShdw>
+          </a:effectLst>
+        </p:spPr>
+      </p:pic>
+      <p:sp>
+        <p:nvSpPr>
+          <p:cNvPr id="25" name="Ellipse 24"/>
+          <p:cNvSpPr/>
+          <p:nvPr/>
+        </p:nvSpPr>
+        <p:spPr>
+          <a:xfrm>
+            <a:off x="6393135" y="3093834"/>
+            <a:ext cx="1345923" cy="727322"/>
+          </a:xfrm>
+          <a:prstGeom prst="ellipse">
+            <a:avLst/>
+          </a:prstGeom>
+          <a:solidFill>
+            <a:srgbClr val="FF0000">
+              <a:alpha val="25000"/>
+            </a:srgbClr>
+          </a:solidFill>
+          <a:ln>
+            <a:solidFill>
+              <a:srgbClr val="800000"/>
+            </a:solidFill>
+          </a:ln>
+        </p:spPr>
+        <p:style>
+          <a:lnRef idx="1">
+            <a:schemeClr val="accent1"/>
+          </a:lnRef>
+          <a:fillRef idx="3">
+            <a:schemeClr val="accent1"/>
+          </a:fillRef>
+          <a:effectRef idx="2">
+            <a:schemeClr val="accent1"/>
+          </a:effectRef>
+          <a:fontRef idx="minor">
+            <a:schemeClr val="lt1"/>
+          </a:fontRef>
+        </p:style>
+        <p:txBody>
+          <a:bodyPr rtlCol="0" anchor="ctr"/>
+          <a:lstStyle/>
+          <a:p>
+            <a:pPr algn="ctr"/>
+            <a:endParaRPr lang="fr-FR"/>
+          </a:p>
+        </p:txBody>
+      </p:sp>
+      <p:pic>
+        <p:nvPicPr>
+          <p:cNvPr id="26" name="Image 25"/>
+          <p:cNvPicPr>
+            <a:picLocks noChangeAspect="1"/>
+          </p:cNvPicPr>
+          <p:nvPr/>
+        </p:nvPicPr>
+        <p:blipFill rotWithShape="1">
+          <a:blip r:embed="rId4">
+            <a:clrChange>
+              <a:clrFrom>
+                <a:srgbClr val="FFFFFF"/>
+              </a:clrFrom>
+              <a:clrTo>
+                <a:srgbClr val="FFFFFF">
+                  <a:alpha val="0"/>
+                </a:srgbClr>
+              </a:clrTo>
+            </a:clrChange>
+            <a:extLst>
+              <a:ext uri="{28A0092B-C50C-407E-A947-70E740481C1C}">
+                <a14:useLocalDpi xmlns="" xmlns:a="http://schemas.openxmlformats.org/drawingml/2006/main" xmlns:r="http://schemas.openxmlformats.org/officeDocument/2006/relationships" xmlns:p="http://schemas.openxmlformats.org/presentationml/2006/main" xmlns:a14="http://schemas.microsoft.com/office/drawing/2010/main" xmlns:mv="urn:schemas-microsoft-com:mac:vml" xmlns:mc="http://schemas.openxmlformats.org/markup-compatibility/2006" val="0"/>
+              </a:ext>
+            </a:extLst>
+          </a:blip>
+          <a:srcRect t="34729" b="32957"/>
+          <a:stretch/>
+        </p:blipFill>
+        <p:spPr>
+          <a:xfrm>
+            <a:off x="173668" y="1487758"/>
+            <a:ext cx="2417090" cy="781054"/>
+          </a:xfrm>
+          <a:prstGeom prst="rect">
+            <a:avLst/>
+          </a:prstGeom>
+        </p:spPr>
+      </p:pic>
+      <p:sp>
+        <p:nvSpPr>
+          <p:cNvPr id="17" name="Rectangle 16"/>
+          <p:cNvSpPr/>
+          <p:nvPr/>
+        </p:nvSpPr>
+        <p:spPr>
+          <a:xfrm>
+            <a:off x="8205216" y="4570218"/>
+            <a:ext cx="2694518" cy="461665"/>
+          </a:xfrm>
+          <a:prstGeom prst="rect">
+            <a:avLst/>
+          </a:prstGeom>
+        </p:spPr>
+        <p:txBody>
+          <a:bodyPr wrap="none">
+            <a:spAutoFit/>
+          </a:bodyPr>
+          <a:lstStyle/>
+          <a:p>
+            <a:r>
+              <a:rPr lang="fr-FR" sz="2400" b="1" dirty="0" smtClean="0">
+                <a:solidFill>
+                  <a:schemeClr val="accent2"/>
+                </a:solidFill>
+              </a:rPr>
+              <a:t>6000 </a:t>
+            </a:r>
+            <a:r>
+              <a:rPr lang="fr-FR" sz="2400" dirty="0" smtClean="0">
+                <a:solidFill>
+                  <a:schemeClr val="accent2"/>
+                </a:solidFill>
+              </a:rPr>
+              <a:t>Rare </a:t>
+            </a:r>
+            <a:r>
+              <a:rPr lang="fr-FR" sz="2400" dirty="0" err="1" smtClean="0">
+                <a:solidFill>
+                  <a:schemeClr val="accent2"/>
+                </a:solidFill>
+              </a:rPr>
+              <a:t>Diseases</a:t>
+            </a:r>
+            <a:endParaRPr lang="fr-FR" sz="2400" dirty="0">
+              <a:solidFill>
+                <a:schemeClr val="accent2"/>
+              </a:solidFill>
+            </a:endParaRPr>
+          </a:p>
+        </p:txBody>
+      </p:sp>
+      <p:sp>
+        <p:nvSpPr>
+          <p:cNvPr id="23" name="Flèche vers la droite 22"/>
+          <p:cNvSpPr/>
+          <p:nvPr/>
+        </p:nvSpPr>
+        <p:spPr>
+          <a:xfrm rot="3093562">
+            <a:off x="7388792" y="4119734"/>
+            <a:ext cx="1280891" cy="177871"/>
+          </a:xfrm>
+          <a:prstGeom prst="rightArrow">
+            <a:avLst/>
+          </a:prstGeom>
+          <a:solidFill>
+            <a:schemeClr val="accent2">
+              <a:lumMod val="60000"/>
+              <a:lumOff val="40000"/>
+            </a:schemeClr>
+          </a:solidFill>
+          <a:ln>
+            <a:solidFill>
+              <a:schemeClr val="accent2">
+                <a:lumMod val="75000"/>
+              </a:schemeClr>
+            </a:solidFill>
+          </a:ln>
+        </p:spPr>
+        <p:style>
+          <a:lnRef idx="1">
+            <a:schemeClr val="accent1"/>
+          </a:lnRef>
+          <a:fillRef idx="3">
+            <a:schemeClr val="accent1"/>
+          </a:fillRef>
+          <a:effectRef idx="2">
+            <a:schemeClr val="accent1"/>
+          </a:effectRef>
+          <a:fontRef idx="minor">
+            <a:schemeClr val="lt1"/>
+          </a:fontRef>
+        </p:style>
+        <p:txBody>
+          <a:bodyPr rtlCol="0" anchor="ctr"/>
+          <a:lstStyle/>
+          <a:p>
+            <a:pPr algn="ctr"/>
+            <a:endParaRPr lang="fr-FR"/>
+          </a:p>
+        </p:txBody>
+      </p:sp>
     </p:spTree>
     <p:extLst>
       <p:ext uri="{BB962C8B-B14F-4D97-AF65-F5344CB8AC3E}">
-        <p14:creationId xmlns:p14="http://schemas.microsoft.com/office/powerpoint/2010/main" val="3681311421"/>
+        <p14:creationId xmlns="" xmlns:a="http://schemas.openxmlformats.org/drawingml/2006/main" xmlns:r="http://schemas.openxmlformats.org/officeDocument/2006/relationships" xmlns:p="http://schemas.openxmlformats.org/presentationml/2006/main" xmlns:p14="http://schemas.microsoft.com/office/powerpoint/2010/main" xmlns:mv="urn:schemas-microsoft-com:mac:vml" xmlns:mc="http://schemas.openxmlformats.org/markup-compatibility/2006" val="3681311421"/>
       </p:ext>
     </p:extLst>
   </p:cSld>
@@ -6489,7 +6549,7 @@
 </file>
 
 <file path=ppt/slides/slide3.xml><?xml version="1.0" encoding="utf-8"?>
-<p:sld xmlns:a="http://schemas.openxmlformats.org/drawingml/2006/main" xmlns:r="http://schemas.openxmlformats.org/officeDocument/2006/relationships" xmlns:p="http://schemas.openxmlformats.org/presentationml/2006/main">
+<p:sld xmlns:a="http://schemas.openxmlformats.org/drawingml/2006/main" xmlns:r="http://schemas.openxmlformats.org/officeDocument/2006/relationships" xmlns:mc="http://schemas.openxmlformats.org/markup-compatibility/2006" xmlns:mv="urn:schemas-microsoft-com:mac:vml" xmlns:p="http://schemas.openxmlformats.org/presentationml/2006/main" mc:Ignorable="mv" mc:PreserveAttributes="mv:*">
   <p:cSld>
     <p:spTree>
       <p:nvGrpSpPr>
@@ -6555,7 +6615,7 @@
         </p:spPr>
         <p:txBody>
           <a:bodyPr vert="horz" lIns="91440" tIns="45720" rIns="91440" bIns="45720" rtlCol="0" anchor="ctr">
-            <a:normAutofit fontScale="70000" lnSpcReduction="20000"/>
+            <a:normAutofit fontScale="55000" lnSpcReduction="20000"/>
           </a:bodyPr>
           <a:lstStyle>
             <a:lvl1pPr algn="l" defTabSz="914400" rtl="0" eaLnBrk="1" latinLnBrk="0" hangingPunct="1">
@@ -6615,7 +6675,7 @@
             </a:clrChange>
             <a:extLst>
               <a:ext uri="{28A0092B-C50C-407E-A947-70E740481C1C}">
-                <a14:useLocalDpi xmlns:a14="http://schemas.microsoft.com/office/drawing/2010/main" val="0"/>
+                <a14:useLocalDpi xmlns="" xmlns:a="http://schemas.openxmlformats.org/drawingml/2006/main" xmlns:r="http://schemas.openxmlformats.org/officeDocument/2006/relationships" xmlns:p="http://schemas.openxmlformats.org/presentationml/2006/main" xmlns:a14="http://schemas.microsoft.com/office/drawing/2010/main" xmlns:mv="urn:schemas-microsoft-com:mac:vml" xmlns:mc="http://schemas.openxmlformats.org/markup-compatibility/2006" val="0"/>
               </a:ext>
             </a:extLst>
           </a:blip>
@@ -6655,7 +6715,7 @@
             </a:clrChange>
             <a:extLst>
               <a:ext uri="{28A0092B-C50C-407E-A947-70E740481C1C}">
-                <a14:useLocalDpi xmlns:a14="http://schemas.microsoft.com/office/drawing/2010/main" val="0"/>
+                <a14:useLocalDpi xmlns="" xmlns:a="http://schemas.openxmlformats.org/drawingml/2006/main" xmlns:r="http://schemas.openxmlformats.org/officeDocument/2006/relationships" xmlns:p="http://schemas.openxmlformats.org/presentationml/2006/main" xmlns:a14="http://schemas.microsoft.com/office/drawing/2010/main" xmlns:mv="urn:schemas-microsoft-com:mac:vml" xmlns:mc="http://schemas.openxmlformats.org/markup-compatibility/2006" val="0"/>
               </a:ext>
             </a:extLst>
           </a:blip>
@@ -6674,120 +6734,16 @@
       </p:pic>
       <p:grpSp>
         <p:nvGrpSpPr>
-          <p:cNvPr id="6" name="Grouper 24"/>
+          <p:cNvPr id="9" name="Grouper 23"/>
           <p:cNvGrpSpPr/>
           <p:nvPr/>
         </p:nvGrpSpPr>
         <p:grpSpPr>
           <a:xfrm>
-            <a:off x="3290399" y="1634587"/>
-            <a:ext cx="3240360" cy="585065"/>
-            <a:chOff x="409037" y="1718810"/>
+            <a:off x="8385575" y="1270044"/>
+            <a:ext cx="3623166" cy="985642"/>
+            <a:chOff x="5562111" y="1718809"/>
             <a:chExt cx="3240360" cy="585065"/>
-          </a:xfrm>
-          <a:solidFill>
-            <a:schemeClr val="tx2">
-              <a:lumMod val="20000"/>
-              <a:lumOff val="80000"/>
-            </a:schemeClr>
-          </a:solidFill>
-        </p:grpSpPr>
-        <p:sp>
-          <p:nvSpPr>
-            <p:cNvPr id="7" name="Rectangle à coins arrondis 6"/>
-            <p:cNvSpPr/>
-            <p:nvPr/>
-          </p:nvSpPr>
-          <p:spPr>
-            <a:xfrm>
-              <a:off x="409037" y="1718810"/>
-              <a:ext cx="3240360" cy="585065"/>
-            </a:xfrm>
-            <a:prstGeom prst="roundRect">
-              <a:avLst/>
-            </a:prstGeom>
-            <a:grpFill/>
-            <a:ln w="9525">
-              <a:solidFill>
-                <a:schemeClr val="accent4">
-                  <a:lumMod val="75000"/>
-                </a:schemeClr>
-              </a:solidFill>
-            </a:ln>
-          </p:spPr>
-          <p:style>
-            <a:lnRef idx="2">
-              <a:schemeClr val="accent1">
-                <a:shade val="50000"/>
-              </a:schemeClr>
-            </a:lnRef>
-            <a:fillRef idx="1">
-              <a:schemeClr val="accent1"/>
-            </a:fillRef>
-            <a:effectRef idx="0">
-              <a:schemeClr val="accent1"/>
-            </a:effectRef>
-            <a:fontRef idx="minor">
-              <a:schemeClr val="lt1"/>
-            </a:fontRef>
-          </p:style>
-          <p:txBody>
-            <a:bodyPr rtlCol="0" anchor="ctr"/>
-            <a:lstStyle/>
-            <a:p>
-              <a:pPr algn="ctr"/>
-              <a:endParaRPr lang="fr-FR"/>
-            </a:p>
-          </p:txBody>
-        </p:sp>
-        <p:sp>
-          <p:nvSpPr>
-            <p:cNvPr id="8" name="ZoneTexte 7"/>
-            <p:cNvSpPr txBox="1"/>
-            <p:nvPr/>
-          </p:nvSpPr>
-          <p:spPr>
-            <a:xfrm>
-              <a:off x="454042" y="1808820"/>
-              <a:ext cx="3150350" cy="369332"/>
-            </a:xfrm>
-            <a:prstGeom prst="rect">
-              <a:avLst/>
-            </a:prstGeom>
-            <a:grpFill/>
-          </p:spPr>
-          <p:txBody>
-            <a:bodyPr wrap="square" rtlCol="0">
-              <a:spAutoFit/>
-            </a:bodyPr>
-            <a:lstStyle/>
-            <a:p>
-              <a:pPr algn="ctr"/>
-              <a:r>
-                <a:rPr lang="fr-FR" smtClean="0"/>
-                <a:t>Around 6,000 rare </a:t>
-              </a:r>
-              <a:r>
-                <a:rPr lang="fr-FR" dirty="0" err="1"/>
-                <a:t>disorders</a:t>
-              </a:r>
-              <a:endParaRPr lang="fr-FR" dirty="0"/>
-            </a:p>
-          </p:txBody>
-        </p:sp>
-      </p:grpSp>
-      <p:grpSp>
-        <p:nvGrpSpPr>
-          <p:cNvPr id="9" name="Grouper 23"/>
-          <p:cNvGrpSpPr/>
-          <p:nvPr/>
-        </p:nvGrpSpPr>
-        <p:grpSpPr>
-          <a:xfrm>
-            <a:off x="8026605" y="1424141"/>
-            <a:ext cx="3859891" cy="870173"/>
-            <a:chOff x="5309987" y="1472330"/>
-            <a:chExt cx="3859891" cy="870173"/>
           </a:xfrm>
           <a:solidFill>
             <a:srgbClr val="FFC000"/>
@@ -6801,8 +6757,8 @@
           </p:nvSpPr>
           <p:spPr>
             <a:xfrm>
-              <a:off x="5532967" y="1472330"/>
-              <a:ext cx="3385337" cy="870173"/>
+              <a:off x="5562111" y="1718809"/>
+              <a:ext cx="3240360" cy="585065"/>
             </a:xfrm>
             <a:prstGeom prst="roundRect">
               <a:avLst/>
@@ -6849,13 +6805,13 @@
           </p:nvSpPr>
           <p:spPr>
             <a:xfrm>
-              <a:off x="5309987" y="1518746"/>
-              <a:ext cx="3859891" cy="646331"/>
+              <a:off x="6021500" y="1952944"/>
+              <a:ext cx="2263181" cy="219231"/>
             </a:xfrm>
             <a:prstGeom prst="rect">
               <a:avLst/>
             </a:prstGeom>
-            <a:noFill/>
+            <a:grpFill/>
           </p:spPr>
           <p:txBody>
             <a:bodyPr wrap="square" rtlCol="0">
@@ -6865,11 +6821,7 @@
             <a:p>
               <a:pPr algn="ctr"/>
               <a:r>
-                <a:rPr lang="fr-FR" smtClean="0"/>
-                <a:t>Human Phenotype Ontology (HPO) </a:t>
-              </a:r>
-              <a:r>
-                <a:rPr lang="fr-FR" dirty="0" err="1"/>
+                <a:rPr lang="fr-FR" dirty="0" err="1" smtClean="0"/>
                 <a:t>phenotypes</a:t>
               </a:r>
               <a:endParaRPr lang="fr-FR" dirty="0"/>
@@ -6886,14 +6838,14 @@
           <p:nvPr>
             <p:extLst>
               <p:ext uri="{D42A27DB-BD31-4B8C-83A1-F6EECF244321}">
-                <p14:modId xmlns:p14="http://schemas.microsoft.com/office/powerpoint/2010/main" val="1677831478"/>
+                <p14:modId xmlns="" xmlns:a="http://schemas.openxmlformats.org/drawingml/2006/main" xmlns:r="http://schemas.openxmlformats.org/officeDocument/2006/relationships" xmlns:p="http://schemas.openxmlformats.org/presentationml/2006/main" xmlns:p14="http://schemas.microsoft.com/office/powerpoint/2010/main" xmlns:mv="urn:schemas-microsoft-com:mac:vml" xmlns:mc="http://schemas.openxmlformats.org/markup-compatibility/2006" val="1677831478"/>
               </p:ext>
             </p:extLst>
           </p:nvPr>
         </p:nvGraphicFramePr>
         <p:xfrm>
           <a:off x="5038367" y="2629045"/>
-          <a:ext cx="4500502" cy="2133600"/>
+          <a:ext cx="4500502" cy="2133599"/>
         </p:xfrm>
         <a:graphic>
           <a:graphicData uri="http://schemas.openxmlformats.org/drawingml/2006/table">
@@ -6905,14 +6857,14 @@
                 <a:gridCol w="2430271">
                   <a:extLst>
                     <a:ext uri="{9D8B030D-6E8A-4147-A177-3AD203B41FA5}">
-                      <a16:colId xmlns:a16="http://schemas.microsoft.com/office/drawing/2014/main" val="20000"/>
+                      <a16:colId xmlns="" xmlns:a="http://schemas.openxmlformats.org/drawingml/2006/main" xmlns:r="http://schemas.openxmlformats.org/officeDocument/2006/relationships" xmlns:p="http://schemas.openxmlformats.org/presentationml/2006/main" xmlns:a16="http://schemas.microsoft.com/office/drawing/2014/main" xmlns:mv="urn:schemas-microsoft-com:mac:vml" xmlns:mc="http://schemas.openxmlformats.org/markup-compatibility/2006" val="20000"/>
                     </a:ext>
                   </a:extLst>
                 </a:gridCol>
                 <a:gridCol w="2070231">
                   <a:extLst>
                     <a:ext uri="{9D8B030D-6E8A-4147-A177-3AD203B41FA5}">
-                      <a16:colId xmlns:a16="http://schemas.microsoft.com/office/drawing/2014/main" val="20001"/>
+                      <a16:colId xmlns="" xmlns:a="http://schemas.openxmlformats.org/drawingml/2006/main" xmlns:r="http://schemas.openxmlformats.org/officeDocument/2006/relationships" xmlns:p="http://schemas.openxmlformats.org/presentationml/2006/main" xmlns:a16="http://schemas.microsoft.com/office/drawing/2014/main" xmlns:mv="urn:schemas-microsoft-com:mac:vml" xmlns:mc="http://schemas.openxmlformats.org/markup-compatibility/2006" val="20001"/>
                     </a:ext>
                   </a:extLst>
                 </a:gridCol>
@@ -6978,7 +6930,7 @@
                 </a:tc>
                 <a:extLst>
                   <a:ext uri="{0D108BD9-81ED-4DB2-BD59-A6C34878D82A}">
-                    <a16:rowId xmlns:a16="http://schemas.microsoft.com/office/drawing/2014/main" val="10000"/>
+                    <a16:rowId xmlns="" xmlns:a="http://schemas.openxmlformats.org/drawingml/2006/main" xmlns:r="http://schemas.openxmlformats.org/officeDocument/2006/relationships" xmlns:p="http://schemas.openxmlformats.org/presentationml/2006/main" xmlns:a16="http://schemas.microsoft.com/office/drawing/2014/main" xmlns:mv="urn:schemas-microsoft-com:mac:vml" xmlns:mc="http://schemas.openxmlformats.org/markup-compatibility/2006" val="10000"/>
                   </a:ext>
                 </a:extLst>
               </a:tr>
@@ -7087,7 +7039,7 @@
                 </a:tc>
                 <a:extLst>
                   <a:ext uri="{0D108BD9-81ED-4DB2-BD59-A6C34878D82A}">
-                    <a16:rowId xmlns:a16="http://schemas.microsoft.com/office/drawing/2014/main" val="10001"/>
+                    <a16:rowId xmlns="" xmlns:a="http://schemas.openxmlformats.org/drawingml/2006/main" xmlns:r="http://schemas.openxmlformats.org/officeDocument/2006/relationships" xmlns:p="http://schemas.openxmlformats.org/presentationml/2006/main" xmlns:a16="http://schemas.microsoft.com/office/drawing/2014/main" xmlns:mv="urn:schemas-microsoft-com:mac:vml" xmlns:mc="http://schemas.openxmlformats.org/markup-compatibility/2006" val="10001"/>
                   </a:ext>
                 </a:extLst>
               </a:tr>
@@ -7176,7 +7128,7 @@
                 </a:tc>
                 <a:extLst>
                   <a:ext uri="{0D108BD9-81ED-4DB2-BD59-A6C34878D82A}">
-                    <a16:rowId xmlns:a16="http://schemas.microsoft.com/office/drawing/2014/main" val="10002"/>
+                    <a16:rowId xmlns="" xmlns:a="http://schemas.openxmlformats.org/drawingml/2006/main" xmlns:r="http://schemas.openxmlformats.org/officeDocument/2006/relationships" xmlns:p="http://schemas.openxmlformats.org/presentationml/2006/main" xmlns:a16="http://schemas.microsoft.com/office/drawing/2014/main" xmlns:mv="urn:schemas-microsoft-com:mac:vml" xmlns:mc="http://schemas.openxmlformats.org/markup-compatibility/2006" val="10002"/>
                   </a:ext>
                 </a:extLst>
               </a:tr>
@@ -7234,7 +7186,7 @@
                 </a:tc>
                 <a:extLst>
                   <a:ext uri="{0D108BD9-81ED-4DB2-BD59-A6C34878D82A}">
-                    <a16:rowId xmlns:a16="http://schemas.microsoft.com/office/drawing/2014/main" val="10003"/>
+                    <a16:rowId xmlns="" xmlns:a="http://schemas.openxmlformats.org/drawingml/2006/main" xmlns:r="http://schemas.openxmlformats.org/officeDocument/2006/relationships" xmlns:p="http://schemas.openxmlformats.org/presentationml/2006/main" xmlns:a16="http://schemas.microsoft.com/office/drawing/2014/main" xmlns:mv="urn:schemas-microsoft-com:mac:vml" xmlns:mc="http://schemas.openxmlformats.org/markup-compatibility/2006" val="10003"/>
                   </a:ext>
                 </a:extLst>
               </a:tr>
@@ -7292,7 +7244,7 @@
                 </a:tc>
                 <a:extLst>
                   <a:ext uri="{0D108BD9-81ED-4DB2-BD59-A6C34878D82A}">
-                    <a16:rowId xmlns:a16="http://schemas.microsoft.com/office/drawing/2014/main" val="10004"/>
+                    <a16:rowId xmlns="" xmlns:a="http://schemas.openxmlformats.org/drawingml/2006/main" xmlns:r="http://schemas.openxmlformats.org/officeDocument/2006/relationships" xmlns:p="http://schemas.openxmlformats.org/presentationml/2006/main" xmlns:a16="http://schemas.microsoft.com/office/drawing/2014/main" xmlns:mv="urn:schemas-microsoft-com:mac:vml" xmlns:mc="http://schemas.openxmlformats.org/markup-compatibility/2006" val="10004"/>
                   </a:ext>
                 </a:extLst>
               </a:tr>
@@ -7350,7 +7302,7 @@
                 </a:tc>
                 <a:extLst>
                   <a:ext uri="{0D108BD9-81ED-4DB2-BD59-A6C34878D82A}">
-                    <a16:rowId xmlns:a16="http://schemas.microsoft.com/office/drawing/2014/main" val="10005"/>
+                    <a16:rowId xmlns="" xmlns:a="http://schemas.openxmlformats.org/drawingml/2006/main" xmlns:r="http://schemas.openxmlformats.org/officeDocument/2006/relationships" xmlns:p="http://schemas.openxmlformats.org/presentationml/2006/main" xmlns:a16="http://schemas.microsoft.com/office/drawing/2014/main" xmlns:mv="urn:schemas-microsoft-com:mac:vml" xmlns:mc="http://schemas.openxmlformats.org/markup-compatibility/2006" val="10005"/>
                   </a:ext>
                 </a:extLst>
               </a:tr>
@@ -7416,7 +7368,7 @@
                 </a:tc>
                 <a:extLst>
                   <a:ext uri="{0D108BD9-81ED-4DB2-BD59-A6C34878D82A}">
-                    <a16:rowId xmlns:a16="http://schemas.microsoft.com/office/drawing/2014/main" val="10006"/>
+                    <a16:rowId xmlns="" xmlns:a="http://schemas.openxmlformats.org/drawingml/2006/main" xmlns:r="http://schemas.openxmlformats.org/officeDocument/2006/relationships" xmlns:p="http://schemas.openxmlformats.org/presentationml/2006/main" xmlns:a16="http://schemas.microsoft.com/office/drawing/2014/main" xmlns:mv="urn:schemas-microsoft-com:mac:vml" xmlns:mc="http://schemas.openxmlformats.org/markup-compatibility/2006" val="10006"/>
                   </a:ext>
                 </a:extLst>
               </a:tr>
@@ -7426,19 +7378,19 @@
       </p:graphicFrame>
       <p:sp>
         <p:nvSpPr>
-          <p:cNvPr id="16" name="Bulle ronde 15"/>
+          <p:cNvPr id="17" name="Bulle ronde 16"/>
           <p:cNvSpPr/>
           <p:nvPr/>
         </p:nvSpPr>
         <p:spPr>
           <a:xfrm>
-            <a:off x="4157450" y="4742090"/>
+            <a:off x="7815910" y="4309552"/>
             <a:ext cx="2250250" cy="1080120"/>
           </a:xfrm>
           <a:prstGeom prst="wedgeEllipseCallout">
             <a:avLst>
-              <a:gd name="adj1" fmla="val 39157"/>
-              <a:gd name="adj2" fmla="val -53534"/>
+              <a:gd name="adj1" fmla="val -33147"/>
+              <a:gd name="adj2" fmla="val -54718"/>
             </a:avLst>
           </a:prstGeom>
           <a:solidFill>
@@ -7478,7 +7430,7 @@
             <a:pPr algn="ctr"/>
             <a:r>
               <a:rPr lang="fr-FR" dirty="0" err="1"/>
-              <a:t>Annotated</a:t>
+              <a:t>Disseminated</a:t>
             </a:r>
             <a:r>
               <a:rPr lang="fr-FR" dirty="0"/>
@@ -7488,26 +7440,65 @@
               <a:rPr lang="fr-FR" dirty="0" err="1"/>
               <a:t>Orphanet</a:t>
             </a:r>
-            <a:endParaRPr lang="fr-FR" dirty="0"/>
-          </a:p>
-        </p:txBody>
-      </p:sp>
-      <p:sp>
-        <p:nvSpPr>
-          <p:cNvPr id="17" name="Bulle ronde 16"/>
+            <a:r>
+              <a:rPr lang="fr-FR" dirty="0"/>
+              <a:t> and HPO</a:t>
+            </a:r>
+          </a:p>
+        </p:txBody>
+      </p:sp>
+      <p:cxnSp>
+        <p:nvCxnSpPr>
+          <p:cNvPr id="18" name="Connecteur droit avec flèche 17"/>
+          <p:cNvCxnSpPr>
+            <a:endCxn id="22" idx="2"/>
+          </p:cNvCxnSpPr>
+          <p:nvPr/>
+        </p:nvCxnSpPr>
+        <p:spPr>
+          <a:xfrm>
+            <a:off x="5713443" y="2345695"/>
+            <a:ext cx="3420380" cy="1588"/>
+          </a:xfrm>
+          <a:prstGeom prst="straightConnector1">
+            <a:avLst/>
+          </a:prstGeom>
+          <a:ln w="19050">
+            <a:solidFill>
+              <a:schemeClr val="tx1"/>
+            </a:solidFill>
+            <a:headEnd type="triangle"/>
+            <a:tailEnd type="triangle"/>
+          </a:ln>
+        </p:spPr>
+        <p:style>
+          <a:lnRef idx="1">
+            <a:schemeClr val="accent1"/>
+          </a:lnRef>
+          <a:fillRef idx="0">
+            <a:schemeClr val="accent1"/>
+          </a:fillRef>
+          <a:effectRef idx="0">
+            <a:schemeClr val="accent1"/>
+          </a:effectRef>
+          <a:fontRef idx="minor">
+            <a:schemeClr val="tx1"/>
+          </a:fontRef>
+        </p:style>
+      </p:cxnSp>
+      <p:sp>
+        <p:nvSpPr>
+          <p:cNvPr id="19" name="Ellipse 18"/>
           <p:cNvSpPr/>
           <p:nvPr/>
         </p:nvSpPr>
         <p:spPr>
           <a:xfrm>
-            <a:off x="7815910" y="4309552"/>
-            <a:ext cx="2250250" cy="1080120"/>
-          </a:xfrm>
-          <a:prstGeom prst="wedgeEllipseCallout">
-            <a:avLst>
-              <a:gd name="adj1" fmla="val -33147"/>
-              <a:gd name="adj2" fmla="val -54718"/>
-            </a:avLst>
+            <a:off x="6343513" y="1959583"/>
+            <a:ext cx="1980220" cy="750594"/>
+          </a:xfrm>
+          <a:prstGeom prst="ellipse">
+            <a:avLst/>
           </a:prstGeom>
           <a:solidFill>
             <a:schemeClr val="tx2">
@@ -7515,12 +7506,181 @@
               <a:lumOff val="40000"/>
             </a:schemeClr>
           </a:solidFill>
-          <a:ln w="12700">
+          <a:ln>
             <a:solidFill>
               <a:schemeClr val="tx2">
                 <a:lumMod val="75000"/>
               </a:schemeClr>
             </a:solidFill>
+          </a:ln>
+        </p:spPr>
+        <p:style>
+          <a:lnRef idx="1">
+            <a:schemeClr val="accent1"/>
+          </a:lnRef>
+          <a:fillRef idx="3">
+            <a:schemeClr val="accent1"/>
+          </a:fillRef>
+          <a:effectRef idx="2">
+            <a:schemeClr val="accent1"/>
+          </a:effectRef>
+          <a:fontRef idx="minor">
+            <a:schemeClr val="lt1"/>
+          </a:fontRef>
+        </p:style>
+        <p:txBody>
+          <a:bodyPr rtlCol="0" anchor="ctr"/>
+          <a:lstStyle/>
+          <a:p>
+            <a:pPr algn="ctr"/>
+            <a:r>
+              <a:rPr lang="fr-FR" sz="1400" smtClean="0"/>
+              <a:t>69 195 </a:t>
+            </a:r>
+            <a:r>
+              <a:rPr lang="fr-FR" sz="1400" dirty="0"/>
+              <a:t>annotations</a:t>
+            </a:r>
+          </a:p>
+        </p:txBody>
+      </p:sp>
+      <p:pic>
+        <p:nvPicPr>
+          <p:cNvPr id="20" name="Image 19"/>
+          <p:cNvPicPr>
+            <a:picLocks noChangeAspect="1"/>
+          </p:cNvPicPr>
+          <p:nvPr/>
+        </p:nvPicPr>
+        <p:blipFill>
+          <a:blip r:embed="rId5">
+            <a:extLst>
+              <a:ext uri="{28A0092B-C50C-407E-A947-70E740481C1C}">
+                <a14:useLocalDpi xmlns="" xmlns:a="http://schemas.openxmlformats.org/drawingml/2006/main" xmlns:r="http://schemas.openxmlformats.org/officeDocument/2006/relationships" xmlns:p="http://schemas.openxmlformats.org/presentationml/2006/main" xmlns:a14="http://schemas.microsoft.com/office/drawing/2010/main" xmlns:mv="urn:schemas-microsoft-com:mac:vml" xmlns:mc="http://schemas.openxmlformats.org/markup-compatibility/2006" val="0"/>
+              </a:ext>
+            </a:extLst>
+          </a:blip>
+          <a:stretch>
+            <a:fillRect/>
+          </a:stretch>
+        </p:blipFill>
+        <p:spPr>
+          <a:xfrm>
+            <a:off x="1361935" y="1784625"/>
+            <a:ext cx="1704737" cy="321340"/>
+          </a:xfrm>
+          <a:prstGeom prst="rect">
+            <a:avLst/>
+          </a:prstGeom>
+        </p:spPr>
+      </p:pic>
+      <p:sp>
+        <p:nvSpPr>
+          <p:cNvPr id="22" name="Ellipse 21"/>
+          <p:cNvSpPr/>
+          <p:nvPr/>
+        </p:nvSpPr>
+        <p:spPr>
+          <a:xfrm>
+            <a:off x="9133823" y="2120670"/>
+            <a:ext cx="1980220" cy="450050"/>
+          </a:xfrm>
+          <a:prstGeom prst="ellipse">
+            <a:avLst/>
+          </a:prstGeom>
+          <a:solidFill>
+            <a:schemeClr val="accent3">
+              <a:lumMod val="75000"/>
+            </a:schemeClr>
+          </a:solidFill>
+          <a:ln>
+            <a:solidFill>
+              <a:schemeClr val="accent3">
+                <a:lumMod val="60000"/>
+                <a:lumOff val="40000"/>
+              </a:schemeClr>
+            </a:solidFill>
+          </a:ln>
+        </p:spPr>
+        <p:style>
+          <a:lnRef idx="1">
+            <a:schemeClr val="accent1"/>
+          </a:lnRef>
+          <a:fillRef idx="3">
+            <a:schemeClr val="accent1"/>
+          </a:fillRef>
+          <a:effectRef idx="2">
+            <a:schemeClr val="accent1"/>
+          </a:effectRef>
+          <a:fontRef idx="minor">
+            <a:schemeClr val="lt1"/>
+          </a:fontRef>
+        </p:style>
+        <p:txBody>
+          <a:bodyPr rtlCol="0" anchor="ctr"/>
+          <a:lstStyle/>
+          <a:p>
+            <a:pPr algn="ctr"/>
+            <a:r>
+              <a:rPr lang="fr-FR" dirty="0" smtClean="0"/>
+              <a:t>5714 </a:t>
+            </a:r>
+            <a:r>
+              <a:rPr lang="fr-FR" dirty="0"/>
+              <a:t>HPO</a:t>
+            </a:r>
+          </a:p>
+        </p:txBody>
+      </p:sp>
+      <p:pic>
+        <p:nvPicPr>
+          <p:cNvPr id="23" name="Image 22"/>
+          <p:cNvPicPr>
+            <a:picLocks noChangeAspect="1"/>
+          </p:cNvPicPr>
+          <p:nvPr/>
+        </p:nvPicPr>
+        <p:blipFill>
+          <a:blip r:embed="rId6" cstate="print">
+            <a:extLst>
+              <a:ext uri="{28A0092B-C50C-407E-A947-70E740481C1C}">
+                <a14:useLocalDpi xmlns="" xmlns:a="http://schemas.openxmlformats.org/drawingml/2006/main" xmlns:r="http://schemas.openxmlformats.org/officeDocument/2006/relationships" xmlns:p="http://schemas.openxmlformats.org/presentationml/2006/main" xmlns:a14="http://schemas.microsoft.com/office/drawing/2010/main" xmlns:mv="urn:schemas-microsoft-com:mac:vml" xmlns:mc="http://schemas.openxmlformats.org/markup-compatibility/2006" val="0"/>
+              </a:ext>
+            </a:extLst>
+          </a:blip>
+          <a:stretch>
+            <a:fillRect/>
+          </a:stretch>
+        </p:blipFill>
+        <p:spPr>
+          <a:xfrm>
+            <a:off x="11496538" y="1492696"/>
+            <a:ext cx="345168" cy="543110"/>
+          </a:xfrm>
+          <a:prstGeom prst="rect">
+            <a:avLst/>
+          </a:prstGeom>
+        </p:spPr>
+      </p:pic>
+      <p:sp>
+        <p:nvSpPr>
+          <p:cNvPr id="3" name="Ellipse 2"/>
+          <p:cNvSpPr/>
+          <p:nvPr/>
+        </p:nvSpPr>
+        <p:spPr>
+          <a:xfrm>
+            <a:off x="869913" y="3773978"/>
+            <a:ext cx="631767" cy="881149"/>
+          </a:xfrm>
+          <a:prstGeom prst="ellipse">
+            <a:avLst/>
+          </a:prstGeom>
+          <a:solidFill>
+            <a:schemeClr val="bg1"/>
+          </a:solidFill>
+          <a:ln>
+            <a:noFill/>
           </a:ln>
         </p:spPr>
         <p:style>
@@ -7544,86 +7704,218 @@
           <a:lstStyle/>
           <a:p>
             <a:pPr algn="ctr"/>
-            <a:r>
-              <a:rPr lang="fr-FR" dirty="0" err="1"/>
-              <a:t>Disseminated</a:t>
-            </a:r>
-            <a:r>
-              <a:rPr lang="fr-FR" dirty="0"/>
-              <a:t> by </a:t>
-            </a:r>
-            <a:r>
-              <a:rPr lang="fr-FR" dirty="0" err="1"/>
-              <a:t>Orphanet</a:t>
-            </a:r>
-            <a:r>
-              <a:rPr lang="fr-FR" dirty="0"/>
-              <a:t> and HPO</a:t>
-            </a:r>
-          </a:p>
-        </p:txBody>
-      </p:sp>
-      <p:cxnSp>
-        <p:nvCxnSpPr>
-          <p:cNvPr id="18" name="Connecteur droit avec flèche 17"/>
-          <p:cNvCxnSpPr/>
-          <p:nvPr/>
-        </p:nvCxnSpPr>
-        <p:spPr>
-          <a:xfrm flipV="1">
-            <a:off x="6407700" y="1945295"/>
-            <a:ext cx="2013093" cy="1"/>
-          </a:xfrm>
-          <a:prstGeom prst="straightConnector1">
-            <a:avLst/>
-          </a:prstGeom>
-          <a:ln w="19050">
-            <a:solidFill>
-              <a:schemeClr val="tx1"/>
-            </a:solidFill>
-            <a:headEnd type="triangle"/>
-            <a:tailEnd type="triangle"/>
-          </a:ln>
-        </p:spPr>
-        <p:style>
-          <a:lnRef idx="1">
-            <a:schemeClr val="accent1"/>
-          </a:lnRef>
-          <a:fillRef idx="0">
-            <a:schemeClr val="accent1"/>
-          </a:fillRef>
-          <a:effectRef idx="0">
-            <a:schemeClr val="accent1"/>
-          </a:effectRef>
-          <a:fontRef idx="minor">
-            <a:schemeClr val="tx1"/>
-          </a:fontRef>
-        </p:style>
-      </p:cxnSp>
-      <p:sp>
-        <p:nvSpPr>
-          <p:cNvPr id="19" name="Ellipse 18"/>
-          <p:cNvSpPr/>
-          <p:nvPr/>
-        </p:nvSpPr>
-        <p:spPr>
-          <a:xfrm>
-            <a:off x="6343513" y="1959583"/>
-            <a:ext cx="1980220" cy="750594"/>
-          </a:xfrm>
-          <a:prstGeom prst="ellipse">
-            <a:avLst/>
-          </a:prstGeom>
+            <a:endParaRPr lang="fr-FR"/>
+          </a:p>
+        </p:txBody>
+      </p:sp>
+      <p:pic>
+        <p:nvPicPr>
+          <p:cNvPr id="4" name="Image 3"/>
+          <p:cNvPicPr>
+            <a:picLocks noChangeAspect="1"/>
+          </p:cNvPicPr>
+          <p:nvPr/>
+        </p:nvPicPr>
+        <p:blipFill rotWithShape="1">
+          <a:blip r:embed="rId7" cstate="print">
+            <a:extLst>
+              <a:ext uri="{28A0092B-C50C-407E-A947-70E740481C1C}">
+                <a14:useLocalDpi xmlns="" xmlns:a="http://schemas.openxmlformats.org/drawingml/2006/main" xmlns:r="http://schemas.openxmlformats.org/officeDocument/2006/relationships" xmlns:p="http://schemas.openxmlformats.org/presentationml/2006/main" xmlns:a14="http://schemas.microsoft.com/office/drawing/2010/main" xmlns:mv="urn:schemas-microsoft-com:mac:vml" xmlns:mc="http://schemas.openxmlformats.org/markup-compatibility/2006" val="0"/>
+              </a:ext>
+            </a:extLst>
+          </a:blip>
+          <a:srcRect l="30245" t="15603" r="19897" b="57256"/>
+          <a:stretch/>
+        </p:blipFill>
+        <p:spPr>
+          <a:xfrm>
+            <a:off x="303918" y="2192827"/>
+            <a:ext cx="3915956" cy="4146820"/>
+          </a:xfrm>
+          <a:prstGeom prst="rect">
+            <a:avLst/>
+          </a:prstGeom>
+          <a:effectLst>
+            <a:outerShdw blurRad="50800" dist="114300" dir="2700000" algn="tl" rotWithShape="0">
+              <a:srgbClr val="000000">
+                <a:alpha val="43000"/>
+              </a:srgbClr>
+            </a:outerShdw>
+          </a:effectLst>
+        </p:spPr>
+      </p:pic>
+      <p:sp>
+        <p:nvSpPr>
+          <p:cNvPr id="26" name="ZoneTexte 25"/>
+          <p:cNvSpPr txBox="1"/>
+          <p:nvPr/>
+        </p:nvSpPr>
+        <p:spPr>
+          <a:xfrm>
+            <a:off x="8506969" y="1363426"/>
+            <a:ext cx="2843296" cy="369332"/>
+          </a:xfrm>
+          <a:prstGeom prst="rect">
+            <a:avLst/>
+          </a:prstGeom>
+          <a:noFill/>
+        </p:spPr>
+        <p:txBody>
+          <a:bodyPr wrap="none" rtlCol="0">
+            <a:spAutoFit/>
+          </a:bodyPr>
+          <a:lstStyle/>
+          <a:p>
+            <a:r>
+              <a:rPr lang="fr-FR" dirty="0" err="1" smtClean="0"/>
+              <a:t>Human</a:t>
+            </a:r>
+            <a:r>
+              <a:rPr lang="fr-FR" dirty="0" smtClean="0"/>
+              <a:t> </a:t>
+            </a:r>
+            <a:r>
+              <a:rPr lang="fr-FR" dirty="0" err="1" smtClean="0"/>
+              <a:t>Phenotype</a:t>
+            </a:r>
+            <a:r>
+              <a:rPr lang="fr-FR" dirty="0" smtClean="0"/>
+              <a:t> </a:t>
+            </a:r>
+            <a:r>
+              <a:rPr lang="fr-FR" dirty="0" err="1" smtClean="0"/>
+              <a:t>Ontology</a:t>
+            </a:r>
+            <a:endParaRPr lang="fr-FR" dirty="0"/>
+          </a:p>
+        </p:txBody>
+      </p:sp>
+      <p:grpSp>
+        <p:nvGrpSpPr>
+          <p:cNvPr id="25" name="Grouper 24"/>
+          <p:cNvGrpSpPr/>
+          <p:nvPr/>
+        </p:nvGrpSpPr>
+        <p:grpSpPr>
+          <a:xfrm>
+            <a:off x="3125655" y="1670621"/>
+            <a:ext cx="3240360" cy="585065"/>
+            <a:chOff x="409037" y="1718810"/>
+            <a:chExt cx="3240360" cy="585065"/>
+          </a:xfrm>
           <a:solidFill>
             <a:schemeClr val="tx2">
-              <a:lumMod val="60000"/>
-              <a:lumOff val="40000"/>
+              <a:lumMod val="20000"/>
+              <a:lumOff val="80000"/>
             </a:schemeClr>
+          </a:solidFill>
+        </p:grpSpPr>
+        <p:sp>
+          <p:nvSpPr>
+            <p:cNvPr id="27" name="Rectangle à coins arrondis 26"/>
+            <p:cNvSpPr/>
+            <p:nvPr/>
+          </p:nvSpPr>
+          <p:spPr>
+            <a:xfrm>
+              <a:off x="409037" y="1718810"/>
+              <a:ext cx="3240360" cy="585065"/>
+            </a:xfrm>
+            <a:prstGeom prst="roundRect">
+              <a:avLst/>
+            </a:prstGeom>
+            <a:grpFill/>
+            <a:ln w="9525">
+              <a:solidFill>
+                <a:schemeClr val="accent4">
+                  <a:lumMod val="75000"/>
+                </a:schemeClr>
+              </a:solidFill>
+            </a:ln>
+          </p:spPr>
+          <p:style>
+            <a:lnRef idx="2">
+              <a:schemeClr val="accent1">
+                <a:shade val="50000"/>
+              </a:schemeClr>
+            </a:lnRef>
+            <a:fillRef idx="1">
+              <a:schemeClr val="accent1"/>
+            </a:fillRef>
+            <a:effectRef idx="0">
+              <a:schemeClr val="accent1"/>
+            </a:effectRef>
+            <a:fontRef idx="minor">
+              <a:schemeClr val="lt1"/>
+            </a:fontRef>
+          </p:style>
+          <p:txBody>
+            <a:bodyPr rtlCol="0" anchor="ctr"/>
+            <a:lstStyle/>
+            <a:p>
+              <a:pPr algn="ctr"/>
+              <a:endParaRPr lang="fr-FR"/>
+            </a:p>
+          </p:txBody>
+        </p:sp>
+        <p:sp>
+          <p:nvSpPr>
+            <p:cNvPr id="28" name="ZoneTexte 27"/>
+            <p:cNvSpPr txBox="1"/>
+            <p:nvPr/>
+          </p:nvSpPr>
+          <p:spPr>
+            <a:xfrm>
+              <a:off x="454042" y="1808820"/>
+              <a:ext cx="3150350" cy="369332"/>
+            </a:xfrm>
+            <a:prstGeom prst="rect">
+              <a:avLst/>
+            </a:prstGeom>
+            <a:grpFill/>
+          </p:spPr>
+          <p:txBody>
+            <a:bodyPr wrap="square" rtlCol="0">
+              <a:spAutoFit/>
+            </a:bodyPr>
+            <a:lstStyle/>
+            <a:p>
+              <a:pPr algn="ctr"/>
+              <a:r>
+                <a:rPr lang="fr-FR" dirty="0" smtClean="0"/>
+                <a:t>± 6000 Rare </a:t>
+              </a:r>
+              <a:r>
+                <a:rPr lang="fr-FR" dirty="0" err="1" smtClean="0"/>
+                <a:t>Diseases</a:t>
+              </a:r>
+              <a:endParaRPr lang="fr-FR" dirty="0"/>
+            </a:p>
+          </p:txBody>
+        </p:sp>
+      </p:grpSp>
+      <p:sp>
+        <p:nvSpPr>
+          <p:cNvPr id="29" name="Ellipse 28"/>
+          <p:cNvSpPr/>
+          <p:nvPr/>
+        </p:nvSpPr>
+        <p:spPr>
+          <a:xfrm>
+            <a:off x="3733223" y="2120670"/>
+            <a:ext cx="1980220" cy="450050"/>
+          </a:xfrm>
+          <a:prstGeom prst="ellipse">
+            <a:avLst/>
+          </a:prstGeom>
+          <a:solidFill>
+            <a:srgbClr val="660066"/>
           </a:solidFill>
           <a:ln>
             <a:solidFill>
-              <a:schemeClr val="tx2">
-                <a:lumMod val="75000"/>
+              <a:schemeClr val="accent4">
+                <a:lumMod val="60000"/>
+                <a:lumOff val="40000"/>
               </a:schemeClr>
             </a:solidFill>
           </a:ln>
@@ -7648,69 +7940,38 @@
           <a:p>
             <a:pPr algn="ctr"/>
             <a:r>
-              <a:rPr lang="fr-FR" sz="1400" smtClean="0"/>
-              <a:t>69 195 </a:t>
-            </a:r>
-            <a:r>
-              <a:rPr lang="fr-FR" sz="1400" dirty="0"/>
-              <a:t>annotations</a:t>
-            </a:r>
-          </a:p>
-        </p:txBody>
-      </p:sp>
-      <p:pic>
-        <p:nvPicPr>
-          <p:cNvPr id="20" name="Image 19"/>
-          <p:cNvPicPr>
-            <a:picLocks noChangeAspect="1"/>
-          </p:cNvPicPr>
-          <p:nvPr/>
-        </p:nvPicPr>
-        <p:blipFill>
-          <a:blip r:embed="rId5">
-            <a:extLst>
-              <a:ext uri="{28A0092B-C50C-407E-A947-70E740481C1C}">
-                <a14:useLocalDpi xmlns:a14="http://schemas.microsoft.com/office/drawing/2010/main" val="0"/>
-              </a:ext>
-            </a:extLst>
-          </a:blip>
-          <a:stretch>
-            <a:fillRect/>
-          </a:stretch>
-        </p:blipFill>
-        <p:spPr>
-          <a:xfrm>
-            <a:off x="1361935" y="1784625"/>
-            <a:ext cx="1704737" cy="321340"/>
+              <a:rPr lang="fr-FR" dirty="0" smtClean="0"/>
+              <a:t>3244 </a:t>
+            </a:r>
+            <a:r>
+              <a:rPr lang="fr-FR" dirty="0"/>
+              <a:t>RD</a:t>
+            </a:r>
+          </a:p>
+        </p:txBody>
+      </p:sp>
+      <p:sp>
+        <p:nvSpPr>
+          <p:cNvPr id="31" name="Rectangle 30"/>
+          <p:cNvSpPr/>
+          <p:nvPr/>
+        </p:nvSpPr>
+        <p:spPr>
+          <a:xfrm>
+            <a:off x="217084" y="5243235"/>
+            <a:ext cx="3940081" cy="1074701"/>
           </a:xfrm>
           <a:prstGeom prst="rect">
             <a:avLst/>
           </a:prstGeom>
-        </p:spPr>
-      </p:pic>
-      <p:sp>
-        <p:nvSpPr>
-          <p:cNvPr id="21" name="Ellipse 20"/>
-          <p:cNvSpPr/>
-          <p:nvPr/>
-        </p:nvSpPr>
-        <p:spPr>
-          <a:xfrm>
-            <a:off x="3733223" y="2120670"/>
-            <a:ext cx="1980220" cy="450050"/>
-          </a:xfrm>
-          <a:prstGeom prst="ellipse">
-            <a:avLst/>
-          </a:prstGeom>
           <a:solidFill>
-            <a:srgbClr val="660066"/>
+            <a:srgbClr val="FF0000">
+              <a:alpha val="21000"/>
+            </a:srgbClr>
           </a:solidFill>
           <a:ln>
             <a:solidFill>
-              <a:schemeClr val="accent4">
-                <a:lumMod val="60000"/>
-                <a:lumOff val="40000"/>
-              </a:schemeClr>
+              <a:srgbClr val="FF0000"/>
             </a:solidFill>
           </a:ln>
         </p:spPr>
@@ -7733,124 +7994,39 @@
           <a:lstStyle/>
           <a:p>
             <a:pPr algn="ctr"/>
-            <a:r>
-              <a:rPr lang="fr-FR" dirty="0" smtClean="0"/>
-              <a:t>3244 </a:t>
-            </a:r>
-            <a:r>
-              <a:rPr lang="fr-FR" dirty="0"/>
-              <a:t>RD</a:t>
-            </a:r>
-          </a:p>
-        </p:txBody>
-      </p:sp>
-      <p:sp>
-        <p:nvSpPr>
-          <p:cNvPr id="22" name="Ellipse 21"/>
+            <a:endParaRPr lang="fr-FR"/>
+          </a:p>
+        </p:txBody>
+      </p:sp>
+      <p:sp>
+        <p:nvSpPr>
+          <p:cNvPr id="32" name="Bulle ronde 31"/>
           <p:cNvSpPr/>
           <p:nvPr/>
         </p:nvSpPr>
         <p:spPr>
           <a:xfrm>
-            <a:off x="9099582" y="2135601"/>
-            <a:ext cx="1980220" cy="450050"/>
-          </a:xfrm>
-          <a:prstGeom prst="ellipse">
-            <a:avLst/>
+            <a:off x="3951220" y="4752945"/>
+            <a:ext cx="2250250" cy="1080120"/>
+          </a:xfrm>
+          <a:prstGeom prst="wedgeEllipseCallout">
+            <a:avLst>
+              <a:gd name="adj1" fmla="val 39157"/>
+              <a:gd name="adj2" fmla="val -53534"/>
+            </a:avLst>
           </a:prstGeom>
           <a:solidFill>
-            <a:schemeClr val="accent3">
-              <a:lumMod val="75000"/>
+            <a:schemeClr val="tx2">
+              <a:lumMod val="60000"/>
+              <a:lumOff val="40000"/>
             </a:schemeClr>
           </a:solidFill>
-          <a:ln>
+          <a:ln w="12700">
             <a:solidFill>
-              <a:schemeClr val="accent3">
-                <a:lumMod val="60000"/>
-                <a:lumOff val="40000"/>
+              <a:schemeClr val="tx2">
+                <a:lumMod val="75000"/>
               </a:schemeClr>
             </a:solidFill>
-          </a:ln>
-        </p:spPr>
-        <p:style>
-          <a:lnRef idx="1">
-            <a:schemeClr val="accent1"/>
-          </a:lnRef>
-          <a:fillRef idx="3">
-            <a:schemeClr val="accent1"/>
-          </a:fillRef>
-          <a:effectRef idx="2">
-            <a:schemeClr val="accent1"/>
-          </a:effectRef>
-          <a:fontRef idx="minor">
-            <a:schemeClr val="lt1"/>
-          </a:fontRef>
-        </p:style>
-        <p:txBody>
-          <a:bodyPr rtlCol="0" anchor="ctr"/>
-          <a:lstStyle/>
-          <a:p>
-            <a:pPr algn="ctr"/>
-            <a:r>
-              <a:rPr lang="fr-FR" smtClean="0"/>
-              <a:t>5714 </a:t>
-            </a:r>
-            <a:r>
-              <a:rPr lang="fr-FR" dirty="0"/>
-              <a:t>HPO</a:t>
-            </a:r>
-          </a:p>
-        </p:txBody>
-      </p:sp>
-      <p:pic>
-        <p:nvPicPr>
-          <p:cNvPr id="23" name="Image 22"/>
-          <p:cNvPicPr>
-            <a:picLocks noChangeAspect="1"/>
-          </p:cNvPicPr>
-          <p:nvPr/>
-        </p:nvPicPr>
-        <p:blipFill>
-          <a:blip r:embed="rId6" cstate="print">
-            <a:extLst>
-              <a:ext uri="{28A0092B-C50C-407E-A947-70E740481C1C}">
-                <a14:useLocalDpi xmlns:a14="http://schemas.microsoft.com/office/drawing/2010/main" val="0"/>
-              </a:ext>
-            </a:extLst>
-          </a:blip>
-          <a:stretch>
-            <a:fillRect/>
-          </a:stretch>
-        </p:blipFill>
-        <p:spPr>
-          <a:xfrm>
-            <a:off x="11664121" y="1169526"/>
-            <a:ext cx="441220" cy="694245"/>
-          </a:xfrm>
-          <a:prstGeom prst="rect">
-            <a:avLst/>
-          </a:prstGeom>
-        </p:spPr>
-      </p:pic>
-      <p:sp>
-        <p:nvSpPr>
-          <p:cNvPr id="3" name="Ellipse 2"/>
-          <p:cNvSpPr/>
-          <p:nvPr/>
-        </p:nvSpPr>
-        <p:spPr>
-          <a:xfrm>
-            <a:off x="869913" y="3773978"/>
-            <a:ext cx="631767" cy="881149"/>
-          </a:xfrm>
-          <a:prstGeom prst="ellipse">
-            <a:avLst/>
-          </a:prstGeom>
-          <a:solidFill>
-            <a:schemeClr val="bg1"/>
-          </a:solidFill>
-          <a:ln>
-            <a:noFill/>
           </a:ln>
         </p:spPr>
         <p:style>
@@ -7874,75 +8050,26 @@
           <a:lstStyle/>
           <a:p>
             <a:pPr algn="ctr"/>
-            <a:endParaRPr lang="fr-FR"/>
-          </a:p>
-        </p:txBody>
-      </p:sp>
-      <p:pic>
-        <p:nvPicPr>
-          <p:cNvPr id="4" name="Image 3"/>
-          <p:cNvPicPr>
-            <a:picLocks noChangeAspect="1"/>
-          </p:cNvPicPr>
-          <p:nvPr/>
-        </p:nvPicPr>
-        <p:blipFill rotWithShape="1">
-          <a:blip r:embed="rId7" cstate="print">
-            <a:extLst>
-              <a:ext uri="{28A0092B-C50C-407E-A947-70E740481C1C}">
-                <a14:useLocalDpi xmlns:a14="http://schemas.microsoft.com/office/drawing/2010/main" val="0"/>
-              </a:ext>
-            </a:extLst>
-          </a:blip>
-          <a:srcRect l="29397" t="15603" r="14589" b="55319"/>
-          <a:stretch/>
-        </p:blipFill>
-        <p:spPr>
-          <a:xfrm>
-            <a:off x="347084" y="2510718"/>
-            <a:ext cx="3562571" cy="3597669"/>
-          </a:xfrm>
-          <a:prstGeom prst="rect">
-            <a:avLst/>
-          </a:prstGeom>
-        </p:spPr>
-      </p:pic>
-      <p:sp>
-        <p:nvSpPr>
-          <p:cNvPr id="26" name="ZoneTexte 25"/>
-          <p:cNvSpPr txBox="1"/>
-          <p:nvPr/>
-        </p:nvSpPr>
-        <p:spPr>
-          <a:xfrm>
-            <a:off x="9910858" y="2710177"/>
-            <a:ext cx="2056589" cy="369332"/>
-          </a:xfrm>
-          <a:prstGeom prst="rect">
-            <a:avLst/>
-          </a:prstGeom>
-          <a:noFill/>
-        </p:spPr>
-        <p:txBody>
-          <a:bodyPr wrap="none" rtlCol="0">
-            <a:spAutoFit/>
-          </a:bodyPr>
-          <a:lstStyle/>
-          <a:p>
-            <a:r>
-              <a:rPr lang="fr-FR">
-                <a:hlinkClick r:id="rId8"/>
-              </a:rPr>
-              <a:t>https://hpo.jax.org/</a:t>
-            </a:r>
-            <a:endParaRPr lang="fr-FR"/>
+            <a:r>
+              <a:rPr lang="fr-FR" dirty="0" err="1"/>
+              <a:t>Annotated</a:t>
+            </a:r>
+            <a:r>
+              <a:rPr lang="fr-FR" dirty="0"/>
+              <a:t> by </a:t>
+            </a:r>
+            <a:r>
+              <a:rPr lang="fr-FR" dirty="0" err="1"/>
+              <a:t>Orphanet</a:t>
+            </a:r>
+            <a:endParaRPr lang="fr-FR" dirty="0"/>
           </a:p>
         </p:txBody>
       </p:sp>
     </p:spTree>
     <p:extLst>
       <p:ext uri="{BB962C8B-B14F-4D97-AF65-F5344CB8AC3E}">
-        <p14:creationId xmlns:p14="http://schemas.microsoft.com/office/powerpoint/2010/main" val="2606958603"/>
+        <p14:creationId xmlns="" xmlns:a="http://schemas.openxmlformats.org/drawingml/2006/main" xmlns:r="http://schemas.openxmlformats.org/officeDocument/2006/relationships" xmlns:p="http://schemas.openxmlformats.org/presentationml/2006/main" xmlns:p14="http://schemas.microsoft.com/office/powerpoint/2010/main" xmlns:mv="urn:schemas-microsoft-com:mac:vml" xmlns:mc="http://schemas.openxmlformats.org/markup-compatibility/2006" val="2606958603"/>
       </p:ext>
     </p:extLst>
   </p:cSld>
@@ -7960,7 +8087,7 @@
 </file>
 
 <file path=ppt/slides/slide4.xml><?xml version="1.0" encoding="utf-8"?>
-<p:sld xmlns:a="http://schemas.openxmlformats.org/drawingml/2006/main" xmlns:r="http://schemas.openxmlformats.org/officeDocument/2006/relationships" xmlns:p="http://schemas.openxmlformats.org/presentationml/2006/main">
+<p:sld xmlns:a="http://schemas.openxmlformats.org/drawingml/2006/main" xmlns:r="http://schemas.openxmlformats.org/officeDocument/2006/relationships" xmlns:mc="http://schemas.openxmlformats.org/markup-compatibility/2006" xmlns:mv="urn:schemas-microsoft-com:mac:vml" xmlns:p="http://schemas.openxmlformats.org/presentationml/2006/main" mc:Ignorable="mv" mc:PreserveAttributes="mv:*">
   <p:cSld>
     <p:spTree>
       <p:nvGrpSpPr>
@@ -8026,7 +8153,7 @@
         </p:spPr>
         <p:txBody>
           <a:bodyPr vert="horz" lIns="91440" tIns="45720" rIns="91440" bIns="45720" rtlCol="0" anchor="ctr">
-            <a:normAutofit fontScale="70000" lnSpcReduction="20000"/>
+            <a:normAutofit fontScale="55000" lnSpcReduction="20000"/>
           </a:bodyPr>
           <a:lstStyle>
             <a:lvl1pPr algn="l" defTabSz="914400" rtl="0" eaLnBrk="1" latinLnBrk="0" hangingPunct="1">
@@ -8086,7 +8213,7 @@
             </a:clrChange>
             <a:extLst>
               <a:ext uri="{28A0092B-C50C-407E-A947-70E740481C1C}">
-                <a14:useLocalDpi xmlns:a14="http://schemas.microsoft.com/office/drawing/2010/main" val="0"/>
+                <a14:useLocalDpi xmlns="" xmlns:a="http://schemas.openxmlformats.org/drawingml/2006/main" xmlns:r="http://schemas.openxmlformats.org/officeDocument/2006/relationships" xmlns:p="http://schemas.openxmlformats.org/presentationml/2006/main" xmlns:a14="http://schemas.microsoft.com/office/drawing/2010/main" xmlns:mv="urn:schemas-microsoft-com:mac:vml" xmlns:mc="http://schemas.openxmlformats.org/markup-compatibility/2006" val="0"/>
               </a:ext>
             </a:extLst>
           </a:blip>
@@ -8126,7 +8253,7 @@
             </a:clrChange>
             <a:extLst>
               <a:ext uri="{28A0092B-C50C-407E-A947-70E740481C1C}">
-                <a14:useLocalDpi xmlns:a14="http://schemas.microsoft.com/office/drawing/2010/main" val="0"/>
+                <a14:useLocalDpi xmlns="" xmlns:a="http://schemas.openxmlformats.org/drawingml/2006/main" xmlns:r="http://schemas.openxmlformats.org/officeDocument/2006/relationships" xmlns:p="http://schemas.openxmlformats.org/presentationml/2006/main" xmlns:a14="http://schemas.microsoft.com/office/drawing/2010/main" xmlns:mv="urn:schemas-microsoft-com:mac:vml" xmlns:mc="http://schemas.openxmlformats.org/markup-compatibility/2006" val="0"/>
               </a:ext>
             </a:extLst>
           </a:blip>
@@ -8389,10 +8516,403 @@
           </a:p>
         </p:txBody>
       </p:sp>
+      <p:sp>
+        <p:nvSpPr>
+          <p:cNvPr id="18" name="ZoneTexte 17"/>
+          <p:cNvSpPr txBox="1"/>
+          <p:nvPr/>
+        </p:nvSpPr>
+        <p:spPr>
+          <a:xfrm>
+            <a:off x="8756616" y="2796357"/>
+            <a:ext cx="2843296" cy="646331"/>
+          </a:xfrm>
+          <a:prstGeom prst="rect">
+            <a:avLst/>
+          </a:prstGeom>
+          <a:noFill/>
+        </p:spPr>
+        <p:txBody>
+          <a:bodyPr wrap="none" rtlCol="0">
+            <a:spAutoFit/>
+          </a:bodyPr>
+          <a:lstStyle/>
+          <a:p>
+            <a:pPr algn="ctr"/>
+            <a:r>
+              <a:rPr lang="fr-FR" dirty="0" err="1" smtClean="0"/>
+              <a:t>Human</a:t>
+            </a:r>
+            <a:r>
+              <a:rPr lang="fr-FR" dirty="0" smtClean="0"/>
+              <a:t> </a:t>
+            </a:r>
+            <a:r>
+              <a:rPr lang="fr-FR" dirty="0" err="1" smtClean="0"/>
+              <a:t>Phenotype</a:t>
+            </a:r>
+            <a:r>
+              <a:rPr lang="fr-FR" dirty="0" smtClean="0"/>
+              <a:t> </a:t>
+            </a:r>
+            <a:r>
+              <a:rPr lang="fr-FR" dirty="0" err="1" smtClean="0"/>
+              <a:t>Ontology</a:t>
+            </a:r>
+            <a:endParaRPr lang="fr-FR" dirty="0" smtClean="0"/>
+          </a:p>
+          <a:p>
+            <a:pPr algn="ctr"/>
+            <a:r>
+              <a:rPr lang="fr-FR" dirty="0" err="1" smtClean="0"/>
+              <a:t>Phenotypes</a:t>
+            </a:r>
+            <a:r>
+              <a:rPr lang="fr-FR" dirty="0" smtClean="0"/>
+              <a:t> </a:t>
+            </a:r>
+            <a:r>
+              <a:rPr lang="fr-FR" dirty="0" err="1" smtClean="0"/>
+              <a:t>terms</a:t>
+            </a:r>
+            <a:endParaRPr lang="fr-FR" dirty="0"/>
+          </a:p>
+        </p:txBody>
+      </p:sp>
+      <p:pic>
+        <p:nvPicPr>
+          <p:cNvPr id="19" name="Image 18"/>
+          <p:cNvPicPr>
+            <a:picLocks noChangeAspect="1"/>
+          </p:cNvPicPr>
+          <p:nvPr/>
+        </p:nvPicPr>
+        <p:blipFill>
+          <a:blip r:embed="rId8" cstate="print">
+            <a:extLst>
+              <a:ext uri="{28A0092B-C50C-407E-A947-70E740481C1C}">
+                <a14:useLocalDpi xmlns="" xmlns:a="http://schemas.openxmlformats.org/drawingml/2006/main" xmlns:r="http://schemas.openxmlformats.org/officeDocument/2006/relationships" xmlns:p="http://schemas.openxmlformats.org/presentationml/2006/main" xmlns:a14="http://schemas.microsoft.com/office/drawing/2010/main" xmlns:mv="urn:schemas-microsoft-com:mac:vml" xmlns:mc="http://schemas.openxmlformats.org/markup-compatibility/2006" val="0"/>
+              </a:ext>
+            </a:extLst>
+          </a:blip>
+          <a:stretch>
+            <a:fillRect/>
+          </a:stretch>
+        </p:blipFill>
+        <p:spPr>
+          <a:xfrm>
+            <a:off x="11691914" y="3164452"/>
+            <a:ext cx="345168" cy="543110"/>
+          </a:xfrm>
+          <a:prstGeom prst="rect">
+            <a:avLst/>
+          </a:prstGeom>
+        </p:spPr>
+      </p:pic>
+      <p:sp>
+        <p:nvSpPr>
+          <p:cNvPr id="21" name="Double flèche horizontale 20"/>
+          <p:cNvSpPr/>
+          <p:nvPr/>
+        </p:nvSpPr>
+        <p:spPr>
+          <a:xfrm>
+            <a:off x="3983499" y="4309658"/>
+            <a:ext cx="3288827" cy="303956"/>
+          </a:xfrm>
+          <a:prstGeom prst="leftRightArrow">
+            <a:avLst/>
+          </a:prstGeom>
+          <a:ln>
+            <a:solidFill>
+              <a:srgbClr val="0C53F2"/>
+            </a:solidFill>
+          </a:ln>
+        </p:spPr>
+        <p:style>
+          <a:lnRef idx="2">
+            <a:schemeClr val="accent1">
+              <a:shade val="50000"/>
+            </a:schemeClr>
+          </a:lnRef>
+          <a:fillRef idx="1">
+            <a:schemeClr val="accent1"/>
+          </a:fillRef>
+          <a:effectRef idx="0">
+            <a:schemeClr val="accent1"/>
+          </a:effectRef>
+          <a:fontRef idx="minor">
+            <a:schemeClr val="lt1"/>
+          </a:fontRef>
+        </p:style>
+        <p:txBody>
+          <a:bodyPr rtlCol="0" anchor="ctr"/>
+          <a:lstStyle/>
+          <a:p>
+            <a:pPr algn="ctr"/>
+            <a:endParaRPr lang="fr-FR">
+              <a:solidFill>
+                <a:schemeClr val="tx1"/>
+              </a:solidFill>
+            </a:endParaRPr>
+          </a:p>
+        </p:txBody>
+      </p:sp>
+      <p:sp>
+        <p:nvSpPr>
+          <p:cNvPr id="22" name="ZoneTexte 21"/>
+          <p:cNvSpPr txBox="1"/>
+          <p:nvPr/>
+        </p:nvSpPr>
+        <p:spPr>
+          <a:xfrm>
+            <a:off x="5242587" y="5872859"/>
+            <a:ext cx="771891" cy="369332"/>
+          </a:xfrm>
+          <a:prstGeom prst="rect">
+            <a:avLst/>
+          </a:prstGeom>
+          <a:noFill/>
+        </p:spPr>
+        <p:txBody>
+          <a:bodyPr wrap="none" rtlCol="0">
+            <a:spAutoFit/>
+          </a:bodyPr>
+          <a:lstStyle/>
+          <a:p>
+            <a:r>
+              <a:rPr lang="fr-FR" b="1" dirty="0" smtClean="0">
+                <a:solidFill>
+                  <a:srgbClr val="FF0000"/>
+                </a:solidFill>
+              </a:rPr>
+              <a:t>50%...</a:t>
+            </a:r>
+            <a:endParaRPr lang="fr-FR" b="1" dirty="0">
+              <a:solidFill>
+                <a:srgbClr val="FF0000"/>
+              </a:solidFill>
+            </a:endParaRPr>
+          </a:p>
+        </p:txBody>
+      </p:sp>
+      <p:sp>
+        <p:nvSpPr>
+          <p:cNvPr id="23" name="Double flèche horizontale 22"/>
+          <p:cNvSpPr/>
+          <p:nvPr/>
+        </p:nvSpPr>
+        <p:spPr>
+          <a:xfrm rot="16200000">
+            <a:off x="5123254" y="5329975"/>
+            <a:ext cx="950081" cy="233824"/>
+          </a:xfrm>
+          <a:prstGeom prst="leftRightArrow">
+            <a:avLst/>
+          </a:prstGeom>
+          <a:ln>
+            <a:solidFill>
+              <a:srgbClr val="0C53F2"/>
+            </a:solidFill>
+          </a:ln>
+        </p:spPr>
+        <p:style>
+          <a:lnRef idx="2">
+            <a:schemeClr val="accent1">
+              <a:shade val="50000"/>
+            </a:schemeClr>
+          </a:lnRef>
+          <a:fillRef idx="1">
+            <a:schemeClr val="accent1"/>
+          </a:fillRef>
+          <a:effectRef idx="0">
+            <a:schemeClr val="accent1"/>
+          </a:effectRef>
+          <a:fontRef idx="minor">
+            <a:schemeClr val="lt1"/>
+          </a:fontRef>
+        </p:style>
+        <p:txBody>
+          <a:bodyPr rtlCol="0" anchor="ctr"/>
+          <a:lstStyle/>
+          <a:p>
+            <a:pPr algn="ctr"/>
+            <a:endParaRPr lang="fr-FR">
+              <a:solidFill>
+                <a:schemeClr val="tx1"/>
+              </a:solidFill>
+            </a:endParaRPr>
+          </a:p>
+        </p:txBody>
+      </p:sp>
+      <p:grpSp>
+        <p:nvGrpSpPr>
+          <p:cNvPr id="24" name="Grouper 23"/>
+          <p:cNvGrpSpPr/>
+          <p:nvPr/>
+        </p:nvGrpSpPr>
+        <p:grpSpPr>
+          <a:xfrm>
+            <a:off x="4015701" y="4710174"/>
+            <a:ext cx="3240360" cy="585065"/>
+            <a:chOff x="409037" y="1718810"/>
+            <a:chExt cx="3240360" cy="585065"/>
+          </a:xfrm>
+          <a:solidFill>
+            <a:schemeClr val="tx2">
+              <a:lumMod val="20000"/>
+              <a:lumOff val="80000"/>
+            </a:schemeClr>
+          </a:solidFill>
+        </p:grpSpPr>
+        <p:sp>
+          <p:nvSpPr>
+            <p:cNvPr id="26" name="Rectangle à coins arrondis 25"/>
+            <p:cNvSpPr/>
+            <p:nvPr/>
+          </p:nvSpPr>
+          <p:spPr>
+            <a:xfrm>
+              <a:off x="409037" y="1718810"/>
+              <a:ext cx="3240360" cy="585065"/>
+            </a:xfrm>
+            <a:prstGeom prst="roundRect">
+              <a:avLst/>
+            </a:prstGeom>
+            <a:grpFill/>
+            <a:ln w="9525">
+              <a:solidFill>
+                <a:schemeClr val="accent4">
+                  <a:lumMod val="75000"/>
+                </a:schemeClr>
+              </a:solidFill>
+            </a:ln>
+          </p:spPr>
+          <p:style>
+            <a:lnRef idx="2">
+              <a:schemeClr val="accent1">
+                <a:shade val="50000"/>
+              </a:schemeClr>
+            </a:lnRef>
+            <a:fillRef idx="1">
+              <a:schemeClr val="accent1"/>
+            </a:fillRef>
+            <a:effectRef idx="0">
+              <a:schemeClr val="accent1"/>
+            </a:effectRef>
+            <a:fontRef idx="minor">
+              <a:schemeClr val="lt1"/>
+            </a:fontRef>
+          </p:style>
+          <p:txBody>
+            <a:bodyPr rtlCol="0" anchor="ctr"/>
+            <a:lstStyle/>
+            <a:p>
+              <a:pPr algn="ctr"/>
+              <a:endParaRPr lang="fr-FR"/>
+            </a:p>
+          </p:txBody>
+        </p:sp>
+        <p:sp>
+          <p:nvSpPr>
+            <p:cNvPr id="30" name="ZoneTexte 29"/>
+            <p:cNvSpPr txBox="1"/>
+            <p:nvPr/>
+          </p:nvSpPr>
+          <p:spPr>
+            <a:xfrm>
+              <a:off x="454042" y="1808820"/>
+              <a:ext cx="3150350" cy="369332"/>
+            </a:xfrm>
+            <a:prstGeom prst="rect">
+              <a:avLst/>
+            </a:prstGeom>
+            <a:grpFill/>
+          </p:spPr>
+          <p:txBody>
+            <a:bodyPr wrap="square" rtlCol="0">
+              <a:spAutoFit/>
+            </a:bodyPr>
+            <a:lstStyle/>
+            <a:p>
+              <a:pPr algn="ctr"/>
+              <a:r>
+                <a:rPr lang="fr-FR" dirty="0" err="1" smtClean="0"/>
+                <a:t>Around</a:t>
+              </a:r>
+              <a:r>
+                <a:rPr lang="fr-FR" dirty="0" smtClean="0"/>
+                <a:t> 6,000 rare </a:t>
+              </a:r>
+              <a:r>
+                <a:rPr lang="fr-FR" dirty="0" err="1"/>
+                <a:t>disorders</a:t>
+              </a:r>
+              <a:endParaRPr lang="fr-FR" dirty="0"/>
+            </a:p>
+          </p:txBody>
+        </p:sp>
+      </p:grpSp>
+      <p:sp>
+        <p:nvSpPr>
+          <p:cNvPr id="31" name="Ellipse 30"/>
+          <p:cNvSpPr/>
+          <p:nvPr/>
+        </p:nvSpPr>
+        <p:spPr>
+          <a:xfrm>
+            <a:off x="4623269" y="5160223"/>
+            <a:ext cx="1980220" cy="450050"/>
+          </a:xfrm>
+          <a:prstGeom prst="ellipse">
+            <a:avLst/>
+          </a:prstGeom>
+          <a:solidFill>
+            <a:srgbClr val="660066"/>
+          </a:solidFill>
+          <a:ln>
+            <a:solidFill>
+              <a:schemeClr val="accent4">
+                <a:lumMod val="60000"/>
+                <a:lumOff val="40000"/>
+              </a:schemeClr>
+            </a:solidFill>
+          </a:ln>
+        </p:spPr>
+        <p:style>
+          <a:lnRef idx="1">
+            <a:schemeClr val="accent1"/>
+          </a:lnRef>
+          <a:fillRef idx="3">
+            <a:schemeClr val="accent1"/>
+          </a:fillRef>
+          <a:effectRef idx="2">
+            <a:schemeClr val="accent1"/>
+          </a:effectRef>
+          <a:fontRef idx="minor">
+            <a:schemeClr val="lt1"/>
+          </a:fontRef>
+        </p:style>
+        <p:txBody>
+          <a:bodyPr rtlCol="0" anchor="ctr"/>
+          <a:lstStyle/>
+          <a:p>
+            <a:pPr algn="ctr"/>
+            <a:r>
+              <a:rPr lang="fr-FR" dirty="0" smtClean="0"/>
+              <a:t>3244 </a:t>
+            </a:r>
+            <a:r>
+              <a:rPr lang="fr-FR" dirty="0"/>
+              <a:t>RD</a:t>
+            </a:r>
+          </a:p>
+        </p:txBody>
+      </p:sp>
     </p:spTree>
     <p:extLst>
       <p:ext uri="{BB962C8B-B14F-4D97-AF65-F5344CB8AC3E}">
-        <p14:creationId xmlns:p14="http://schemas.microsoft.com/office/powerpoint/2010/main" val="861263449"/>
+        <p14:creationId xmlns="" xmlns:a="http://schemas.openxmlformats.org/drawingml/2006/main" xmlns:r="http://schemas.openxmlformats.org/officeDocument/2006/relationships" xmlns:p="http://schemas.openxmlformats.org/presentationml/2006/main" xmlns:p14="http://schemas.microsoft.com/office/powerpoint/2010/main" xmlns:mv="urn:schemas-microsoft-com:mac:vml" xmlns:mc="http://schemas.openxmlformats.org/markup-compatibility/2006" val="861263449"/>
       </p:ext>
     </p:extLst>
   </p:cSld>
@@ -8410,7 +8930,7 @@
 </file>
 
 <file path=ppt/slides/slide5.xml><?xml version="1.0" encoding="utf-8"?>
-<p:sld xmlns:a="http://schemas.openxmlformats.org/drawingml/2006/main" xmlns:r="http://schemas.openxmlformats.org/officeDocument/2006/relationships" xmlns:p="http://schemas.openxmlformats.org/presentationml/2006/main">
+<p:sld xmlns:a="http://schemas.openxmlformats.org/drawingml/2006/main" xmlns:r="http://schemas.openxmlformats.org/officeDocument/2006/relationships" xmlns:mc="http://schemas.openxmlformats.org/markup-compatibility/2006" xmlns:mv="urn:schemas-microsoft-com:mac:vml" xmlns:p="http://schemas.openxmlformats.org/presentationml/2006/main" mc:Ignorable="mv" mc:PreserveAttributes="mv:*">
   <p:cSld>
     <p:spTree>
       <p:nvGrpSpPr>
@@ -8476,7 +8996,7 @@
         </p:spPr>
         <p:txBody>
           <a:bodyPr vert="horz" lIns="91440" tIns="45720" rIns="91440" bIns="45720" rtlCol="0" anchor="ctr">
-            <a:normAutofit fontScale="70000" lnSpcReduction="20000"/>
+            <a:normAutofit fontScale="55000" lnSpcReduction="20000"/>
           </a:bodyPr>
           <a:lstStyle>
             <a:lvl1pPr algn="l" defTabSz="914400" rtl="0" eaLnBrk="1" latinLnBrk="0" hangingPunct="1">
@@ -8536,7 +9056,7 @@
             </a:clrChange>
             <a:extLst>
               <a:ext uri="{28A0092B-C50C-407E-A947-70E740481C1C}">
-                <a14:useLocalDpi xmlns:a14="http://schemas.microsoft.com/office/drawing/2010/main" val="0"/>
+                <a14:useLocalDpi xmlns="" xmlns:a="http://schemas.openxmlformats.org/drawingml/2006/main" xmlns:r="http://schemas.openxmlformats.org/officeDocument/2006/relationships" xmlns:p="http://schemas.openxmlformats.org/presentationml/2006/main" xmlns:a14="http://schemas.microsoft.com/office/drawing/2010/main" xmlns:mv="urn:schemas-microsoft-com:mac:vml" xmlns:mc="http://schemas.openxmlformats.org/markup-compatibility/2006" val="0"/>
               </a:ext>
             </a:extLst>
           </a:blip>
@@ -8576,7 +9096,7 @@
             </a:clrChange>
             <a:extLst>
               <a:ext uri="{28A0092B-C50C-407E-A947-70E740481C1C}">
-                <a14:useLocalDpi xmlns:a14="http://schemas.microsoft.com/office/drawing/2010/main" val="0"/>
+                <a14:useLocalDpi xmlns="" xmlns:a="http://schemas.openxmlformats.org/drawingml/2006/main" xmlns:r="http://schemas.openxmlformats.org/officeDocument/2006/relationships" xmlns:p="http://schemas.openxmlformats.org/presentationml/2006/main" xmlns:a14="http://schemas.microsoft.com/office/drawing/2010/main" xmlns:mv="urn:schemas-microsoft-com:mac:vml" xmlns:mc="http://schemas.openxmlformats.org/markup-compatibility/2006" val="0"/>
               </a:ext>
             </a:extLst>
           </a:blip>
@@ -8601,8 +9121,8 @@
         </p:nvSpPr>
         <p:spPr>
           <a:xfrm>
-            <a:off x="939337" y="1737360"/>
-            <a:ext cx="10507288" cy="3785652"/>
+            <a:off x="490318" y="1779324"/>
+            <a:ext cx="11228150" cy="3046988"/>
           </a:xfrm>
           <a:prstGeom prst="rect">
             <a:avLst/>
@@ -8616,12 +9136,20 @@
           <a:lstStyle/>
           <a:p>
             <a:r>
-              <a:rPr lang="en-US" sz="2400" smtClean="0"/>
-              <a:t>We propose to try to:</a:t>
-            </a:r>
-          </a:p>
-          <a:p>
-            <a:endParaRPr lang="fr-FR" sz="2400"/>
+              <a:rPr lang="en-US" sz="2400" dirty="0" smtClean="0"/>
+              <a:t>We propose to try to use </a:t>
+            </a:r>
+            <a:r>
+              <a:rPr lang="en-US" sz="2400" b="1" dirty="0" smtClean="0"/>
+              <a:t>text-mining HPO terms </a:t>
+            </a:r>
+            <a:r>
+              <a:rPr lang="en-US" sz="2400" dirty="0" smtClean="0"/>
+              <a:t>recognition to :</a:t>
+            </a:r>
+          </a:p>
+          <a:p>
+            <a:endParaRPr lang="fr-FR" sz="2400" dirty="0" smtClean="0"/>
           </a:p>
           <a:p>
             <a:pPr marL="285750" indent="-285750">
@@ -8629,83 +9157,144 @@
               <a:buChar char="•"/>
             </a:pPr>
             <a:r>
-              <a:rPr lang="en-US" sz="2400" smtClean="0"/>
-              <a:t>speed-up </a:t>
-            </a:r>
-            <a:r>
-              <a:rPr lang="en-US" sz="2400"/>
-              <a:t>the process </a:t>
-            </a:r>
-            <a:r>
-              <a:rPr lang="en-US" sz="2400" smtClean="0"/>
-              <a:t>of disease-HPO annotation by </a:t>
-            </a:r>
-            <a:r>
-              <a:rPr lang="en-US" sz="2400" smtClean="0"/>
-              <a:t>using text-mining recognition </a:t>
-            </a:r>
-            <a:r>
-              <a:rPr lang="en-US" sz="2400"/>
-              <a:t>on Orphanet textual information / or pubmed </a:t>
-            </a:r>
-            <a:r>
-              <a:rPr lang="en-US" sz="2400" smtClean="0"/>
-              <a:t>publication</a:t>
-            </a:r>
-          </a:p>
-          <a:p>
-            <a:endParaRPr lang="en-US" sz="2400" smtClean="0"/>
+              <a:rPr lang="en-US" sz="2400" dirty="0" smtClean="0"/>
+              <a:t>speed-up the process of disease-HPO annotation of </a:t>
+            </a:r>
+            <a:r>
+              <a:rPr lang="en-US" sz="2400" dirty="0" err="1" smtClean="0"/>
+              <a:t>Orphanet</a:t>
+            </a:r>
+            <a:r>
+              <a:rPr lang="en-US" sz="2400" dirty="0" smtClean="0"/>
+              <a:t> knowledge.</a:t>
+            </a:r>
           </a:p>
           <a:p>
             <a:pPr marL="285750" indent="-285750">
               <a:buFont typeface="Arial" panose="020B0604020202020204" pitchFamily="34" charset="0"/>
               <a:buChar char="•"/>
             </a:pPr>
-            <a:r>
-              <a:rPr lang="en-US" sz="2400" smtClean="0"/>
-              <a:t>improve </a:t>
-            </a:r>
-            <a:r>
-              <a:rPr lang="en-US" sz="2400"/>
-              <a:t>the curation process by </a:t>
-            </a:r>
-            <a:r>
-              <a:rPr lang="en-US" sz="2400" smtClean="0"/>
-              <a:t>comparison </a:t>
-            </a:r>
-            <a:r>
-              <a:rPr lang="en-US" sz="2400"/>
-              <a:t>between the automated recognition and the annotations already provided by Orphanet</a:t>
-            </a:r>
-            <a:r>
-              <a:rPr lang="en-US" sz="2400" smtClean="0"/>
-              <a:t>.</a:t>
-            </a:r>
-          </a:p>
-          <a:p>
-            <a:endParaRPr lang="fr-FR" sz="2400"/>
-          </a:p>
-          <a:p>
-            <a:r>
-              <a:rPr lang="en-US" sz="2400"/>
-              <a:t>To this end, </a:t>
-            </a:r>
-            <a:r>
-              <a:rPr lang="en-US" sz="2400" smtClean="0"/>
-              <a:t>through </a:t>
-            </a:r>
-            <a:r>
-              <a:rPr lang="en-US" sz="2400"/>
-              <a:t>a dedicated pipeline we propose to text-mine data from our database and/or from elsewhere (url, text files) in order to scrap HPO terms.</a:t>
-            </a:r>
-            <a:endParaRPr lang="fr-FR" sz="2400"/>
+            <a:endParaRPr lang="en-US" sz="2400" dirty="0" smtClean="0"/>
+          </a:p>
+          <a:p>
+            <a:pPr marL="285750" indent="-285750">
+              <a:buFont typeface="Arial" panose="020B0604020202020204" pitchFamily="34" charset="0"/>
+              <a:buChar char="•"/>
+            </a:pPr>
+            <a:r>
+              <a:rPr lang="en-US" sz="2400" dirty="0" smtClean="0"/>
+              <a:t>improve the </a:t>
+            </a:r>
+            <a:r>
+              <a:rPr lang="en-US" sz="2400" dirty="0" err="1" smtClean="0"/>
+              <a:t>curation</a:t>
+            </a:r>
+            <a:r>
+              <a:rPr lang="en-US" sz="2400" dirty="0" smtClean="0"/>
+              <a:t> process by comparison between:</a:t>
+            </a:r>
+          </a:p>
+          <a:p>
+            <a:pPr marL="742950" lvl="1" indent="-285750"/>
+            <a:r>
+              <a:rPr lang="en-US" sz="2400" dirty="0" smtClean="0"/>
+              <a:t>- the </a:t>
+            </a:r>
+            <a:r>
+              <a:rPr lang="en-US" sz="2400" dirty="0" err="1" smtClean="0"/>
+              <a:t>Orphanet's</a:t>
+            </a:r>
+            <a:r>
+              <a:rPr lang="en-US" sz="2400" dirty="0" smtClean="0"/>
+              <a:t> disease clinical description by automated recognition of HPO terms. </a:t>
+            </a:r>
+          </a:p>
+          <a:p>
+            <a:pPr marL="742950" lvl="1" indent="-285750"/>
+            <a:r>
+              <a:rPr lang="en-US" sz="2400" dirty="0" smtClean="0"/>
+              <a:t>- the HPO annotations already provided by </a:t>
+            </a:r>
+            <a:r>
+              <a:rPr lang="en-US" sz="2400" dirty="0" err="1" smtClean="0"/>
+              <a:t>Orphanet</a:t>
+            </a:r>
+            <a:r>
+              <a:rPr lang="en-US" sz="2400" dirty="0" smtClean="0"/>
+              <a:t> for the same disease concept .</a:t>
+            </a:r>
+          </a:p>
+          <a:p>
+            <a:pPr marL="285750" indent="-285750"/>
+            <a:endParaRPr lang="fr-FR" sz="2400" dirty="0" smtClean="0"/>
+          </a:p>
+        </p:txBody>
+      </p:sp>
+      <p:sp>
+        <p:nvSpPr>
+          <p:cNvPr id="7" name="Rectangle 6"/>
+          <p:cNvSpPr/>
+          <p:nvPr/>
+        </p:nvSpPr>
+        <p:spPr>
+          <a:xfrm>
+            <a:off x="601429" y="5096525"/>
+            <a:ext cx="11183198" cy="830997"/>
+          </a:xfrm>
+          <a:prstGeom prst="rect">
+            <a:avLst/>
+          </a:prstGeom>
+        </p:spPr>
+        <p:txBody>
+          <a:bodyPr wrap="square">
+            <a:spAutoFit/>
+          </a:bodyPr>
+          <a:lstStyle/>
+          <a:p>
+            <a:r>
+              <a:rPr lang="en-US" sz="2400" dirty="0" smtClean="0">
+                <a:solidFill>
+                  <a:schemeClr val="accent2">
+                    <a:lumMod val="75000"/>
+                  </a:schemeClr>
+                </a:solidFill>
+              </a:rPr>
+              <a:t>To this end, through a dedicated pipeline we propose to text-mine data from our database and/or from elsewhere (</a:t>
+            </a:r>
+            <a:r>
+              <a:rPr lang="en-US" sz="2400" dirty="0" err="1" smtClean="0">
+                <a:solidFill>
+                  <a:schemeClr val="accent2">
+                    <a:lumMod val="75000"/>
+                  </a:schemeClr>
+                </a:solidFill>
+              </a:rPr>
+              <a:t>url</a:t>
+            </a:r>
+            <a:r>
+              <a:rPr lang="en-US" sz="2400" dirty="0" smtClean="0">
+                <a:solidFill>
+                  <a:schemeClr val="accent2">
+                    <a:lumMod val="75000"/>
+                  </a:schemeClr>
+                </a:solidFill>
+              </a:rPr>
+              <a:t>, text files) in order to scrap HPO terms.</a:t>
+            </a:r>
+            <a:endParaRPr lang="fr-FR" sz="2400" dirty="0" smtClean="0">
+              <a:solidFill>
+                <a:schemeClr val="accent2">
+                  <a:lumMod val="75000"/>
+                </a:schemeClr>
+              </a:solidFill>
+            </a:endParaRPr>
           </a:p>
         </p:txBody>
       </p:sp>
     </p:spTree>
     <p:extLst>
       <p:ext uri="{BB962C8B-B14F-4D97-AF65-F5344CB8AC3E}">
-        <p14:creationId xmlns:p14="http://schemas.microsoft.com/office/powerpoint/2010/main" val="4255653707"/>
+        <p14:creationId xmlns="" xmlns:a="http://schemas.openxmlformats.org/drawingml/2006/main" xmlns:r="http://schemas.openxmlformats.org/officeDocument/2006/relationships" xmlns:p="http://schemas.openxmlformats.org/presentationml/2006/main" xmlns:p14="http://schemas.microsoft.com/office/powerpoint/2010/main" xmlns:mv="urn:schemas-microsoft-com:mac:vml" xmlns:mc="http://schemas.openxmlformats.org/markup-compatibility/2006" val="4255653707"/>
       </p:ext>
     </p:extLst>
   </p:cSld>
@@ -8723,7 +9312,7 @@
 </file>
 
 <file path=ppt/slides/slide6.xml><?xml version="1.0" encoding="utf-8"?>
-<p:sld xmlns:a="http://schemas.openxmlformats.org/drawingml/2006/main" xmlns:r="http://schemas.openxmlformats.org/officeDocument/2006/relationships" xmlns:p="http://schemas.openxmlformats.org/presentationml/2006/main">
+<p:sld xmlns:a="http://schemas.openxmlformats.org/drawingml/2006/main" xmlns:r="http://schemas.openxmlformats.org/officeDocument/2006/relationships" xmlns:mc="http://schemas.openxmlformats.org/markup-compatibility/2006" xmlns:mv="urn:schemas-microsoft-com:mac:vml" xmlns:p="http://schemas.openxmlformats.org/presentationml/2006/main" mc:Ignorable="mv" mc:PreserveAttributes="mv:*">
   <p:cSld>
     <p:spTree>
       <p:nvGrpSpPr>
@@ -8789,7 +9378,7 @@
         </p:spPr>
         <p:txBody>
           <a:bodyPr vert="horz" lIns="91440" tIns="45720" rIns="91440" bIns="45720" rtlCol="0" anchor="ctr">
-            <a:normAutofit fontScale="70000" lnSpcReduction="20000"/>
+            <a:normAutofit fontScale="55000" lnSpcReduction="20000"/>
           </a:bodyPr>
           <a:lstStyle>
             <a:lvl1pPr algn="l" defTabSz="914400" rtl="0" eaLnBrk="1" latinLnBrk="0" hangingPunct="1">
@@ -8849,7 +9438,7 @@
             </a:clrChange>
             <a:extLst>
               <a:ext uri="{28A0092B-C50C-407E-A947-70E740481C1C}">
-                <a14:useLocalDpi xmlns:a14="http://schemas.microsoft.com/office/drawing/2010/main" val="0"/>
+                <a14:useLocalDpi xmlns="" xmlns:a="http://schemas.openxmlformats.org/drawingml/2006/main" xmlns:r="http://schemas.openxmlformats.org/officeDocument/2006/relationships" xmlns:p="http://schemas.openxmlformats.org/presentationml/2006/main" xmlns:a14="http://schemas.microsoft.com/office/drawing/2010/main" xmlns:mv="urn:schemas-microsoft-com:mac:vml" xmlns:mc="http://schemas.openxmlformats.org/markup-compatibility/2006" val="0"/>
               </a:ext>
             </a:extLst>
           </a:blip>
@@ -8889,7 +9478,7 @@
             </a:clrChange>
             <a:extLst>
               <a:ext uri="{28A0092B-C50C-407E-A947-70E740481C1C}">
-                <a14:useLocalDpi xmlns:a14="http://schemas.microsoft.com/office/drawing/2010/main" val="0"/>
+                <a14:useLocalDpi xmlns="" xmlns:a="http://schemas.openxmlformats.org/drawingml/2006/main" xmlns:r="http://schemas.openxmlformats.org/officeDocument/2006/relationships" xmlns:p="http://schemas.openxmlformats.org/presentationml/2006/main" xmlns:a14="http://schemas.microsoft.com/office/drawing/2010/main" xmlns:mv="urn:schemas-microsoft-com:mac:vml" xmlns:mc="http://schemas.openxmlformats.org/markup-compatibility/2006" val="0"/>
               </a:ext>
             </a:extLst>
           </a:blip>
@@ -9171,17 +9760,17 @@
           <a:p>
             <a:pPr algn="ctr"/>
             <a:r>
-              <a:rPr lang="fr-FR" sz="2400" b="1" smtClean="0"/>
+              <a:rPr lang="fr-FR" sz="2400" b="1" dirty="0" smtClean="0"/>
               <a:t>TOOLS TO</a:t>
             </a:r>
           </a:p>
           <a:p>
             <a:pPr algn="ctr"/>
             <a:r>
-              <a:rPr lang="fr-FR" sz="2400" b="1" smtClean="0"/>
+              <a:rPr lang="fr-FR" sz="2400" b="1" dirty="0" smtClean="0"/>
               <a:t>BIOHACK</a:t>
             </a:r>
-            <a:endParaRPr lang="fr-FR" sz="2400" b="1"/>
+            <a:endParaRPr lang="fr-FR" sz="2400" b="1" dirty="0"/>
           </a:p>
         </p:txBody>
       </p:sp>
@@ -9208,56 +9797,124 @@
           <a:lstStyle/>
           <a:p>
             <a:r>
-              <a:rPr lang="fr-FR" sz="1500" b="1" smtClean="0"/>
-              <a:t>- Evaluate Orphanet Annotations</a:t>
-            </a:r>
-          </a:p>
-          <a:p>
-            <a:r>
-              <a:rPr lang="fr-FR" sz="1500" b="1" smtClean="0"/>
-              <a:t>- Update and Revise Annotations</a:t>
-            </a:r>
-          </a:p>
-          <a:p>
-            <a:r>
-              <a:rPr lang="fr-FR" sz="1500" b="1"/>
+              <a:rPr lang="fr-FR" sz="1500" b="1" dirty="0" smtClean="0"/>
               <a:t>- </a:t>
             </a:r>
             <a:r>
-              <a:rPr lang="fr-FR" sz="1500" b="1" smtClean="0"/>
-              <a:t>Increase HPO Terms stored in database</a:t>
-            </a:r>
-            <a:endParaRPr lang="fr-FR" sz="1500" b="1"/>
-          </a:p>
-          <a:p>
-            <a:r>
-              <a:rPr lang="fr-FR" sz="1500" b="1" smtClean="0"/>
-              <a:t>- Enrich and Evolve Annotations for new RD</a:t>
-            </a:r>
-          </a:p>
-          <a:p>
-            <a:r>
-              <a:rPr lang="fr-FR" sz="1500" b="1"/>
+              <a:rPr lang="fr-FR" sz="1500" b="1" dirty="0" err="1" smtClean="0"/>
+              <a:t>Evaluate</a:t>
+            </a:r>
+            <a:r>
+              <a:rPr lang="fr-FR" sz="1500" b="1" dirty="0" smtClean="0"/>
+              <a:t> </a:t>
+            </a:r>
+            <a:r>
+              <a:rPr lang="fr-FR" sz="1500" b="1" dirty="0" err="1" smtClean="0"/>
+              <a:t>Orphanet</a:t>
+            </a:r>
+            <a:r>
+              <a:rPr lang="fr-FR" sz="1500" b="1" dirty="0" smtClean="0"/>
+              <a:t> Annotations</a:t>
+            </a:r>
+          </a:p>
+          <a:p>
+            <a:r>
+              <a:rPr lang="fr-FR" sz="1500" b="1" dirty="0" smtClean="0"/>
+              <a:t>- Update and </a:t>
+            </a:r>
+            <a:r>
+              <a:rPr lang="fr-FR" sz="1500" b="1" dirty="0" err="1" smtClean="0"/>
+              <a:t>Revise</a:t>
+            </a:r>
+            <a:r>
+              <a:rPr lang="fr-FR" sz="1500" b="1" dirty="0" smtClean="0"/>
+              <a:t> Annotations</a:t>
+            </a:r>
+          </a:p>
+          <a:p>
+            <a:r>
+              <a:rPr lang="fr-FR" sz="1500" b="1" dirty="0"/>
               <a:t>- </a:t>
             </a:r>
             <a:r>
-              <a:rPr lang="fr-FR" sz="1500" b="1" smtClean="0"/>
-              <a:t>Improve HPO-ORDO </a:t>
-            </a:r>
-            <a:r>
-              <a:rPr lang="fr-FR" sz="1500" b="1" smtClean="0"/>
-              <a:t>Ontology (HOOM)</a:t>
-            </a:r>
-            <a:endParaRPr lang="fr-FR" sz="1500" b="1"/>
-          </a:p>
-          <a:p>
-            <a:endParaRPr lang="fr-FR" sz="1500" b="1"/>
-          </a:p>
-          <a:p>
-            <a:endParaRPr lang="fr-FR" sz="1500" b="1" smtClean="0"/>
-          </a:p>
-          <a:p>
-            <a:endParaRPr lang="fr-FR" sz="1500" b="1"/>
+              <a:rPr lang="fr-FR" sz="1500" b="1" dirty="0" err="1" smtClean="0"/>
+              <a:t>Increase</a:t>
+            </a:r>
+            <a:r>
+              <a:rPr lang="fr-FR" sz="1500" b="1" dirty="0" smtClean="0"/>
+              <a:t> HPO </a:t>
+            </a:r>
+            <a:r>
+              <a:rPr lang="fr-FR" sz="1500" b="1" dirty="0" err="1" smtClean="0"/>
+              <a:t>Terms</a:t>
+            </a:r>
+            <a:r>
+              <a:rPr lang="fr-FR" sz="1500" b="1" dirty="0" smtClean="0"/>
+              <a:t> </a:t>
+            </a:r>
+            <a:r>
+              <a:rPr lang="fr-FR" sz="1500" b="1" dirty="0" err="1" smtClean="0"/>
+              <a:t>stored</a:t>
+            </a:r>
+            <a:r>
+              <a:rPr lang="fr-FR" sz="1500" b="1" dirty="0" smtClean="0"/>
+              <a:t> in </a:t>
+            </a:r>
+            <a:r>
+              <a:rPr lang="fr-FR" sz="1500" b="1" dirty="0" err="1" smtClean="0"/>
+              <a:t>database</a:t>
+            </a:r>
+            <a:endParaRPr lang="fr-FR" sz="1500" b="1" dirty="0"/>
+          </a:p>
+          <a:p>
+            <a:r>
+              <a:rPr lang="fr-FR" sz="1500" b="1" dirty="0" smtClean="0"/>
+              <a:t>- </a:t>
+            </a:r>
+            <a:r>
+              <a:rPr lang="fr-FR" sz="1500" b="1" dirty="0" err="1" smtClean="0"/>
+              <a:t>Enrich</a:t>
+            </a:r>
+            <a:r>
+              <a:rPr lang="fr-FR" sz="1500" b="1" dirty="0" smtClean="0"/>
+              <a:t> and </a:t>
+            </a:r>
+            <a:r>
+              <a:rPr lang="fr-FR" sz="1500" b="1" dirty="0" err="1" smtClean="0"/>
+              <a:t>Evolve</a:t>
+            </a:r>
+            <a:r>
+              <a:rPr lang="fr-FR" sz="1500" b="1" dirty="0" smtClean="0"/>
+              <a:t> Annotations for new RD</a:t>
+            </a:r>
+          </a:p>
+          <a:p>
+            <a:r>
+              <a:rPr lang="fr-FR" sz="1500" b="1" dirty="0"/>
+              <a:t>- </a:t>
+            </a:r>
+            <a:r>
+              <a:rPr lang="fr-FR" sz="1500" b="1" dirty="0" err="1" smtClean="0"/>
+              <a:t>Improve</a:t>
+            </a:r>
+            <a:r>
+              <a:rPr lang="fr-FR" sz="1500" b="1" dirty="0" smtClean="0"/>
+              <a:t> HPO-ORDO </a:t>
+            </a:r>
+            <a:r>
+              <a:rPr lang="fr-FR" sz="1500" b="1" dirty="0" err="1" smtClean="0"/>
+              <a:t>Ontology</a:t>
+            </a:r>
+            <a:endParaRPr lang="fr-FR" sz="1500" b="1" dirty="0"/>
+          </a:p>
+          <a:p>
+            <a:endParaRPr lang="fr-FR" sz="1500" b="1" dirty="0"/>
+          </a:p>
+          <a:p>
+            <a:endParaRPr lang="fr-FR" sz="1500" b="1" dirty="0" smtClean="0"/>
+          </a:p>
+          <a:p>
+            <a:endParaRPr lang="fr-FR" sz="1500" b="1" dirty="0"/>
           </a:p>
         </p:txBody>
       </p:sp>
@@ -9327,7 +9984,7 @@
             </a:clrChange>
             <a:extLst>
               <a:ext uri="{28A0092B-C50C-407E-A947-70E740481C1C}">
-                <a14:useLocalDpi xmlns:a14="http://schemas.microsoft.com/office/drawing/2010/main" val="0"/>
+                <a14:useLocalDpi xmlns="" xmlns:a="http://schemas.openxmlformats.org/drawingml/2006/main" xmlns:r="http://schemas.openxmlformats.org/officeDocument/2006/relationships" xmlns:p="http://schemas.openxmlformats.org/presentationml/2006/main" xmlns:a14="http://schemas.microsoft.com/office/drawing/2010/main" xmlns:mv="urn:schemas-microsoft-com:mac:vml" xmlns:mc="http://schemas.openxmlformats.org/markup-compatibility/2006" val="0"/>
               </a:ext>
             </a:extLst>
           </a:blip>
@@ -9347,7 +10004,7 @@
           <a:noFill/>
           <a:extLst>
             <a:ext uri="{909E8E84-426E-40DD-AFC4-6F175D3DCCD1}">
-              <a14:hiddenFill xmlns:a14="http://schemas.microsoft.com/office/drawing/2010/main">
+              <a14:hiddenFill xmlns="" xmlns:a="http://schemas.openxmlformats.org/drawingml/2006/main" xmlns:r="http://schemas.openxmlformats.org/officeDocument/2006/relationships" xmlns:p="http://schemas.openxmlformats.org/presentationml/2006/main" xmlns:a14="http://schemas.microsoft.com/office/drawing/2010/main" xmlns:mv="urn:schemas-microsoft-com:mac:vml" xmlns:mc="http://schemas.openxmlformats.org/markup-compatibility/2006">
                 <a:solidFill>
                   <a:srgbClr val="FFFFFF"/>
                 </a:solidFill>
@@ -9368,7 +10025,7 @@
           <a:blip r:embed="rId6" cstate="print">
             <a:extLst>
               <a:ext uri="{28A0092B-C50C-407E-A947-70E740481C1C}">
-                <a14:useLocalDpi xmlns:a14="http://schemas.microsoft.com/office/drawing/2010/main" val="0"/>
+                <a14:useLocalDpi xmlns="" xmlns:a="http://schemas.openxmlformats.org/drawingml/2006/main" xmlns:r="http://schemas.openxmlformats.org/officeDocument/2006/relationships" xmlns:p="http://schemas.openxmlformats.org/presentationml/2006/main" xmlns:a14="http://schemas.microsoft.com/office/drawing/2010/main" xmlns:mv="urn:schemas-microsoft-com:mac:vml" xmlns:mc="http://schemas.openxmlformats.org/markup-compatibility/2006" val="0"/>
               </a:ext>
             </a:extLst>
           </a:blip>
@@ -9388,7 +10045,7 @@
           <a:noFill/>
           <a:extLst>
             <a:ext uri="{909E8E84-426E-40DD-AFC4-6F175D3DCCD1}">
-              <a14:hiddenFill xmlns:a14="http://schemas.microsoft.com/office/drawing/2010/main">
+              <a14:hiddenFill xmlns="" xmlns:a="http://schemas.openxmlformats.org/drawingml/2006/main" xmlns:r="http://schemas.openxmlformats.org/officeDocument/2006/relationships" xmlns:p="http://schemas.openxmlformats.org/presentationml/2006/main" xmlns:a14="http://schemas.microsoft.com/office/drawing/2010/main" xmlns:mv="urn:schemas-microsoft-com:mac:vml" xmlns:mc="http://schemas.openxmlformats.org/markup-compatibility/2006">
                 <a:solidFill>
                   <a:srgbClr val="FFFFFF"/>
                 </a:solidFill>
@@ -9409,7 +10066,7 @@
           <a:blip r:embed="rId7" cstate="print">
             <a:extLst>
               <a:ext uri="{28A0092B-C50C-407E-A947-70E740481C1C}">
-                <a14:useLocalDpi xmlns:a14="http://schemas.microsoft.com/office/drawing/2010/main" val="0"/>
+                <a14:useLocalDpi xmlns="" xmlns:a="http://schemas.openxmlformats.org/drawingml/2006/main" xmlns:r="http://schemas.openxmlformats.org/officeDocument/2006/relationships" xmlns:p="http://schemas.openxmlformats.org/presentationml/2006/main" xmlns:a14="http://schemas.microsoft.com/office/drawing/2010/main" xmlns:mv="urn:schemas-microsoft-com:mac:vml" xmlns:mc="http://schemas.openxmlformats.org/markup-compatibility/2006" val="0"/>
               </a:ext>
             </a:extLst>
           </a:blip>
@@ -9429,7 +10086,7 @@
           <a:noFill/>
           <a:extLst>
             <a:ext uri="{909E8E84-426E-40DD-AFC4-6F175D3DCCD1}">
-              <a14:hiddenFill xmlns:a14="http://schemas.microsoft.com/office/drawing/2010/main">
+              <a14:hiddenFill xmlns="" xmlns:a="http://schemas.openxmlformats.org/drawingml/2006/main" xmlns:r="http://schemas.openxmlformats.org/officeDocument/2006/relationships" xmlns:p="http://schemas.openxmlformats.org/presentationml/2006/main" xmlns:a14="http://schemas.microsoft.com/office/drawing/2010/main" xmlns:mv="urn:schemas-microsoft-com:mac:vml" xmlns:mc="http://schemas.openxmlformats.org/markup-compatibility/2006">
                 <a:solidFill>
                   <a:srgbClr val="FFFFFF"/>
                 </a:solidFill>
@@ -9494,7 +10151,7 @@
           <a:blip r:embed="rId8" cstate="print">
             <a:extLst>
               <a:ext uri="{28A0092B-C50C-407E-A947-70E740481C1C}">
-                <a14:useLocalDpi xmlns:a14="http://schemas.microsoft.com/office/drawing/2010/main" val="0"/>
+                <a14:useLocalDpi xmlns="" xmlns:a="http://schemas.openxmlformats.org/drawingml/2006/main" xmlns:r="http://schemas.openxmlformats.org/officeDocument/2006/relationships" xmlns:p="http://schemas.openxmlformats.org/presentationml/2006/main" xmlns:a14="http://schemas.microsoft.com/office/drawing/2010/main" xmlns:mv="urn:schemas-microsoft-com:mac:vml" xmlns:mc="http://schemas.openxmlformats.org/markup-compatibility/2006" val="0"/>
               </a:ext>
             </a:extLst>
           </a:blip>
@@ -9610,7 +10267,7 @@
             </a:clrChange>
             <a:extLst>
               <a:ext uri="{28A0092B-C50C-407E-A947-70E740481C1C}">
-                <a14:useLocalDpi xmlns:a14="http://schemas.microsoft.com/office/drawing/2010/main" val="0"/>
+                <a14:useLocalDpi xmlns="" xmlns:a="http://schemas.openxmlformats.org/drawingml/2006/main" xmlns:r="http://schemas.openxmlformats.org/officeDocument/2006/relationships" xmlns:p="http://schemas.openxmlformats.org/presentationml/2006/main" xmlns:a14="http://schemas.microsoft.com/office/drawing/2010/main" xmlns:mv="urn:schemas-microsoft-com:mac:vml" xmlns:mc="http://schemas.openxmlformats.org/markup-compatibility/2006" val="0"/>
               </a:ext>
             </a:extLst>
           </a:blip>
@@ -9619,7 +10276,7 @@
         </p:blipFill>
         <p:spPr>
           <a:xfrm>
-            <a:off x="10054111" y="3937276"/>
+            <a:off x="9921107" y="3937276"/>
             <a:ext cx="2036092" cy="657939"/>
           </a:xfrm>
           <a:prstGeom prst="rect">
@@ -9629,14 +10286,99 @@
       </p:pic>
       <p:pic>
         <p:nvPicPr>
-          <p:cNvPr id="37" name="Image 36"/>
+          <p:cNvPr id="23" name="Image 22" descr="Capture d’écran 2018-11-11 à 12.26.15.png"/>
           <p:cNvPicPr>
             <a:picLocks noChangeAspect="1"/>
           </p:cNvPicPr>
           <p:nvPr/>
         </p:nvPicPr>
         <p:blipFill>
-          <a:blip r:embed="rId11" cstate="print">
+          <a:blip r:embed="rId11"/>
+          <a:stretch>
+            <a:fillRect/>
+          </a:stretch>
+        </p:blipFill>
+        <p:spPr>
+          <a:xfrm>
+            <a:off x="10007588" y="1267909"/>
+            <a:ext cx="1899487" cy="1267872"/>
+          </a:xfrm>
+          <a:prstGeom prst="rect">
+            <a:avLst/>
+          </a:prstGeom>
+          <a:ln w="28575">
+            <a:solidFill>
+              <a:schemeClr val="tx1"/>
+            </a:solidFill>
+          </a:ln>
+          <a:effectLst>
+            <a:outerShdw blurRad="50800" dist="38100" dir="2700000" algn="tl" rotWithShape="0">
+              <a:srgbClr val="000000">
+                <a:alpha val="43000"/>
+              </a:srgbClr>
+            </a:outerShdw>
+          </a:effectLst>
+        </p:spPr>
+      </p:pic>
+      <p:sp>
+        <p:nvSpPr>
+          <p:cNvPr id="24" name="Flèche courbée vers le haut 23"/>
+          <p:cNvSpPr/>
+          <p:nvPr/>
+        </p:nvSpPr>
+        <p:spPr>
+          <a:xfrm rot="16960058">
+            <a:off x="10747636" y="2688489"/>
+            <a:ext cx="1558054" cy="705142"/>
+          </a:xfrm>
+          <a:prstGeom prst="curvedUpArrow">
+            <a:avLst/>
+          </a:prstGeom>
+          <a:ln>
+            <a:solidFill>
+              <a:srgbClr val="0C53F2"/>
+            </a:solidFill>
+          </a:ln>
+        </p:spPr>
+        <p:style>
+          <a:lnRef idx="2">
+            <a:schemeClr val="accent1">
+              <a:shade val="50000"/>
+            </a:schemeClr>
+          </a:lnRef>
+          <a:fillRef idx="1">
+            <a:schemeClr val="accent1"/>
+          </a:fillRef>
+          <a:effectRef idx="0">
+            <a:schemeClr val="accent1"/>
+          </a:effectRef>
+          <a:fontRef idx="minor">
+            <a:schemeClr val="lt1"/>
+          </a:fontRef>
+        </p:style>
+        <p:txBody>
+          <a:bodyPr rtlCol="0" anchor="ctr"/>
+          <a:lstStyle/>
+          <a:p>
+            <a:pPr algn="ctr"/>
+            <a:endParaRPr lang="fr-FR">
+              <a:solidFill>
+                <a:schemeClr val="tx1"/>
+              </a:solidFill>
+            </a:endParaRPr>
+          </a:p>
+        </p:txBody>
+      </p:sp>
+      <p:pic>
+        <p:nvPicPr>
+          <p:cNvPr id="25" name="Image 24"/>
+          <p:cNvPicPr>
+            <a:picLocks noChangeAspect="1"/>
+          </p:cNvPicPr>
+          <p:nvPr/>
+        </p:nvPicPr>
+        <p:blipFill>
+          <a:blip r:embed="rId12" cstate="print">
             <a:clrChange>
               <a:clrFrom>
                 <a:srgbClr val="FFFFFF"/>
@@ -9649,7 +10391,7 @@
             </a:clrChange>
             <a:extLst>
               <a:ext uri="{28A0092B-C50C-407E-A947-70E740481C1C}">
-                <a14:useLocalDpi xmlns:a14="http://schemas.microsoft.com/office/drawing/2010/main" val="0"/>
+                <a14:useLocalDpi xmlns="" xmlns:a="http://schemas.openxmlformats.org/drawingml/2006/main" xmlns:r="http://schemas.openxmlformats.org/officeDocument/2006/relationships" xmlns:p="http://schemas.openxmlformats.org/presentationml/2006/main" xmlns:a14="http://schemas.microsoft.com/office/drawing/2010/main" xmlns:mv="urn:schemas-microsoft-com:mac:vml" xmlns:mc="http://schemas.openxmlformats.org/markup-compatibility/2006" val="0"/>
               </a:ext>
             </a:extLst>
           </a:blip>
@@ -9670,7 +10412,7 @@
     </p:spTree>
     <p:extLst>
       <p:ext uri="{BB962C8B-B14F-4D97-AF65-F5344CB8AC3E}">
-        <p14:creationId xmlns:p14="http://schemas.microsoft.com/office/powerpoint/2010/main" val="3488683318"/>
+        <p14:creationId xmlns="" xmlns:a="http://schemas.openxmlformats.org/drawingml/2006/main" xmlns:r="http://schemas.openxmlformats.org/officeDocument/2006/relationships" xmlns:p="http://schemas.openxmlformats.org/presentationml/2006/main" xmlns:p14="http://schemas.microsoft.com/office/powerpoint/2010/main" xmlns:mv="urn:schemas-microsoft-com:mac:vml" xmlns:mc="http://schemas.openxmlformats.org/markup-compatibility/2006" val="3488683318"/>
       </p:ext>
     </p:extLst>
   </p:cSld>
@@ -9688,7 +10430,7 @@
 </file>
 
 <file path=ppt/slides/slide7.xml><?xml version="1.0" encoding="utf-8"?>
-<p:sld xmlns:a="http://schemas.openxmlformats.org/drawingml/2006/main" xmlns:r="http://schemas.openxmlformats.org/officeDocument/2006/relationships" xmlns:p="http://schemas.openxmlformats.org/presentationml/2006/main">
+<p:sld xmlns:a="http://schemas.openxmlformats.org/drawingml/2006/main" xmlns:r="http://schemas.openxmlformats.org/officeDocument/2006/relationships" xmlns:mc="http://schemas.openxmlformats.org/markup-compatibility/2006" xmlns:mv="urn:schemas-microsoft-com:mac:vml" xmlns:p="http://schemas.openxmlformats.org/presentationml/2006/main" mc:Ignorable="mv" mc:PreserveAttributes="mv:*">
   <p:cSld>
     <p:spTree>
       <p:nvGrpSpPr>
@@ -9764,7 +10506,7 @@
         </p:spPr>
         <p:txBody>
           <a:bodyPr vert="horz" lIns="91440" tIns="45720" rIns="91440" bIns="45720" rtlCol="0" anchor="ctr">
-            <a:normAutofit fontScale="70000" lnSpcReduction="20000"/>
+            <a:normAutofit fontScale="55000" lnSpcReduction="20000"/>
           </a:bodyPr>
           <a:lstStyle>
             <a:lvl1pPr algn="l" defTabSz="914400" rtl="0" eaLnBrk="1" latinLnBrk="0" hangingPunct="1">
@@ -9824,7 +10566,7 @@
             </a:clrChange>
             <a:extLst>
               <a:ext uri="{28A0092B-C50C-407E-A947-70E740481C1C}">
-                <a14:useLocalDpi xmlns:a14="http://schemas.microsoft.com/office/drawing/2010/main" val="0"/>
+                <a14:useLocalDpi xmlns="" xmlns:a="http://schemas.openxmlformats.org/drawingml/2006/main" xmlns:r="http://schemas.openxmlformats.org/officeDocument/2006/relationships" xmlns:p="http://schemas.openxmlformats.org/presentationml/2006/main" xmlns:a14="http://schemas.microsoft.com/office/drawing/2010/main" xmlns:mv="urn:schemas-microsoft-com:mac:vml" xmlns:mc="http://schemas.openxmlformats.org/markup-compatibility/2006" val="0"/>
               </a:ext>
             </a:extLst>
           </a:blip>
@@ -9864,7 +10606,7 @@
             </a:clrChange>
             <a:extLst>
               <a:ext uri="{28A0092B-C50C-407E-A947-70E740481C1C}">
-                <a14:useLocalDpi xmlns:a14="http://schemas.microsoft.com/office/drawing/2010/main" val="0"/>
+                <a14:useLocalDpi xmlns="" xmlns:a="http://schemas.openxmlformats.org/drawingml/2006/main" xmlns:r="http://schemas.openxmlformats.org/officeDocument/2006/relationships" xmlns:p="http://schemas.openxmlformats.org/presentationml/2006/main" xmlns:a14="http://schemas.microsoft.com/office/drawing/2010/main" xmlns:mv="urn:schemas-microsoft-com:mac:vml" xmlns:mc="http://schemas.openxmlformats.org/markup-compatibility/2006" val="0"/>
               </a:ext>
             </a:extLst>
           </a:blip>
@@ -10109,7 +10851,7 @@
           <a:blip r:embed="rId5" cstate="print">
             <a:extLst>
               <a:ext uri="{28A0092B-C50C-407E-A947-70E740481C1C}">
-                <a14:useLocalDpi xmlns:a14="http://schemas.microsoft.com/office/drawing/2010/main" val="0"/>
+                <a14:useLocalDpi xmlns="" xmlns:a="http://schemas.openxmlformats.org/drawingml/2006/main" xmlns:r="http://schemas.openxmlformats.org/officeDocument/2006/relationships" xmlns:p="http://schemas.openxmlformats.org/presentationml/2006/main" xmlns:a14="http://schemas.microsoft.com/office/drawing/2010/main" xmlns:mv="urn:schemas-microsoft-com:mac:vml" xmlns:mc="http://schemas.openxmlformats.org/markup-compatibility/2006" val="0"/>
               </a:ext>
             </a:extLst>
           </a:blip>
@@ -10129,7 +10871,7 @@
           <a:noFill/>
           <a:extLst>
             <a:ext uri="{909E8E84-426E-40DD-AFC4-6F175D3DCCD1}">
-              <a14:hiddenFill xmlns:a14="http://schemas.microsoft.com/office/drawing/2010/main">
+              <a14:hiddenFill xmlns="" xmlns:a="http://schemas.openxmlformats.org/drawingml/2006/main" xmlns:r="http://schemas.openxmlformats.org/officeDocument/2006/relationships" xmlns:p="http://schemas.openxmlformats.org/presentationml/2006/main" xmlns:a14="http://schemas.microsoft.com/office/drawing/2010/main" xmlns:mv="urn:schemas-microsoft-com:mac:vml" xmlns:mc="http://schemas.openxmlformats.org/markup-compatibility/2006">
                 <a:solidFill>
                   <a:srgbClr val="FFFFFF"/>
                 </a:solidFill>
@@ -10150,7 +10892,7 @@
           <a:blip r:embed="rId6" cstate="print">
             <a:extLst>
               <a:ext uri="{28A0092B-C50C-407E-A947-70E740481C1C}">
-                <a14:useLocalDpi xmlns:a14="http://schemas.microsoft.com/office/drawing/2010/main" val="0"/>
+                <a14:useLocalDpi xmlns="" xmlns:a="http://schemas.openxmlformats.org/drawingml/2006/main" xmlns:r="http://schemas.openxmlformats.org/officeDocument/2006/relationships" xmlns:p="http://schemas.openxmlformats.org/presentationml/2006/main" xmlns:a14="http://schemas.microsoft.com/office/drawing/2010/main" xmlns:mv="urn:schemas-microsoft-com:mac:vml" xmlns:mc="http://schemas.openxmlformats.org/markup-compatibility/2006" val="0"/>
               </a:ext>
             </a:extLst>
           </a:blip>
@@ -10170,7 +10912,7 @@
           <a:noFill/>
           <a:extLst>
             <a:ext uri="{909E8E84-426E-40DD-AFC4-6F175D3DCCD1}">
-              <a14:hiddenFill xmlns:a14="http://schemas.microsoft.com/office/drawing/2010/main">
+              <a14:hiddenFill xmlns="" xmlns:a="http://schemas.openxmlformats.org/drawingml/2006/main" xmlns:r="http://schemas.openxmlformats.org/officeDocument/2006/relationships" xmlns:p="http://schemas.openxmlformats.org/presentationml/2006/main" xmlns:a14="http://schemas.microsoft.com/office/drawing/2010/main" xmlns:mv="urn:schemas-microsoft-com:mac:vml" xmlns:mc="http://schemas.openxmlformats.org/markup-compatibility/2006">
                 <a:solidFill>
                   <a:srgbClr val="FFFFFF"/>
                 </a:solidFill>
@@ -10404,7 +11146,7 @@
           <a:blip r:embed="rId7" cstate="print">
             <a:extLst>
               <a:ext uri="{28A0092B-C50C-407E-A947-70E740481C1C}">
-                <a14:useLocalDpi xmlns:a14="http://schemas.microsoft.com/office/drawing/2010/main" val="0"/>
+                <a14:useLocalDpi xmlns="" xmlns:a="http://schemas.openxmlformats.org/drawingml/2006/main" xmlns:r="http://schemas.openxmlformats.org/officeDocument/2006/relationships" xmlns:p="http://schemas.openxmlformats.org/presentationml/2006/main" xmlns:a14="http://schemas.microsoft.com/office/drawing/2010/main" xmlns:mv="urn:schemas-microsoft-com:mac:vml" xmlns:mc="http://schemas.openxmlformats.org/markup-compatibility/2006" val="0"/>
               </a:ext>
             </a:extLst>
           </a:blip>
@@ -10422,7 +11164,7 @@
           <a:noFill/>
           <a:extLst>
             <a:ext uri="{909E8E84-426E-40DD-AFC4-6F175D3DCCD1}">
-              <a14:hiddenFill xmlns:a14="http://schemas.microsoft.com/office/drawing/2010/main">
+              <a14:hiddenFill xmlns="" xmlns:a="http://schemas.openxmlformats.org/drawingml/2006/main" xmlns:r="http://schemas.openxmlformats.org/officeDocument/2006/relationships" xmlns:p="http://schemas.openxmlformats.org/presentationml/2006/main" xmlns:a14="http://schemas.microsoft.com/office/drawing/2010/main" xmlns:mv="urn:schemas-microsoft-com:mac:vml" xmlns:mc="http://schemas.openxmlformats.org/markup-compatibility/2006">
                 <a:solidFill>
                   <a:srgbClr val="FFFFFF"/>
                 </a:solidFill>
@@ -10443,7 +11185,7 @@
           <a:blip r:embed="rId8" cstate="print">
             <a:extLst>
               <a:ext uri="{28A0092B-C50C-407E-A947-70E740481C1C}">
-                <a14:useLocalDpi xmlns:a14="http://schemas.microsoft.com/office/drawing/2010/main" val="0"/>
+                <a14:useLocalDpi xmlns="" xmlns:a="http://schemas.openxmlformats.org/drawingml/2006/main" xmlns:r="http://schemas.openxmlformats.org/officeDocument/2006/relationships" xmlns:p="http://schemas.openxmlformats.org/presentationml/2006/main" xmlns:a14="http://schemas.microsoft.com/office/drawing/2010/main" xmlns:mv="urn:schemas-microsoft-com:mac:vml" xmlns:mc="http://schemas.openxmlformats.org/markup-compatibility/2006" val="0"/>
               </a:ext>
             </a:extLst>
           </a:blip>
@@ -10463,7 +11205,7 @@
           <a:noFill/>
           <a:extLst>
             <a:ext uri="{909E8E84-426E-40DD-AFC4-6F175D3DCCD1}">
-              <a14:hiddenFill xmlns:a14="http://schemas.microsoft.com/office/drawing/2010/main">
+              <a14:hiddenFill xmlns="" xmlns:a="http://schemas.openxmlformats.org/drawingml/2006/main" xmlns:r="http://schemas.openxmlformats.org/officeDocument/2006/relationships" xmlns:p="http://schemas.openxmlformats.org/presentationml/2006/main" xmlns:a14="http://schemas.microsoft.com/office/drawing/2010/main" xmlns:mv="urn:schemas-microsoft-com:mac:vml" xmlns:mc="http://schemas.openxmlformats.org/markup-compatibility/2006">
                 <a:solidFill>
                   <a:srgbClr val="FFFFFF"/>
                 </a:solidFill>
@@ -10484,7 +11226,7 @@
           <a:blip r:embed="rId9">
             <a:extLst>
               <a:ext uri="{28A0092B-C50C-407E-A947-70E740481C1C}">
-                <a14:useLocalDpi xmlns:a14="http://schemas.microsoft.com/office/drawing/2010/main" val="0"/>
+                <a14:useLocalDpi xmlns="" xmlns:a="http://schemas.openxmlformats.org/drawingml/2006/main" xmlns:r="http://schemas.openxmlformats.org/officeDocument/2006/relationships" xmlns:p="http://schemas.openxmlformats.org/presentationml/2006/main" xmlns:a14="http://schemas.microsoft.com/office/drawing/2010/main" xmlns:mv="urn:schemas-microsoft-com:mac:vml" xmlns:mc="http://schemas.openxmlformats.org/markup-compatibility/2006" val="0"/>
               </a:ext>
             </a:extLst>
           </a:blip>
@@ -10504,7 +11246,7 @@
           <a:noFill/>
           <a:extLst>
             <a:ext uri="{909E8E84-426E-40DD-AFC4-6F175D3DCCD1}">
-              <a14:hiddenFill xmlns:a14="http://schemas.microsoft.com/office/drawing/2010/main">
+              <a14:hiddenFill xmlns="" xmlns:a="http://schemas.openxmlformats.org/drawingml/2006/main" xmlns:r="http://schemas.openxmlformats.org/officeDocument/2006/relationships" xmlns:p="http://schemas.openxmlformats.org/presentationml/2006/main" xmlns:a14="http://schemas.microsoft.com/office/drawing/2010/main" xmlns:mv="urn:schemas-microsoft-com:mac:vml" xmlns:mc="http://schemas.openxmlformats.org/markup-compatibility/2006">
                 <a:solidFill>
                   <a:srgbClr val="FFFFFF"/>
                 </a:solidFill>
@@ -10599,7 +11341,7 @@
           <a:blip r:embed="rId7" cstate="print">
             <a:extLst>
               <a:ext uri="{28A0092B-C50C-407E-A947-70E740481C1C}">
-                <a14:useLocalDpi xmlns:a14="http://schemas.microsoft.com/office/drawing/2010/main" val="0"/>
+                <a14:useLocalDpi xmlns="" xmlns:a="http://schemas.openxmlformats.org/drawingml/2006/main" xmlns:r="http://schemas.openxmlformats.org/officeDocument/2006/relationships" xmlns:p="http://schemas.openxmlformats.org/presentationml/2006/main" xmlns:a14="http://schemas.microsoft.com/office/drawing/2010/main" xmlns:mv="urn:schemas-microsoft-com:mac:vml" xmlns:mc="http://schemas.openxmlformats.org/markup-compatibility/2006" val="0"/>
               </a:ext>
             </a:extLst>
           </a:blip>
@@ -10617,7 +11359,7 @@
           <a:noFill/>
           <a:extLst>
             <a:ext uri="{909E8E84-426E-40DD-AFC4-6F175D3DCCD1}">
-              <a14:hiddenFill xmlns:a14="http://schemas.microsoft.com/office/drawing/2010/main">
+              <a14:hiddenFill xmlns="" xmlns:a="http://schemas.openxmlformats.org/drawingml/2006/main" xmlns:r="http://schemas.openxmlformats.org/officeDocument/2006/relationships" xmlns:p="http://schemas.openxmlformats.org/presentationml/2006/main" xmlns:a14="http://schemas.microsoft.com/office/drawing/2010/main" xmlns:mv="urn:schemas-microsoft-com:mac:vml" xmlns:mc="http://schemas.openxmlformats.org/markup-compatibility/2006">
                 <a:solidFill>
                   <a:srgbClr val="FFFFFF"/>
                 </a:solidFill>
@@ -10638,7 +11380,7 @@
           <a:blip r:embed="rId8" cstate="print">
             <a:extLst>
               <a:ext uri="{28A0092B-C50C-407E-A947-70E740481C1C}">
-                <a14:useLocalDpi xmlns:a14="http://schemas.microsoft.com/office/drawing/2010/main" val="0"/>
+                <a14:useLocalDpi xmlns="" xmlns:a="http://schemas.openxmlformats.org/drawingml/2006/main" xmlns:r="http://schemas.openxmlformats.org/officeDocument/2006/relationships" xmlns:p="http://schemas.openxmlformats.org/presentationml/2006/main" xmlns:a14="http://schemas.microsoft.com/office/drawing/2010/main" xmlns:mv="urn:schemas-microsoft-com:mac:vml" xmlns:mc="http://schemas.openxmlformats.org/markup-compatibility/2006" val="0"/>
               </a:ext>
             </a:extLst>
           </a:blip>
@@ -10658,7 +11400,7 @@
           <a:noFill/>
           <a:extLst>
             <a:ext uri="{909E8E84-426E-40DD-AFC4-6F175D3DCCD1}">
-              <a14:hiddenFill xmlns:a14="http://schemas.microsoft.com/office/drawing/2010/main">
+              <a14:hiddenFill xmlns="" xmlns:a="http://schemas.openxmlformats.org/drawingml/2006/main" xmlns:r="http://schemas.openxmlformats.org/officeDocument/2006/relationships" xmlns:p="http://schemas.openxmlformats.org/presentationml/2006/main" xmlns:a14="http://schemas.microsoft.com/office/drawing/2010/main" xmlns:mv="urn:schemas-microsoft-com:mac:vml" xmlns:mc="http://schemas.openxmlformats.org/markup-compatibility/2006">
                 <a:solidFill>
                   <a:srgbClr val="FFFFFF"/>
                 </a:solidFill>
@@ -10722,7 +11464,7 @@
           <a:blip r:embed="rId9">
             <a:extLst>
               <a:ext uri="{28A0092B-C50C-407E-A947-70E740481C1C}">
-                <a14:useLocalDpi xmlns:a14="http://schemas.microsoft.com/office/drawing/2010/main" val="0"/>
+                <a14:useLocalDpi xmlns="" xmlns:a="http://schemas.openxmlformats.org/drawingml/2006/main" xmlns:r="http://schemas.openxmlformats.org/officeDocument/2006/relationships" xmlns:p="http://schemas.openxmlformats.org/presentationml/2006/main" xmlns:a14="http://schemas.microsoft.com/office/drawing/2010/main" xmlns:mv="urn:schemas-microsoft-com:mac:vml" xmlns:mc="http://schemas.openxmlformats.org/markup-compatibility/2006" val="0"/>
               </a:ext>
             </a:extLst>
           </a:blip>
@@ -10742,7 +11484,7 @@
           <a:noFill/>
           <a:extLst>
             <a:ext uri="{909E8E84-426E-40DD-AFC4-6F175D3DCCD1}">
-              <a14:hiddenFill xmlns:a14="http://schemas.microsoft.com/office/drawing/2010/main">
+              <a14:hiddenFill xmlns="" xmlns:a="http://schemas.openxmlformats.org/drawingml/2006/main" xmlns:r="http://schemas.openxmlformats.org/officeDocument/2006/relationships" xmlns:p="http://schemas.openxmlformats.org/presentationml/2006/main" xmlns:a14="http://schemas.microsoft.com/office/drawing/2010/main" xmlns:mv="urn:schemas-microsoft-com:mac:vml" xmlns:mc="http://schemas.openxmlformats.org/markup-compatibility/2006">
                 <a:solidFill>
                   <a:srgbClr val="FFFFFF"/>
                 </a:solidFill>
@@ -10905,7 +11647,7 @@
           <a:blip r:embed="rId5" cstate="print">
             <a:extLst>
               <a:ext uri="{28A0092B-C50C-407E-A947-70E740481C1C}">
-                <a14:useLocalDpi xmlns:a14="http://schemas.microsoft.com/office/drawing/2010/main" val="0"/>
+                <a14:useLocalDpi xmlns="" xmlns:a="http://schemas.openxmlformats.org/drawingml/2006/main" xmlns:r="http://schemas.openxmlformats.org/officeDocument/2006/relationships" xmlns:p="http://schemas.openxmlformats.org/presentationml/2006/main" xmlns:a14="http://schemas.microsoft.com/office/drawing/2010/main" xmlns:mv="urn:schemas-microsoft-com:mac:vml" xmlns:mc="http://schemas.openxmlformats.org/markup-compatibility/2006" val="0"/>
               </a:ext>
             </a:extLst>
           </a:blip>
@@ -10925,7 +11667,7 @@
           <a:noFill/>
           <a:extLst>
             <a:ext uri="{909E8E84-426E-40DD-AFC4-6F175D3DCCD1}">
-              <a14:hiddenFill xmlns:a14="http://schemas.microsoft.com/office/drawing/2010/main">
+              <a14:hiddenFill xmlns="" xmlns:a="http://schemas.openxmlformats.org/drawingml/2006/main" xmlns:r="http://schemas.openxmlformats.org/officeDocument/2006/relationships" xmlns:p="http://schemas.openxmlformats.org/presentationml/2006/main" xmlns:a14="http://schemas.microsoft.com/office/drawing/2010/main" xmlns:mv="urn:schemas-microsoft-com:mac:vml" xmlns:mc="http://schemas.openxmlformats.org/markup-compatibility/2006">
                 <a:solidFill>
                   <a:srgbClr val="FFFFFF"/>
                 </a:solidFill>
@@ -10946,7 +11688,7 @@
           <a:blip r:embed="rId6" cstate="print">
             <a:extLst>
               <a:ext uri="{28A0092B-C50C-407E-A947-70E740481C1C}">
-                <a14:useLocalDpi xmlns:a14="http://schemas.microsoft.com/office/drawing/2010/main" val="0"/>
+                <a14:useLocalDpi xmlns="" xmlns:a="http://schemas.openxmlformats.org/drawingml/2006/main" xmlns:r="http://schemas.openxmlformats.org/officeDocument/2006/relationships" xmlns:p="http://schemas.openxmlformats.org/presentationml/2006/main" xmlns:a14="http://schemas.microsoft.com/office/drawing/2010/main" xmlns:mv="urn:schemas-microsoft-com:mac:vml" xmlns:mc="http://schemas.openxmlformats.org/markup-compatibility/2006" val="0"/>
               </a:ext>
             </a:extLst>
           </a:blip>
@@ -10966,7 +11708,7 @@
           <a:noFill/>
           <a:extLst>
             <a:ext uri="{909E8E84-426E-40DD-AFC4-6F175D3DCCD1}">
-              <a14:hiddenFill xmlns:a14="http://schemas.microsoft.com/office/drawing/2010/main">
+              <a14:hiddenFill xmlns="" xmlns:a="http://schemas.openxmlformats.org/drawingml/2006/main" xmlns:r="http://schemas.openxmlformats.org/officeDocument/2006/relationships" xmlns:p="http://schemas.openxmlformats.org/presentationml/2006/main" xmlns:a14="http://schemas.microsoft.com/office/drawing/2010/main" xmlns:mv="urn:schemas-microsoft-com:mac:vml" xmlns:mc="http://schemas.openxmlformats.org/markup-compatibility/2006">
                 <a:solidFill>
                   <a:srgbClr val="FFFFFF"/>
                 </a:solidFill>
@@ -10987,7 +11729,7 @@
           <a:blip r:embed="rId10" cstate="print">
             <a:extLst>
               <a:ext uri="{28A0092B-C50C-407E-A947-70E740481C1C}">
-                <a14:useLocalDpi xmlns:a14="http://schemas.microsoft.com/office/drawing/2010/main" val="0"/>
+                <a14:useLocalDpi xmlns="" xmlns:a="http://schemas.openxmlformats.org/drawingml/2006/main" xmlns:r="http://schemas.openxmlformats.org/officeDocument/2006/relationships" xmlns:p="http://schemas.openxmlformats.org/presentationml/2006/main" xmlns:a14="http://schemas.microsoft.com/office/drawing/2010/main" xmlns:mv="urn:schemas-microsoft-com:mac:vml" xmlns:mc="http://schemas.openxmlformats.org/markup-compatibility/2006" val="0"/>
               </a:ext>
             </a:extLst>
           </a:blip>
@@ -11086,7 +11828,7 @@
             </a:clrChange>
             <a:extLst>
               <a:ext uri="{28A0092B-C50C-407E-A947-70E740481C1C}">
-                <a14:useLocalDpi xmlns:a14="http://schemas.microsoft.com/office/drawing/2010/main" val="0"/>
+                <a14:useLocalDpi xmlns="" xmlns:a="http://schemas.openxmlformats.org/drawingml/2006/main" xmlns:r="http://schemas.openxmlformats.org/officeDocument/2006/relationships" xmlns:p="http://schemas.openxmlformats.org/presentationml/2006/main" xmlns:a14="http://schemas.microsoft.com/office/drawing/2010/main" xmlns:mv="urn:schemas-microsoft-com:mac:vml" xmlns:mc="http://schemas.openxmlformats.org/markup-compatibility/2006" val="0"/>
               </a:ext>
             </a:extLst>
           </a:blip>
@@ -11106,7 +11848,7 @@
           <a:noFill/>
           <a:extLst>
             <a:ext uri="{909E8E84-426E-40DD-AFC4-6F175D3DCCD1}">
-              <a14:hiddenFill xmlns:a14="http://schemas.microsoft.com/office/drawing/2010/main">
+              <a14:hiddenFill xmlns="" xmlns:a="http://schemas.openxmlformats.org/drawingml/2006/main" xmlns:r="http://schemas.openxmlformats.org/officeDocument/2006/relationships" xmlns:p="http://schemas.openxmlformats.org/presentationml/2006/main" xmlns:a14="http://schemas.microsoft.com/office/drawing/2010/main" xmlns:mv="urn:schemas-microsoft-com:mac:vml" xmlns:mc="http://schemas.openxmlformats.org/markup-compatibility/2006">
                 <a:solidFill>
                   <a:srgbClr val="FFFFFF"/>
                 </a:solidFill>
@@ -11118,7 +11860,7 @@
     </p:spTree>
     <p:extLst>
       <p:ext uri="{BB962C8B-B14F-4D97-AF65-F5344CB8AC3E}">
-        <p14:creationId xmlns:p14="http://schemas.microsoft.com/office/powerpoint/2010/main" val="3939382432"/>
+        <p14:creationId xmlns="" xmlns:a="http://schemas.openxmlformats.org/drawingml/2006/main" xmlns:r="http://schemas.openxmlformats.org/officeDocument/2006/relationships" xmlns:p="http://schemas.openxmlformats.org/presentationml/2006/main" xmlns:p14="http://schemas.microsoft.com/office/powerpoint/2010/main" xmlns:mv="urn:schemas-microsoft-com:mac:vml" xmlns:mc="http://schemas.openxmlformats.org/markup-compatibility/2006" val="3939382432"/>
       </p:ext>
     </p:extLst>
   </p:cSld>
@@ -11136,7 +11878,7 @@
 </file>
 
 <file path=ppt/slides/slide8.xml><?xml version="1.0" encoding="utf-8"?>
-<p:sld xmlns:a="http://schemas.openxmlformats.org/drawingml/2006/main" xmlns:r="http://schemas.openxmlformats.org/officeDocument/2006/relationships" xmlns:p="http://schemas.openxmlformats.org/presentationml/2006/main">
+<p:sld xmlns:a="http://schemas.openxmlformats.org/drawingml/2006/main" xmlns:r="http://schemas.openxmlformats.org/officeDocument/2006/relationships" xmlns:mc="http://schemas.openxmlformats.org/markup-compatibility/2006" xmlns:mv="urn:schemas-microsoft-com:mac:vml" xmlns:p="http://schemas.openxmlformats.org/presentationml/2006/main" mc:Ignorable="mv" mc:PreserveAttributes="mv:*">
   <p:cSld>
     <p:spTree>
       <p:nvGrpSpPr>
@@ -11168,12 +11910,68 @@
           <a:lstStyle/>
           <a:p>
             <a:r>
-              <a:rPr lang="fr-FR" sz="2800" b="1" smtClean="0">
+              <a:rPr lang="fr-FR" sz="2800" b="1" dirty="0" err="1" smtClean="0">
                 <a:solidFill>
                   <a:schemeClr val="tx1"/>
                 </a:solidFill>
               </a:rPr>
-              <a:t>Technical Tasks and Skills Needed </a:t>
+              <a:t>Technical</a:t>
+            </a:r>
+            <a:r>
+              <a:rPr lang="fr-FR" sz="2800" b="1" dirty="0" smtClean="0">
+                <a:solidFill>
+                  <a:schemeClr val="tx1"/>
+                </a:solidFill>
+              </a:rPr>
+              <a:t> </a:t>
+            </a:r>
+            <a:r>
+              <a:rPr lang="fr-FR" sz="2800" b="1" dirty="0" err="1" smtClean="0">
+                <a:solidFill>
+                  <a:schemeClr val="tx1"/>
+                </a:solidFill>
+              </a:rPr>
+              <a:t>Tasks</a:t>
+            </a:r>
+            <a:r>
+              <a:rPr lang="fr-FR" sz="2800" b="1" dirty="0" smtClean="0">
+                <a:solidFill>
+                  <a:schemeClr val="tx1"/>
+                </a:solidFill>
+              </a:rPr>
+              <a:t> and </a:t>
+            </a:r>
+            <a:r>
+              <a:rPr lang="fr-FR" sz="2800" b="1" dirty="0" err="1" smtClean="0">
+                <a:solidFill>
+                  <a:schemeClr val="tx1"/>
+                </a:solidFill>
+              </a:rPr>
+              <a:t>Skills</a:t>
+            </a:r>
+            <a:r>
+              <a:rPr lang="fr-FR" sz="2800" b="1" dirty="0" smtClean="0">
+                <a:solidFill>
+                  <a:schemeClr val="tx1"/>
+                </a:solidFill>
+              </a:rPr>
+              <a:t> </a:t>
+            </a:r>
+            <a:r>
+              <a:rPr lang="fr-FR" sz="2800" b="1" dirty="0" err="1" smtClean="0">
+                <a:solidFill>
+                  <a:schemeClr val="tx1"/>
+                </a:solidFill>
+              </a:rPr>
+              <a:t>Needed</a:t>
+            </a:r>
+            <a:r>
+              <a:rPr lang="fr-FR" sz="2800" b="1" dirty="0" smtClean="0">
+                <a:solidFill>
+                  <a:schemeClr val="tx1"/>
+                </a:solidFill>
+              </a:rPr>
+              <a:t> </a:t>
             </a:r>
             <a:endParaRPr lang="fr-FR" sz="2800" b="1" dirty="0">
               <a:solidFill>
@@ -11202,7 +12000,7 @@
         </p:spPr>
         <p:txBody>
           <a:bodyPr vert="horz" lIns="91440" tIns="45720" rIns="91440" bIns="45720" rtlCol="0" anchor="ctr">
-            <a:normAutofit fontScale="70000" lnSpcReduction="20000"/>
+            <a:normAutofit fontScale="55000" lnSpcReduction="20000"/>
           </a:bodyPr>
           <a:lstStyle>
             <a:lvl1pPr algn="l" defTabSz="914400" rtl="0" eaLnBrk="1" latinLnBrk="0" hangingPunct="1">
@@ -11262,7 +12060,7 @@
             </a:clrChange>
             <a:extLst>
               <a:ext uri="{28A0092B-C50C-407E-A947-70E740481C1C}">
-                <a14:useLocalDpi xmlns:a14="http://schemas.microsoft.com/office/drawing/2010/main" val="0"/>
+                <a14:useLocalDpi xmlns="" xmlns:a="http://schemas.openxmlformats.org/drawingml/2006/main" xmlns:r="http://schemas.openxmlformats.org/officeDocument/2006/relationships" xmlns:p="http://schemas.openxmlformats.org/presentationml/2006/main" xmlns:a14="http://schemas.microsoft.com/office/drawing/2010/main" xmlns:mv="urn:schemas-microsoft-com:mac:vml" xmlns:mc="http://schemas.openxmlformats.org/markup-compatibility/2006" val="0"/>
               </a:ext>
             </a:extLst>
           </a:blip>
@@ -11302,7 +12100,7 @@
             </a:clrChange>
             <a:extLst>
               <a:ext uri="{28A0092B-C50C-407E-A947-70E740481C1C}">
-                <a14:useLocalDpi xmlns:a14="http://schemas.microsoft.com/office/drawing/2010/main" val="0"/>
+                <a14:useLocalDpi xmlns="" xmlns:a="http://schemas.openxmlformats.org/drawingml/2006/main" xmlns:r="http://schemas.openxmlformats.org/officeDocument/2006/relationships" xmlns:p="http://schemas.openxmlformats.org/presentationml/2006/main" xmlns:a14="http://schemas.microsoft.com/office/drawing/2010/main" xmlns:mv="urn:schemas-microsoft-com:mac:vml" xmlns:mc="http://schemas.openxmlformats.org/markup-compatibility/2006" val="0"/>
               </a:ext>
             </a:extLst>
           </a:blip>
@@ -11548,11 +12346,19 @@
           <a:lstStyle/>
           <a:p>
             <a:r>
-              <a:rPr lang="en-US" sz="2800" smtClean="0"/>
-              <a:t>Testing\Enhancing of docker </a:t>
-            </a:r>
-            <a:r>
-              <a:rPr lang="en-US" sz="2800" smtClean="0">
+              <a:rPr lang="en-US" sz="2800" dirty="0" smtClean="0"/>
+              <a:t>Testing\Enhancing of </a:t>
+            </a:r>
+            <a:r>
+              <a:rPr lang="en-US" sz="2800" dirty="0" err="1" smtClean="0"/>
+              <a:t>docker</a:t>
+            </a:r>
+            <a:r>
+              <a:rPr lang="en-US" sz="2800" dirty="0" smtClean="0"/>
+              <a:t> </a:t>
+            </a:r>
+            <a:r>
+              <a:rPr lang="en-US" sz="2800" dirty="0" smtClean="0">
                 <a:solidFill>
                   <a:schemeClr val="accent1">
                     <a:lumMod val="75000"/>
@@ -11562,7 +12368,7 @@
               <a:t>IPH- </a:t>
             </a:r>
             <a:r>
-              <a:rPr lang="fr-FR" sz="2800" smtClean="0">
+              <a:rPr lang="fr-FR" sz="2800" dirty="0" err="1" smtClean="0">
                 <a:solidFill>
                   <a:schemeClr val="accent1">
                     <a:lumMod val="75000"/>
@@ -11571,7 +12377,7 @@
               </a:rPr>
               <a:t>BioTM</a:t>
             </a:r>
-            <a:endParaRPr lang="fr-FR" sz="2800">
+            <a:endParaRPr lang="fr-FR" sz="2800" dirty="0">
               <a:solidFill>
                 <a:schemeClr val="accent1">
                   <a:lumMod val="75000"/>
@@ -11995,8 +12801,8 @@
         </p:nvSpPr>
         <p:spPr>
           <a:xfrm>
-            <a:off x="8202075" y="1750699"/>
-            <a:ext cx="3991927" cy="2523768"/>
+            <a:off x="9309206" y="1522733"/>
+            <a:ext cx="2364750" cy="3108544"/>
           </a:xfrm>
           <a:prstGeom prst="rect">
             <a:avLst/>
@@ -12021,12 +12827,12 @@
               </a:spcAft>
             </a:pPr>
             <a:r>
-              <a:rPr lang="fr-FR" altLang="fr-FR" sz="2800" b="1">
-                <a:latin typeface="+mj-lt"/>
-                <a:ea typeface="+mj-ea"/>
-                <a:cs typeface="+mj-cs"/>
-              </a:rPr>
-              <a:t>Skills:</a:t>
+              <a:rPr lang="fr-FR" altLang="fr-FR" sz="2800" dirty="0" err="1"/>
+              <a:t>Skills</a:t>
+            </a:r>
+            <a:r>
+              <a:rPr lang="fr-FR" altLang="fr-FR" sz="2800" dirty="0"/>
+              <a:t>:</a:t>
             </a:r>
           </a:p>
           <a:p>
@@ -12044,11 +12850,7 @@
               <a:buChar char="-"/>
             </a:pPr>
             <a:r>
-              <a:rPr lang="fr-FR" altLang="fr-FR" sz="2800" b="1">
-                <a:latin typeface="+mj-lt"/>
-                <a:ea typeface="+mj-ea"/>
-                <a:cs typeface="+mj-cs"/>
-              </a:rPr>
+              <a:rPr lang="fr-FR" altLang="fr-FR" sz="2800" b="1" dirty="0"/>
               <a:t>Python</a:t>
             </a:r>
           </a:p>
@@ -12067,12 +12869,12 @@
               <a:buChar char="-"/>
             </a:pPr>
             <a:r>
-              <a:rPr lang="fr-FR" sz="2800" b="1">
-                <a:latin typeface="+mj-lt"/>
-                <a:ea typeface="+mj-ea"/>
-                <a:cs typeface="+mj-cs"/>
-              </a:rPr>
-              <a:t>React JS</a:t>
+              <a:rPr lang="fr-FR" sz="2800" b="1" dirty="0" err="1"/>
+              <a:t>React</a:t>
+            </a:r>
+            <a:r>
+              <a:rPr lang="fr-FR" sz="2800" b="1" dirty="0"/>
+              <a:t> JS</a:t>
             </a:r>
           </a:p>
           <a:p>
@@ -12090,11 +12892,7 @@
               <a:buChar char="-"/>
             </a:pPr>
             <a:r>
-              <a:rPr lang="fr-FR" altLang="fr-FR" sz="2800" b="1">
-                <a:latin typeface="+mj-lt"/>
-                <a:ea typeface="+mj-ea"/>
-                <a:cs typeface="+mj-cs"/>
-              </a:rPr>
+              <a:rPr lang="fr-FR" altLang="fr-FR" sz="2800" b="1" dirty="0"/>
               <a:t>Web APIs</a:t>
             </a:r>
           </a:p>
@@ -12113,12 +12911,12 @@
               <a:buChar char="-"/>
             </a:pPr>
             <a:r>
-              <a:rPr lang="fr-FR" altLang="fr-FR" sz="2800" b="1">
-                <a:latin typeface="+mj-lt"/>
-                <a:ea typeface="+mj-ea"/>
-                <a:cs typeface="+mj-cs"/>
-              </a:rPr>
-              <a:t>XML, JSON, RDF/owl files</a:t>
+              <a:rPr lang="fr-FR" altLang="fr-FR" sz="2800" dirty="0"/>
+              <a:t>XML, </a:t>
+            </a:r>
+            <a:r>
+              <a:rPr lang="fr-FR" altLang="fr-FR" sz="2800" dirty="0" smtClean="0"/>
+              <a:t>JSON</a:t>
             </a:r>
           </a:p>
           <a:p>
@@ -12135,12 +12933,38 @@
               <a:buFontTx/>
               <a:buChar char="-"/>
             </a:pPr>
-            <a:endParaRPr lang="fr-FR" altLang="fr-FR">
-              <a:solidFill>
-                <a:srgbClr val="24292E"/>
-              </a:solidFill>
-              <a:latin typeface="-apple-system"/>
-            </a:endParaRPr>
+            <a:r>
+              <a:rPr lang="fr-FR" altLang="fr-FR" sz="2800" dirty="0" smtClean="0"/>
+              <a:t>RDF</a:t>
+            </a:r>
+            <a:r>
+              <a:rPr lang="fr-FR" altLang="fr-FR" sz="2800" dirty="0"/>
+              <a:t>/</a:t>
+            </a:r>
+            <a:r>
+              <a:rPr lang="fr-FR" altLang="fr-FR" sz="2800" dirty="0" err="1"/>
+              <a:t>owl</a:t>
+            </a:r>
+            <a:r>
+              <a:rPr lang="fr-FR" altLang="fr-FR" sz="2800" dirty="0"/>
+              <a:t> files</a:t>
+            </a:r>
+          </a:p>
+          <a:p>
+            <a:pPr marL="285750" indent="-285750" eaLnBrk="0" fontAlgn="base" hangingPunct="0">
+              <a:lnSpc>
+                <a:spcPct val="100000"/>
+              </a:lnSpc>
+              <a:spcBef>
+                <a:spcPct val="0"/>
+              </a:spcBef>
+              <a:spcAft>
+                <a:spcPct val="0"/>
+              </a:spcAft>
+              <a:buFontTx/>
+              <a:buChar char="-"/>
+            </a:pPr>
+            <a:endParaRPr lang="fr-FR" altLang="fr-FR" sz="2800" dirty="0"/>
           </a:p>
         </p:txBody>
       </p:sp>
@@ -12273,7 +13097,7 @@
     </p:spTree>
     <p:extLst>
       <p:ext uri="{BB962C8B-B14F-4D97-AF65-F5344CB8AC3E}">
-        <p14:creationId xmlns:p14="http://schemas.microsoft.com/office/powerpoint/2010/main" val="2487696380"/>
+        <p14:creationId xmlns="" xmlns:a="http://schemas.openxmlformats.org/drawingml/2006/main" xmlns:r="http://schemas.openxmlformats.org/officeDocument/2006/relationships" xmlns:p="http://schemas.openxmlformats.org/presentationml/2006/main" xmlns:p14="http://schemas.microsoft.com/office/powerpoint/2010/main" xmlns:mv="urn:schemas-microsoft-com:mac:vml" xmlns:mc="http://schemas.openxmlformats.org/markup-compatibility/2006" val="2487696380"/>
       </p:ext>
     </p:extLst>
   </p:cSld>
@@ -12291,7 +13115,7 @@
 </file>
 
 <file path=ppt/slides/slide9.xml><?xml version="1.0" encoding="utf-8"?>
-<p:sld xmlns:a="http://schemas.openxmlformats.org/drawingml/2006/main" xmlns:r="http://schemas.openxmlformats.org/officeDocument/2006/relationships" xmlns:p="http://schemas.openxmlformats.org/presentationml/2006/main">
+<p:sld xmlns:a="http://schemas.openxmlformats.org/drawingml/2006/main" xmlns:r="http://schemas.openxmlformats.org/officeDocument/2006/relationships" xmlns:mc="http://schemas.openxmlformats.org/markup-compatibility/2006" xmlns:mv="urn:schemas-microsoft-com:mac:vml" xmlns:p="http://schemas.openxmlformats.org/presentationml/2006/main" mc:Ignorable="mv" mc:PreserveAttributes="mv:*">
   <p:cSld>
     <p:spTree>
       <p:nvGrpSpPr>
@@ -12632,7 +13456,7 @@
             <a:blip r:embed="rId2">
               <a:extLst>
                 <a:ext uri="{28A0092B-C50C-407E-A947-70E740481C1C}">
-                  <a14:useLocalDpi xmlns:a14="http://schemas.microsoft.com/office/drawing/2010/main" val="0"/>
+                  <a14:useLocalDpi xmlns="" xmlns:a="http://schemas.openxmlformats.org/drawingml/2006/main" xmlns:r="http://schemas.openxmlformats.org/officeDocument/2006/relationships" xmlns:p="http://schemas.openxmlformats.org/presentationml/2006/main" xmlns:a14="http://schemas.microsoft.com/office/drawing/2010/main" xmlns:mv="urn:schemas-microsoft-com:mac:vml" xmlns:mc="http://schemas.openxmlformats.org/markup-compatibility/2006" val="0"/>
                 </a:ext>
               </a:extLst>
             </a:blip>
@@ -12695,13 +13519,7 @@
               <a:rPr lang="fr-FR">
                 <a:hlinkClick r:id="rId5"/>
               </a:rPr>
-              <a:t>https</a:t>
-            </a:r>
-            <a:r>
-              <a:rPr lang="fr-FR">
-                <a:hlinkClick r:id="rId5"/>
-              </a:rPr>
-              <a:t>://</a:t>
+              <a:t>https://</a:t>
             </a:r>
             <a:r>
               <a:rPr lang="fr-FR" smtClean="0">
@@ -12719,7 +13537,7 @@
     </p:spTree>
     <p:extLst>
       <p:ext uri="{BB962C8B-B14F-4D97-AF65-F5344CB8AC3E}">
-        <p14:creationId xmlns:p14="http://schemas.microsoft.com/office/powerpoint/2010/main" val="877585752"/>
+        <p14:creationId xmlns="" xmlns:a="http://schemas.openxmlformats.org/drawingml/2006/main" xmlns:r="http://schemas.openxmlformats.org/officeDocument/2006/relationships" xmlns:p="http://schemas.openxmlformats.org/presentationml/2006/main" xmlns:p14="http://schemas.microsoft.com/office/powerpoint/2010/main" xmlns:mv="urn:schemas-microsoft-com:mac:vml" xmlns:mc="http://schemas.openxmlformats.org/markup-compatibility/2006" val="877585752"/>
       </p:ext>
     </p:extLst>
   </p:cSld>
@@ -12772,7 +13590,7 @@
     </a:clrScheme>
     <a:fontScheme name="Office">
       <a:majorFont>
-        <a:latin typeface="Calibri Light" panose="020F0302020204030204"/>
+        <a:latin typeface="Calibri Light"/>
         <a:ea typeface=""/>
         <a:cs typeface=""/>
         <a:font script="Jpan" typeface="游ゴシック Light"/>
@@ -12807,7 +13625,7 @@
         <a:font script="Geor" typeface="Sylfaen"/>
       </a:majorFont>
       <a:minorFont>
-        <a:latin typeface="Calibri" panose="020F0502020204030204"/>
+        <a:latin typeface="Calibri"/>
         <a:ea typeface=""/>
         <a:cs typeface=""/>
         <a:font script="Jpan" typeface="游ゴシック"/>
@@ -12984,7 +13802,7 @@
   <a:extraClrSchemeLst/>
   <a:extLst>
     <a:ext uri="{05A4C25C-085E-4340-85A3-A5531E510DB2}">
-      <thm15:themeFamily xmlns:thm15="http://schemas.microsoft.com/office/thememl/2012/main" name="Office Theme" id="{62F939B6-93AF-4DB8-9C6B-D6C7DFDC589F}" vid="{4A3C46E8-61CC-4603-A589-7422A47A8E4A}"/>
+      <thm15:themeFamily xmlns="" xmlns:a="http://schemas.openxmlformats.org/drawingml/2006/main" xmlns:thm15="http://schemas.microsoft.com/office/thememl/2012/main" name="Office Theme" id="{62F939B6-93AF-4DB8-9C6B-D6C7DFDC589F}" vid="{4A3C46E8-61CC-4603-A589-7422A47A8E4A}"/>
     </a:ext>
   </a:extLst>
 </a:theme>
@@ -13033,7 +13851,7 @@
     </a:clrScheme>
     <a:fontScheme name="Office">
       <a:majorFont>
-        <a:latin typeface="Calibri Light" panose="020F0302020204030204"/>
+        <a:latin typeface="Calibri Light"/>
         <a:ea typeface=""/>
         <a:cs typeface=""/>
         <a:font script="Jpan" typeface="游ゴシック Light"/>
@@ -13068,7 +13886,7 @@
         <a:font script="Geor" typeface="Sylfaen"/>
       </a:majorFont>
       <a:minorFont>
-        <a:latin typeface="Calibri" panose="020F0502020204030204"/>
+        <a:latin typeface="Calibri"/>
         <a:ea typeface=""/>
         <a:cs typeface=""/>
         <a:font script="Jpan" typeface="游ゴシック"/>
@@ -13245,7 +14063,7 @@
   <a:extraClrSchemeLst/>
   <a:extLst>
     <a:ext uri="{05A4C25C-085E-4340-85A3-A5531E510DB2}">
-      <thm15:themeFamily xmlns:thm15="http://schemas.microsoft.com/office/thememl/2012/main" name="Office Theme" id="{62F939B6-93AF-4DB8-9C6B-D6C7DFDC589F}" vid="{4A3C46E8-61CC-4603-A589-7422A47A8E4A}"/>
+      <thm15:themeFamily xmlns="" xmlns:a="http://schemas.openxmlformats.org/drawingml/2006/main" xmlns:thm15="http://schemas.microsoft.com/office/thememl/2012/main" name="Office Theme" id="{62F939B6-93AF-4DB8-9C6B-D6C7DFDC589F}" vid="{4A3C46E8-61CC-4603-A589-7422A47A8E4A}"/>
     </a:ext>
   </a:extLst>
 </a:theme>
